--- a/20241108-lesson10.pptx
+++ b/20241108-lesson10.pptx
@@ -6,11 +6,11 @@
   </p:sldMasterIdLst>
   <p:sldIdLst>
     <p:sldId id="476" r:id="rId2"/>
-    <p:sldId id="519" r:id="rId3"/>
-    <p:sldId id="525" r:id="rId4"/>
-    <p:sldId id="517" r:id="rId5"/>
-    <p:sldId id="518" r:id="rId6"/>
-    <p:sldId id="524" r:id="rId7"/>
+    <p:sldId id="525" r:id="rId3"/>
+    <p:sldId id="517" r:id="rId4"/>
+    <p:sldId id="518" r:id="rId5"/>
+    <p:sldId id="524" r:id="rId6"/>
+    <p:sldId id="526" r:id="rId7"/>
     <p:sldId id="523" r:id="rId8"/>
     <p:sldId id="522" r:id="rId9"/>
     <p:sldId id="521" r:id="rId10"/>
@@ -121,2854 +121,6 @@
 </p:presentation>
 </file>
 
-<file path=ppt/diagrams/colors1.xml><?xml version="1.0" encoding="utf-8"?>
-<dgm:colorsDef xmlns:dgm="http://schemas.openxmlformats.org/drawingml/2006/diagram" xmlns:a="http://schemas.openxmlformats.org/drawingml/2006/main" uniqueId="urn:microsoft.com/office/officeart/2018/5/colors/Iconchunking_neutralbg_colorful1">
-  <dgm:title val=""/>
-  <dgm:desc val=""/>
-  <dgm:catLst>
-    <dgm:cat type="colorful" pri="10100"/>
-  </dgm:catLst>
-  <dgm:styleLbl name="node0">
-    <dgm:fillClrLst meth="repeat">
-      <a:schemeClr val="accent1"/>
-    </dgm:fillClrLst>
-    <dgm:linClrLst meth="repeat">
-      <a:schemeClr val="lt1"/>
-    </dgm:linClrLst>
-    <dgm:effectClrLst/>
-    <dgm:txLinClrLst/>
-    <dgm:txFillClrLst/>
-    <dgm:txEffectClrLst/>
-  </dgm:styleLbl>
-  <dgm:styleLbl name="node1">
-    <dgm:fillClrLst meth="repeat">
-      <a:schemeClr val="accent2"/>
-      <a:schemeClr val="accent3"/>
-      <a:schemeClr val="accent4"/>
-      <a:schemeClr val="accent5"/>
-      <a:schemeClr val="accent6"/>
-    </dgm:fillClrLst>
-    <dgm:linClrLst meth="repeat">
-      <a:schemeClr val="lt1">
-        <a:alpha val="0"/>
-      </a:schemeClr>
-    </dgm:linClrLst>
-    <dgm:effectClrLst/>
-    <dgm:txLinClrLst/>
-    <dgm:txFillClrLst/>
-    <dgm:txEffectClrLst/>
-  </dgm:styleLbl>
-  <dgm:styleLbl name="alignNode1">
-    <dgm:fillClrLst meth="repeat">
-      <a:schemeClr val="accent2"/>
-      <a:schemeClr val="accent3"/>
-      <a:schemeClr val="accent4"/>
-      <a:schemeClr val="accent5"/>
-      <a:schemeClr val="accent6"/>
-    </dgm:fillClrLst>
-    <dgm:linClrLst meth="repeat">
-      <a:schemeClr val="accent2"/>
-      <a:schemeClr val="accent3"/>
-      <a:schemeClr val="accent4"/>
-      <a:schemeClr val="accent5"/>
-      <a:schemeClr val="accent6"/>
-    </dgm:linClrLst>
-    <dgm:effectClrLst/>
-    <dgm:txLinClrLst/>
-    <dgm:txFillClrLst/>
-    <dgm:txEffectClrLst/>
-  </dgm:styleLbl>
-  <dgm:styleLbl name="lnNode1">
-    <dgm:fillClrLst meth="repeat">
-      <a:schemeClr val="accent2"/>
-      <a:schemeClr val="accent3"/>
-      <a:schemeClr val="accent4"/>
-      <a:schemeClr val="accent5"/>
-      <a:schemeClr val="accent6"/>
-    </dgm:fillClrLst>
-    <dgm:linClrLst meth="repeat">
-      <a:schemeClr val="lt1"/>
-    </dgm:linClrLst>
-    <dgm:effectClrLst/>
-    <dgm:txLinClrLst/>
-    <dgm:txFillClrLst/>
-    <dgm:txEffectClrLst/>
-  </dgm:styleLbl>
-  <dgm:styleLbl name="vennNode1">
-    <dgm:fillClrLst meth="repeat">
-      <a:schemeClr val="accent2">
-        <a:alpha val="50000"/>
-      </a:schemeClr>
-      <a:schemeClr val="accent3">
-        <a:alpha val="50000"/>
-      </a:schemeClr>
-      <a:schemeClr val="accent4">
-        <a:alpha val="50000"/>
-      </a:schemeClr>
-      <a:schemeClr val="accent5">
-        <a:alpha val="50000"/>
-      </a:schemeClr>
-      <a:schemeClr val="accent6">
-        <a:alpha val="50000"/>
-      </a:schemeClr>
-    </dgm:fillClrLst>
-    <dgm:linClrLst meth="repeat">
-      <a:schemeClr val="lt1"/>
-    </dgm:linClrLst>
-    <dgm:effectClrLst/>
-    <dgm:txLinClrLst/>
-    <dgm:txFillClrLst/>
-    <dgm:txEffectClrLst/>
-  </dgm:styleLbl>
-  <dgm:styleLbl name="node2">
-    <dgm:fillClrLst>
-      <a:schemeClr val="accent2"/>
-    </dgm:fillClrLst>
-    <dgm:linClrLst meth="repeat">
-      <a:schemeClr val="lt1"/>
-    </dgm:linClrLst>
-    <dgm:effectClrLst/>
-    <dgm:txLinClrLst/>
-    <dgm:txFillClrLst/>
-    <dgm:txEffectClrLst/>
-  </dgm:styleLbl>
-  <dgm:styleLbl name="node3">
-    <dgm:fillClrLst>
-      <a:schemeClr val="accent3"/>
-    </dgm:fillClrLst>
-    <dgm:linClrLst meth="repeat">
-      <a:schemeClr val="lt1"/>
-    </dgm:linClrLst>
-    <dgm:effectClrLst/>
-    <dgm:txLinClrLst/>
-    <dgm:txFillClrLst/>
-    <dgm:txEffectClrLst/>
-  </dgm:styleLbl>
-  <dgm:styleLbl name="node4">
-    <dgm:fillClrLst>
-      <a:schemeClr val="accent4"/>
-    </dgm:fillClrLst>
-    <dgm:linClrLst meth="repeat">
-      <a:schemeClr val="lt1"/>
-    </dgm:linClrLst>
-    <dgm:effectClrLst/>
-    <dgm:txLinClrLst/>
-    <dgm:txFillClrLst/>
-    <dgm:txEffectClrLst/>
-  </dgm:styleLbl>
-  <dgm:styleLbl name="fgImgPlace1">
-    <dgm:fillClrLst meth="repeat">
-      <a:schemeClr val="accent2">
-        <a:tint val="50000"/>
-      </a:schemeClr>
-      <a:schemeClr val="accent3">
-        <a:tint val="50000"/>
-      </a:schemeClr>
-      <a:schemeClr val="accent4">
-        <a:tint val="50000"/>
-      </a:schemeClr>
-      <a:schemeClr val="accent5">
-        <a:tint val="50000"/>
-      </a:schemeClr>
-      <a:schemeClr val="accent6">
-        <a:tint val="50000"/>
-      </a:schemeClr>
-    </dgm:fillClrLst>
-    <dgm:linClrLst meth="repeat">
-      <a:schemeClr val="lt1"/>
-    </dgm:linClrLst>
-    <dgm:effectClrLst/>
-    <dgm:txLinClrLst/>
-    <dgm:txFillClrLst meth="repeat">
-      <a:schemeClr val="lt1"/>
-    </dgm:txFillClrLst>
-    <dgm:txEffectClrLst/>
-  </dgm:styleLbl>
-  <dgm:styleLbl name="alignImgPlace1">
-    <dgm:fillClrLst>
-      <a:schemeClr val="accent1">
-        <a:tint val="50000"/>
-      </a:schemeClr>
-      <a:schemeClr val="accent2">
-        <a:tint val="20000"/>
-      </a:schemeClr>
-    </dgm:fillClrLst>
-    <dgm:linClrLst meth="repeat">
-      <a:schemeClr val="lt1"/>
-    </dgm:linClrLst>
-    <dgm:effectClrLst/>
-    <dgm:txLinClrLst/>
-    <dgm:txFillClrLst meth="repeat">
-      <a:schemeClr val="lt1"/>
-    </dgm:txFillClrLst>
-    <dgm:txEffectClrLst/>
-  </dgm:styleLbl>
-  <dgm:styleLbl name="bgImgPlace1">
-    <dgm:fillClrLst>
-      <a:schemeClr val="accent1">
-        <a:tint val="50000"/>
-      </a:schemeClr>
-      <a:schemeClr val="accent2">
-        <a:tint val="20000"/>
-      </a:schemeClr>
-    </dgm:fillClrLst>
-    <dgm:linClrLst meth="repeat">
-      <a:schemeClr val="lt1"/>
-    </dgm:linClrLst>
-    <dgm:effectClrLst/>
-    <dgm:txLinClrLst/>
-    <dgm:txFillClrLst meth="repeat">
-      <a:schemeClr val="lt1"/>
-    </dgm:txFillClrLst>
-    <dgm:txEffectClrLst/>
-  </dgm:styleLbl>
-  <dgm:styleLbl name="sibTrans2D1">
-    <dgm:fillClrLst meth="repeat">
-      <a:schemeClr val="accent2"/>
-      <a:schemeClr val="accent3"/>
-      <a:schemeClr val="accent4"/>
-      <a:schemeClr val="accent5"/>
-      <a:schemeClr val="accent6"/>
-    </dgm:fillClrLst>
-    <dgm:linClrLst meth="cycle">
-      <a:schemeClr val="lt1"/>
-    </dgm:linClrLst>
-    <dgm:effectClrLst/>
-    <dgm:txLinClrLst/>
-    <dgm:txFillClrLst/>
-    <dgm:txEffectClrLst/>
-  </dgm:styleLbl>
-  <dgm:styleLbl name="fgSibTrans2D1">
-    <dgm:fillClrLst meth="repeat">
-      <a:schemeClr val="accent2"/>
-      <a:schemeClr val="accent3"/>
-      <a:schemeClr val="accent4"/>
-      <a:schemeClr val="accent5"/>
-      <a:schemeClr val="accent6"/>
-    </dgm:fillClrLst>
-    <dgm:linClrLst meth="cycle">
-      <a:schemeClr val="lt1"/>
-    </dgm:linClrLst>
-    <dgm:effectClrLst/>
-    <dgm:txLinClrLst/>
-    <dgm:txFillClrLst meth="repeat">
-      <a:schemeClr val="lt1"/>
-    </dgm:txFillClrLst>
-    <dgm:txEffectClrLst/>
-  </dgm:styleLbl>
-  <dgm:styleLbl name="bgSibTrans2D1">
-    <dgm:fillClrLst meth="repeat">
-      <a:schemeClr val="accent2"/>
-      <a:schemeClr val="accent3"/>
-      <a:schemeClr val="accent4"/>
-      <a:schemeClr val="accent5"/>
-      <a:schemeClr val="accent6"/>
-    </dgm:fillClrLst>
-    <dgm:linClrLst meth="cycle">
-      <a:schemeClr val="lt1"/>
-    </dgm:linClrLst>
-    <dgm:effectClrLst/>
-    <dgm:txLinClrLst/>
-    <dgm:txFillClrLst meth="repeat">
-      <a:schemeClr val="lt1"/>
-    </dgm:txFillClrLst>
-    <dgm:txEffectClrLst/>
-  </dgm:styleLbl>
-  <dgm:styleLbl name="sibTrans1D1">
-    <dgm:fillClrLst meth="repeat">
-      <a:schemeClr val="accent2"/>
-      <a:schemeClr val="accent3"/>
-      <a:schemeClr val="accent4"/>
-      <a:schemeClr val="accent5"/>
-      <a:schemeClr val="accent6"/>
-    </dgm:fillClrLst>
-    <dgm:linClrLst meth="repeat">
-      <a:schemeClr val="accent2"/>
-      <a:schemeClr val="accent3"/>
-      <a:schemeClr val="accent4"/>
-      <a:schemeClr val="accent5"/>
-      <a:schemeClr val="accent6"/>
-    </dgm:linClrLst>
-    <dgm:effectClrLst/>
-    <dgm:txLinClrLst/>
-    <dgm:txFillClrLst meth="repeat">
-      <a:schemeClr val="tx1"/>
-    </dgm:txFillClrLst>
-    <dgm:txEffectClrLst/>
-  </dgm:styleLbl>
-  <dgm:styleLbl name="callout">
-    <dgm:fillClrLst meth="repeat">
-      <a:schemeClr val="accent2"/>
-    </dgm:fillClrLst>
-    <dgm:linClrLst meth="repeat">
-      <a:schemeClr val="accent2">
-        <a:tint val="50000"/>
-      </a:schemeClr>
-    </dgm:linClrLst>
-    <dgm:effectClrLst/>
-    <dgm:txLinClrLst/>
-    <dgm:txFillClrLst meth="repeat">
-      <a:schemeClr val="tx1"/>
-    </dgm:txFillClrLst>
-    <dgm:txEffectClrLst/>
-  </dgm:styleLbl>
-  <dgm:styleLbl name="asst0">
-    <dgm:fillClrLst meth="repeat">
-      <a:schemeClr val="accent1"/>
-    </dgm:fillClrLst>
-    <dgm:linClrLst meth="repeat">
-      <a:schemeClr val="lt1"/>
-    </dgm:linClrLst>
-    <dgm:effectClrLst/>
-    <dgm:txLinClrLst/>
-    <dgm:txFillClrLst/>
-    <dgm:txEffectClrLst/>
-  </dgm:styleLbl>
-  <dgm:styleLbl name="asst1">
-    <dgm:fillClrLst meth="repeat">
-      <a:schemeClr val="accent2"/>
-    </dgm:fillClrLst>
-    <dgm:linClrLst meth="repeat">
-      <a:schemeClr val="lt1"/>
-    </dgm:linClrLst>
-    <dgm:effectClrLst/>
-    <dgm:txLinClrLst/>
-    <dgm:txFillClrLst/>
-    <dgm:txEffectClrLst/>
-  </dgm:styleLbl>
-  <dgm:styleLbl name="asst2">
-    <dgm:fillClrLst>
-      <a:schemeClr val="accent3"/>
-    </dgm:fillClrLst>
-    <dgm:linClrLst meth="repeat">
-      <a:schemeClr val="lt1"/>
-    </dgm:linClrLst>
-    <dgm:effectClrLst/>
-    <dgm:txLinClrLst/>
-    <dgm:txFillClrLst/>
-    <dgm:txEffectClrLst/>
-  </dgm:styleLbl>
-  <dgm:styleLbl name="asst3">
-    <dgm:fillClrLst>
-      <a:schemeClr val="accent4"/>
-    </dgm:fillClrLst>
-    <dgm:linClrLst meth="repeat">
-      <a:schemeClr val="lt1"/>
-    </dgm:linClrLst>
-    <dgm:effectClrLst/>
-    <dgm:txLinClrLst/>
-    <dgm:txFillClrLst/>
-    <dgm:txEffectClrLst/>
-  </dgm:styleLbl>
-  <dgm:styleLbl name="asst4">
-    <dgm:fillClrLst>
-      <a:schemeClr val="accent5"/>
-    </dgm:fillClrLst>
-    <dgm:linClrLst meth="repeat">
-      <a:schemeClr val="lt1"/>
-    </dgm:linClrLst>
-    <dgm:effectClrLst/>
-    <dgm:txLinClrLst/>
-    <dgm:txFillClrLst/>
-    <dgm:txEffectClrLst/>
-  </dgm:styleLbl>
-  <dgm:styleLbl name="parChTrans2D1">
-    <dgm:fillClrLst meth="repeat">
-      <a:schemeClr val="accent2"/>
-    </dgm:fillClrLst>
-    <dgm:linClrLst meth="repeat">
-      <a:schemeClr val="lt1"/>
-    </dgm:linClrLst>
-    <dgm:effectClrLst/>
-    <dgm:txLinClrLst/>
-    <dgm:txFillClrLst meth="repeat">
-      <a:schemeClr val="lt1"/>
-    </dgm:txFillClrLst>
-    <dgm:txEffectClrLst/>
-  </dgm:styleLbl>
-  <dgm:styleLbl name="parChTrans2D2">
-    <dgm:fillClrLst meth="repeat">
-      <a:schemeClr val="accent3"/>
-    </dgm:fillClrLst>
-    <dgm:linClrLst meth="repeat">
-      <a:schemeClr val="lt1"/>
-    </dgm:linClrLst>
-    <dgm:effectClrLst/>
-    <dgm:txLinClrLst/>
-    <dgm:txFillClrLst/>
-    <dgm:txEffectClrLst/>
-  </dgm:styleLbl>
-  <dgm:styleLbl name="parChTrans2D3">
-    <dgm:fillClrLst meth="repeat">
-      <a:schemeClr val="accent4"/>
-    </dgm:fillClrLst>
-    <dgm:linClrLst meth="repeat">
-      <a:schemeClr val="lt1"/>
-    </dgm:linClrLst>
-    <dgm:effectClrLst/>
-    <dgm:txLinClrLst/>
-    <dgm:txFillClrLst/>
-    <dgm:txEffectClrLst/>
-  </dgm:styleLbl>
-  <dgm:styleLbl name="parChTrans2D4">
-    <dgm:fillClrLst meth="repeat">
-      <a:schemeClr val="accent5"/>
-    </dgm:fillClrLst>
-    <dgm:linClrLst meth="repeat">
-      <a:schemeClr val="lt1"/>
-    </dgm:linClrLst>
-    <dgm:effectClrLst/>
-    <dgm:txLinClrLst/>
-    <dgm:txFillClrLst meth="repeat">
-      <a:schemeClr val="lt1"/>
-    </dgm:txFillClrLst>
-    <dgm:txEffectClrLst/>
-  </dgm:styleLbl>
-  <dgm:styleLbl name="parChTrans1D1">
-    <dgm:fillClrLst meth="repeat">
-      <a:schemeClr val="accent2"/>
-    </dgm:fillClrLst>
-    <dgm:linClrLst meth="repeat">
-      <a:schemeClr val="accent1"/>
-    </dgm:linClrLst>
-    <dgm:effectClrLst/>
-    <dgm:txLinClrLst/>
-    <dgm:txFillClrLst meth="repeat">
-      <a:schemeClr val="tx1"/>
-    </dgm:txFillClrLst>
-    <dgm:txEffectClrLst/>
-  </dgm:styleLbl>
-  <dgm:styleLbl name="parChTrans1D2">
-    <dgm:fillClrLst meth="repeat">
-      <a:schemeClr val="accent3">
-        <a:tint val="90000"/>
-      </a:schemeClr>
-    </dgm:fillClrLst>
-    <dgm:linClrLst meth="repeat">
-      <a:schemeClr val="accent2"/>
-    </dgm:linClrLst>
-    <dgm:effectClrLst/>
-    <dgm:txLinClrLst/>
-    <dgm:txFillClrLst meth="repeat">
-      <a:schemeClr val="tx1"/>
-    </dgm:txFillClrLst>
-    <dgm:txEffectClrLst/>
-  </dgm:styleLbl>
-  <dgm:styleLbl name="parChTrans1D3">
-    <dgm:fillClrLst meth="repeat">
-      <a:schemeClr val="accent4">
-        <a:tint val="70000"/>
-      </a:schemeClr>
-    </dgm:fillClrLst>
-    <dgm:linClrLst meth="repeat">
-      <a:schemeClr val="accent3"/>
-    </dgm:linClrLst>
-    <dgm:effectClrLst/>
-    <dgm:txLinClrLst/>
-    <dgm:txFillClrLst meth="repeat">
-      <a:schemeClr val="tx1"/>
-    </dgm:txFillClrLst>
-    <dgm:txEffectClrLst/>
-  </dgm:styleLbl>
-  <dgm:styleLbl name="parChTrans1D4">
-    <dgm:fillClrLst meth="repeat">
-      <a:schemeClr val="accent5">
-        <a:tint val="50000"/>
-      </a:schemeClr>
-    </dgm:fillClrLst>
-    <dgm:linClrLst meth="repeat">
-      <a:schemeClr val="accent4"/>
-    </dgm:linClrLst>
-    <dgm:effectClrLst/>
-    <dgm:txLinClrLst/>
-    <dgm:txFillClrLst meth="repeat">
-      <a:schemeClr val="tx1"/>
-    </dgm:txFillClrLst>
-    <dgm:txEffectClrLst/>
-  </dgm:styleLbl>
-  <dgm:styleLbl name="fgAcc1">
-    <dgm:fillClrLst meth="repeat">
-      <a:schemeClr val="lt1">
-        <a:alpha val="90000"/>
-      </a:schemeClr>
-    </dgm:fillClrLst>
-    <dgm:linClrLst meth="repeat">
-      <a:schemeClr val="accent2"/>
-      <a:schemeClr val="accent3"/>
-      <a:schemeClr val="accent4"/>
-      <a:schemeClr val="accent5"/>
-      <a:schemeClr val="accent6"/>
-    </dgm:linClrLst>
-    <dgm:effectClrLst/>
-    <dgm:txLinClrLst/>
-    <dgm:txFillClrLst meth="repeat">
-      <a:schemeClr val="dk1"/>
-    </dgm:txFillClrLst>
-    <dgm:txEffectClrLst/>
-  </dgm:styleLbl>
-  <dgm:styleLbl name="conFgAcc1">
-    <dgm:fillClrLst meth="repeat">
-      <a:schemeClr val="lt1">
-        <a:alpha val="90000"/>
-      </a:schemeClr>
-    </dgm:fillClrLst>
-    <dgm:linClrLst meth="repeat">
-      <a:schemeClr val="accent2"/>
-      <a:schemeClr val="accent3"/>
-      <a:schemeClr val="accent4"/>
-      <a:schemeClr val="accent5"/>
-      <a:schemeClr val="accent6"/>
-    </dgm:linClrLst>
-    <dgm:effectClrLst/>
-    <dgm:txLinClrLst/>
-    <dgm:txFillClrLst meth="repeat">
-      <a:schemeClr val="dk1"/>
-    </dgm:txFillClrLst>
-    <dgm:txEffectClrLst/>
-  </dgm:styleLbl>
-  <dgm:styleLbl name="alignAcc1">
-    <dgm:fillClrLst meth="repeat">
-      <a:schemeClr val="lt1">
-        <a:alpha val="90000"/>
-      </a:schemeClr>
-    </dgm:fillClrLst>
-    <dgm:linClrLst meth="repeat">
-      <a:schemeClr val="accent2"/>
-      <a:schemeClr val="accent3"/>
-      <a:schemeClr val="accent4"/>
-      <a:schemeClr val="accent5"/>
-      <a:schemeClr val="accent6"/>
-    </dgm:linClrLst>
-    <dgm:effectClrLst/>
-    <dgm:txLinClrLst/>
-    <dgm:txFillClrLst meth="repeat">
-      <a:schemeClr val="dk1"/>
-    </dgm:txFillClrLst>
-    <dgm:txEffectClrLst/>
-  </dgm:styleLbl>
-  <dgm:styleLbl name="trAlignAcc1">
-    <dgm:fillClrLst meth="repeat">
-      <a:schemeClr val="lt1">
-        <a:alpha val="40000"/>
-      </a:schemeClr>
-    </dgm:fillClrLst>
-    <dgm:linClrLst meth="repeat">
-      <a:schemeClr val="accent1"/>
-    </dgm:linClrLst>
-    <dgm:effectClrLst/>
-    <dgm:txLinClrLst/>
-    <dgm:txFillClrLst meth="repeat">
-      <a:schemeClr val="dk1"/>
-    </dgm:txFillClrLst>
-    <dgm:txEffectClrLst/>
-  </dgm:styleLbl>
-  <dgm:styleLbl name="bgAcc1">
-    <dgm:fillClrLst meth="repeat">
-      <a:schemeClr val="lt1">
-        <a:alpha val="90000"/>
-      </a:schemeClr>
-    </dgm:fillClrLst>
-    <dgm:linClrLst meth="repeat">
-      <a:schemeClr val="accent2"/>
-      <a:schemeClr val="accent3"/>
-      <a:schemeClr val="accent4"/>
-      <a:schemeClr val="accent5"/>
-      <a:schemeClr val="accent6"/>
-    </dgm:linClrLst>
-    <dgm:effectClrLst/>
-    <dgm:txLinClrLst/>
-    <dgm:txFillClrLst meth="repeat">
-      <a:schemeClr val="dk1"/>
-    </dgm:txFillClrLst>
-    <dgm:txEffectClrLst/>
-  </dgm:styleLbl>
-  <dgm:styleLbl name="solidFgAcc1">
-    <dgm:fillClrLst meth="repeat">
-      <a:schemeClr val="lt1"/>
-    </dgm:fillClrLst>
-    <dgm:linClrLst meth="repeat">
-      <a:schemeClr val="accent2"/>
-      <a:schemeClr val="accent3"/>
-      <a:schemeClr val="accent4"/>
-      <a:schemeClr val="accent5"/>
-      <a:schemeClr val="accent6"/>
-    </dgm:linClrLst>
-    <dgm:effectClrLst/>
-    <dgm:txLinClrLst/>
-    <dgm:txFillClrLst meth="repeat">
-      <a:schemeClr val="dk1"/>
-    </dgm:txFillClrLst>
-    <dgm:txEffectClrLst/>
-  </dgm:styleLbl>
-  <dgm:styleLbl name="solidAlignAcc1">
-    <dgm:fillClrLst meth="repeat">
-      <a:schemeClr val="lt1"/>
-    </dgm:fillClrLst>
-    <dgm:linClrLst meth="repeat">
-      <a:schemeClr val="accent2"/>
-      <a:schemeClr val="accent3"/>
-      <a:schemeClr val="accent4"/>
-      <a:schemeClr val="accent5"/>
-      <a:schemeClr val="accent6"/>
-    </dgm:linClrLst>
-    <dgm:effectClrLst/>
-    <dgm:txLinClrLst/>
-    <dgm:txFillClrLst meth="repeat">
-      <a:schemeClr val="dk1"/>
-    </dgm:txFillClrLst>
-    <dgm:txEffectClrLst/>
-  </dgm:styleLbl>
-  <dgm:styleLbl name="solidBgAcc1">
-    <dgm:fillClrLst meth="repeat">
-      <a:schemeClr val="lt1"/>
-    </dgm:fillClrLst>
-    <dgm:linClrLst meth="repeat">
-      <a:schemeClr val="accent2"/>
-      <a:schemeClr val="accent3"/>
-      <a:schemeClr val="accent4"/>
-      <a:schemeClr val="accent5"/>
-      <a:schemeClr val="accent6"/>
-    </dgm:linClrLst>
-    <dgm:effectClrLst/>
-    <dgm:txLinClrLst/>
-    <dgm:txFillClrLst meth="repeat">
-      <a:schemeClr val="dk1"/>
-    </dgm:txFillClrLst>
-    <dgm:txEffectClrLst/>
-  </dgm:styleLbl>
-  <dgm:styleLbl name="fgAccFollowNode1">
-    <dgm:fillClrLst meth="repeat">
-      <a:schemeClr val="accent2">
-        <a:tint val="40000"/>
-        <a:alpha val="90000"/>
-      </a:schemeClr>
-      <a:schemeClr val="accent3">
-        <a:tint val="40000"/>
-        <a:alpha val="90000"/>
-      </a:schemeClr>
-      <a:schemeClr val="accent4">
-        <a:tint val="40000"/>
-        <a:alpha val="90000"/>
-      </a:schemeClr>
-      <a:schemeClr val="accent5">
-        <a:tint val="40000"/>
-        <a:alpha val="90000"/>
-      </a:schemeClr>
-      <a:schemeClr val="accent6">
-        <a:tint val="40000"/>
-        <a:alpha val="90000"/>
-      </a:schemeClr>
-    </dgm:fillClrLst>
-    <dgm:linClrLst meth="repeat">
-      <a:schemeClr val="accent2">
-        <a:tint val="40000"/>
-        <a:alpha val="90000"/>
-      </a:schemeClr>
-      <a:schemeClr val="accent3">
-        <a:tint val="40000"/>
-        <a:alpha val="90000"/>
-      </a:schemeClr>
-      <a:schemeClr val="accent4">
-        <a:tint val="40000"/>
-        <a:alpha val="90000"/>
-      </a:schemeClr>
-      <a:schemeClr val="accent5">
-        <a:tint val="40000"/>
-        <a:alpha val="90000"/>
-      </a:schemeClr>
-      <a:schemeClr val="accent6">
-        <a:tint val="40000"/>
-        <a:alpha val="90000"/>
-      </a:schemeClr>
-    </dgm:linClrLst>
-    <dgm:effectClrLst/>
-    <dgm:txLinClrLst/>
-    <dgm:txFillClrLst meth="repeat">
-      <a:schemeClr val="dk1"/>
-    </dgm:txFillClrLst>
-    <dgm:txEffectClrLst/>
-  </dgm:styleLbl>
-  <dgm:styleLbl name="alignAccFollowNode1">
-    <dgm:fillClrLst meth="repeat">
-      <a:schemeClr val="accent2">
-        <a:tint val="40000"/>
-        <a:alpha val="90000"/>
-      </a:schemeClr>
-      <a:schemeClr val="accent3">
-        <a:tint val="40000"/>
-        <a:alpha val="90000"/>
-      </a:schemeClr>
-      <a:schemeClr val="accent4">
-        <a:tint val="40000"/>
-        <a:alpha val="90000"/>
-      </a:schemeClr>
-      <a:schemeClr val="accent5">
-        <a:tint val="40000"/>
-        <a:alpha val="90000"/>
-      </a:schemeClr>
-      <a:schemeClr val="accent6">
-        <a:tint val="40000"/>
-        <a:alpha val="90000"/>
-      </a:schemeClr>
-    </dgm:fillClrLst>
-    <dgm:linClrLst meth="repeat">
-      <a:schemeClr val="accent2">
-        <a:tint val="40000"/>
-        <a:alpha val="90000"/>
-      </a:schemeClr>
-      <a:schemeClr val="accent3">
-        <a:tint val="40000"/>
-        <a:alpha val="90000"/>
-      </a:schemeClr>
-      <a:schemeClr val="accent4">
-        <a:tint val="40000"/>
-        <a:alpha val="90000"/>
-      </a:schemeClr>
-      <a:schemeClr val="accent5">
-        <a:tint val="40000"/>
-        <a:alpha val="90000"/>
-      </a:schemeClr>
-      <a:schemeClr val="accent6">
-        <a:tint val="40000"/>
-        <a:alpha val="90000"/>
-      </a:schemeClr>
-    </dgm:linClrLst>
-    <dgm:effectClrLst/>
-    <dgm:txLinClrLst/>
-    <dgm:txFillClrLst meth="repeat">
-      <a:schemeClr val="dk1"/>
-    </dgm:txFillClrLst>
-    <dgm:txEffectClrLst/>
-  </dgm:styleLbl>
-  <dgm:styleLbl name="bgAccFollowNode1">
-    <dgm:fillClrLst meth="repeat">
-      <a:schemeClr val="accent2">
-        <a:tint val="40000"/>
-        <a:alpha val="90000"/>
-      </a:schemeClr>
-      <a:schemeClr val="accent3">
-        <a:tint val="40000"/>
-        <a:alpha val="90000"/>
-      </a:schemeClr>
-      <a:schemeClr val="accent4">
-        <a:tint val="40000"/>
-        <a:alpha val="90000"/>
-      </a:schemeClr>
-      <a:schemeClr val="accent5">
-        <a:tint val="40000"/>
-        <a:alpha val="90000"/>
-      </a:schemeClr>
-      <a:schemeClr val="accent6">
-        <a:tint val="40000"/>
-        <a:alpha val="90000"/>
-      </a:schemeClr>
-    </dgm:fillClrLst>
-    <dgm:linClrLst meth="repeat">
-      <a:schemeClr val="accent2">
-        <a:tint val="40000"/>
-        <a:alpha val="90000"/>
-      </a:schemeClr>
-      <a:schemeClr val="accent3">
-        <a:tint val="40000"/>
-        <a:alpha val="90000"/>
-      </a:schemeClr>
-      <a:schemeClr val="accent4">
-        <a:tint val="40000"/>
-        <a:alpha val="90000"/>
-      </a:schemeClr>
-      <a:schemeClr val="accent5">
-        <a:tint val="40000"/>
-        <a:alpha val="90000"/>
-      </a:schemeClr>
-      <a:schemeClr val="accent6">
-        <a:tint val="40000"/>
-        <a:alpha val="90000"/>
-      </a:schemeClr>
-    </dgm:linClrLst>
-    <dgm:effectClrLst/>
-    <dgm:txLinClrLst/>
-    <dgm:txFillClrLst meth="repeat">
-      <a:schemeClr val="dk1"/>
-    </dgm:txFillClrLst>
-    <dgm:txEffectClrLst/>
-  </dgm:styleLbl>
-  <dgm:styleLbl name="fgAcc0">
-    <dgm:fillClrLst meth="repeat">
-      <a:schemeClr val="lt1">
-        <a:alpha val="90000"/>
-      </a:schemeClr>
-    </dgm:fillClrLst>
-    <dgm:linClrLst>
-      <a:schemeClr val="accent1"/>
-    </dgm:linClrLst>
-    <dgm:effectClrLst/>
-    <dgm:txLinClrLst/>
-    <dgm:txFillClrLst meth="repeat">
-      <a:schemeClr val="dk1"/>
-    </dgm:txFillClrLst>
-    <dgm:txEffectClrLst/>
-  </dgm:styleLbl>
-  <dgm:styleLbl name="fgAcc2">
-    <dgm:fillClrLst meth="repeat">
-      <a:schemeClr val="lt1">
-        <a:alpha val="90000"/>
-      </a:schemeClr>
-    </dgm:fillClrLst>
-    <dgm:linClrLst>
-      <a:schemeClr val="accent2"/>
-    </dgm:linClrLst>
-    <dgm:effectClrLst/>
-    <dgm:txLinClrLst/>
-    <dgm:txFillClrLst meth="repeat">
-      <a:schemeClr val="dk1"/>
-    </dgm:txFillClrLst>
-    <dgm:txEffectClrLst/>
-  </dgm:styleLbl>
-  <dgm:styleLbl name="fgAcc3">
-    <dgm:fillClrLst meth="repeat">
-      <a:schemeClr val="lt1">
-        <a:alpha val="90000"/>
-      </a:schemeClr>
-    </dgm:fillClrLst>
-    <dgm:linClrLst>
-      <a:schemeClr val="accent3"/>
-    </dgm:linClrLst>
-    <dgm:effectClrLst/>
-    <dgm:txLinClrLst/>
-    <dgm:txFillClrLst meth="repeat">
-      <a:schemeClr val="dk1"/>
-    </dgm:txFillClrLst>
-    <dgm:txEffectClrLst/>
-  </dgm:styleLbl>
-  <dgm:styleLbl name="fgAcc4">
-    <dgm:fillClrLst meth="repeat">
-      <a:schemeClr val="lt1">
-        <a:alpha val="90000"/>
-      </a:schemeClr>
-    </dgm:fillClrLst>
-    <dgm:linClrLst>
-      <a:schemeClr val="accent4"/>
-    </dgm:linClrLst>
-    <dgm:effectClrLst/>
-    <dgm:txLinClrLst/>
-    <dgm:txFillClrLst meth="repeat">
-      <a:schemeClr val="dk1"/>
-    </dgm:txFillClrLst>
-    <dgm:txEffectClrLst/>
-  </dgm:styleLbl>
-  <dgm:styleLbl name="bgShp">
-    <dgm:fillClrLst meth="repeat">
-      <a:schemeClr val="bg1">
-        <a:lumMod val="95000"/>
-      </a:schemeClr>
-    </dgm:fillClrLst>
-    <dgm:linClrLst meth="repeat">
-      <a:schemeClr val="dk1"/>
-    </dgm:linClrLst>
-    <dgm:effectClrLst/>
-    <dgm:txLinClrLst/>
-    <dgm:txFillClrLst meth="repeat">
-      <a:schemeClr val="dk1"/>
-    </dgm:txFillClrLst>
-    <dgm:txEffectClrLst/>
-  </dgm:styleLbl>
-  <dgm:styleLbl name="dkBgShp">
-    <dgm:fillClrLst meth="repeat">
-      <a:schemeClr val="accent2">
-        <a:shade val="90000"/>
-      </a:schemeClr>
-    </dgm:fillClrLst>
-    <dgm:linClrLst meth="repeat">
-      <a:schemeClr val="dk1"/>
-    </dgm:linClrLst>
-    <dgm:effectClrLst/>
-    <dgm:txLinClrLst/>
-    <dgm:txFillClrLst meth="repeat">
-      <a:schemeClr val="lt1"/>
-    </dgm:txFillClrLst>
-    <dgm:txEffectClrLst/>
-  </dgm:styleLbl>
-  <dgm:styleLbl name="trBgShp">
-    <dgm:fillClrLst meth="repeat">
-      <a:schemeClr val="accent1">
-        <a:tint val="50000"/>
-        <a:alpha val="40000"/>
-      </a:schemeClr>
-    </dgm:fillClrLst>
-    <dgm:linClrLst meth="repeat">
-      <a:schemeClr val="accent2"/>
-    </dgm:linClrLst>
-    <dgm:effectClrLst/>
-    <dgm:txLinClrLst/>
-    <dgm:txFillClrLst meth="repeat">
-      <a:schemeClr val="lt1"/>
-    </dgm:txFillClrLst>
-    <dgm:txEffectClrLst/>
-  </dgm:styleLbl>
-  <dgm:styleLbl name="fgShp">
-    <dgm:fillClrLst meth="repeat">
-      <a:schemeClr val="accent2">
-        <a:tint val="40000"/>
-      </a:schemeClr>
-    </dgm:fillClrLst>
-    <dgm:linClrLst meth="repeat">
-      <a:schemeClr val="lt1"/>
-    </dgm:linClrLst>
-    <dgm:effectClrLst/>
-    <dgm:txLinClrLst/>
-    <dgm:txFillClrLst meth="repeat">
-      <a:schemeClr val="dk1"/>
-    </dgm:txFillClrLst>
-    <dgm:txEffectClrLst/>
-  </dgm:styleLbl>
-  <dgm:styleLbl name="revTx">
-    <dgm:fillClrLst meth="repeat">
-      <a:schemeClr val="lt1">
-        <a:alpha val="0"/>
-      </a:schemeClr>
-    </dgm:fillClrLst>
-    <dgm:linClrLst meth="repeat">
-      <a:schemeClr val="dk1">
-        <a:alpha val="0"/>
-      </a:schemeClr>
-    </dgm:linClrLst>
-    <dgm:effectClrLst/>
-    <dgm:txLinClrLst/>
-    <dgm:txFillClrLst meth="repeat">
-      <a:schemeClr val="tx1"/>
-    </dgm:txFillClrLst>
-    <dgm:txEffectClrLst/>
-  </dgm:styleLbl>
-</dgm:colorsDef>
-</file>
-
-<file path=ppt/diagrams/data1.xml><?xml version="1.0" encoding="utf-8"?>
-<dgm:dataModel xmlns:dgm="http://schemas.openxmlformats.org/drawingml/2006/diagram" xmlns:a="http://schemas.openxmlformats.org/drawingml/2006/main">
-  <dgm:ptLst>
-    <dgm:pt modelId="{D369E0F8-8607-4653-85C6-20713BADA135}" type="doc">
-      <dgm:prSet loTypeId="urn:microsoft.com/office/officeart/2018/5/layout/CenteredIconLabelDescriptionList" loCatId="icon" qsTypeId="urn:microsoft.com/office/officeart/2005/8/quickstyle/simple1" qsCatId="simple" csTypeId="urn:microsoft.com/office/officeart/2018/5/colors/Iconchunking_neutralbg_colorful1" csCatId="colorful" phldr="1"/>
-      <dgm:spPr/>
-      <dgm:t>
-        <a:bodyPr/>
-        <a:lstStyle/>
-        <a:p>
-          <a:endParaRPr lang="en-US"/>
-        </a:p>
-      </dgm:t>
-    </dgm:pt>
-    <dgm:pt modelId="{3FEF008F-2CA0-4DF6-8D9A-C8F2C14BC6C2}">
-      <dgm:prSet/>
-      <dgm:spPr/>
-      <dgm:t>
-        <a:bodyPr/>
-        <a:lstStyle/>
-        <a:p>
-          <a:pPr>
-            <a:lnSpc>
-              <a:spcPct val="100000"/>
-            </a:lnSpc>
-            <a:defRPr b="1"/>
-          </a:pPr>
-          <a:r>
-            <a:rPr lang="en-US"/>
-            <a:t>Before Break</a:t>
-          </a:r>
-        </a:p>
-      </dgm:t>
-    </dgm:pt>
-    <dgm:pt modelId="{BDECB986-B96A-438D-88D8-96AF4B8AEF4B}" type="parTrans" cxnId="{3B9DF642-D562-4AD9-B8FF-9119830480C2}">
-      <dgm:prSet/>
-      <dgm:spPr/>
-      <dgm:t>
-        <a:bodyPr/>
-        <a:lstStyle/>
-        <a:p>
-          <a:endParaRPr lang="en-US"/>
-        </a:p>
-      </dgm:t>
-    </dgm:pt>
-    <dgm:pt modelId="{D879FA8E-D321-4A85-8DCD-3611F9A6DC3F}" type="sibTrans" cxnId="{3B9DF642-D562-4AD9-B8FF-9119830480C2}">
-      <dgm:prSet/>
-      <dgm:spPr/>
-      <dgm:t>
-        <a:bodyPr/>
-        <a:lstStyle/>
-        <a:p>
-          <a:endParaRPr lang="en-US"/>
-        </a:p>
-      </dgm:t>
-    </dgm:pt>
-    <dgm:pt modelId="{46A05E15-2CE8-407C-BAD7-C5C301BE9D2F}">
-      <dgm:prSet/>
-      <dgm:spPr/>
-      <dgm:t>
-        <a:bodyPr/>
-        <a:lstStyle/>
-        <a:p>
-          <a:pPr>
-            <a:lnSpc>
-              <a:spcPct val="100000"/>
-            </a:lnSpc>
-          </a:pPr>
-          <a:r>
-            <a:rPr lang="en-US" dirty="0"/>
-            <a:t>Taking a note of students’ work (and correct them when where is mistakes)</a:t>
-          </a:r>
-        </a:p>
-      </dgm:t>
-    </dgm:pt>
-    <dgm:pt modelId="{E567ED65-30CD-4E19-957A-88E076E6CDD6}" type="parTrans" cxnId="{3C00F26C-FD25-4430-A388-664CC6947CE8}">
-      <dgm:prSet/>
-      <dgm:spPr/>
-      <dgm:t>
-        <a:bodyPr/>
-        <a:lstStyle/>
-        <a:p>
-          <a:endParaRPr lang="en-US"/>
-        </a:p>
-      </dgm:t>
-    </dgm:pt>
-    <dgm:pt modelId="{2F119D14-E50B-4DD2-89F5-2F0DA2F80D5D}" type="sibTrans" cxnId="{3C00F26C-FD25-4430-A388-664CC6947CE8}">
-      <dgm:prSet/>
-      <dgm:spPr/>
-      <dgm:t>
-        <a:bodyPr/>
-        <a:lstStyle/>
-        <a:p>
-          <a:endParaRPr lang="en-US"/>
-        </a:p>
-      </dgm:t>
-    </dgm:pt>
-    <dgm:pt modelId="{E6C32D9E-787D-413F-B576-94D6D2F9C6FE}">
-      <dgm:prSet/>
-      <dgm:spPr/>
-      <dgm:t>
-        <a:bodyPr/>
-        <a:lstStyle/>
-        <a:p>
-          <a:pPr>
-            <a:lnSpc>
-              <a:spcPct val="100000"/>
-            </a:lnSpc>
-            <a:defRPr b="1"/>
-          </a:pPr>
-          <a:r>
-            <a:rPr lang="en-US"/>
-            <a:t>After Break</a:t>
-          </a:r>
-        </a:p>
-      </dgm:t>
-    </dgm:pt>
-    <dgm:pt modelId="{EF54B42B-9851-465C-9DC2-38CD511CFBA2}" type="parTrans" cxnId="{8E73DCC5-7877-4004-846B-BF819E091A04}">
-      <dgm:prSet/>
-      <dgm:spPr/>
-      <dgm:t>
-        <a:bodyPr/>
-        <a:lstStyle/>
-        <a:p>
-          <a:endParaRPr lang="en-US"/>
-        </a:p>
-      </dgm:t>
-    </dgm:pt>
-    <dgm:pt modelId="{B978765F-D82F-47A3-9CCA-E0592D0DA16E}" type="sibTrans" cxnId="{8E73DCC5-7877-4004-846B-BF819E091A04}">
-      <dgm:prSet/>
-      <dgm:spPr/>
-      <dgm:t>
-        <a:bodyPr/>
-        <a:lstStyle/>
-        <a:p>
-          <a:endParaRPr lang="en-US"/>
-        </a:p>
-      </dgm:t>
-    </dgm:pt>
-    <dgm:pt modelId="{0C4FBA52-768A-4815-828B-E80BC3570A80}">
-      <dgm:prSet/>
-      <dgm:spPr/>
-      <dgm:t>
-        <a:bodyPr/>
-        <a:lstStyle/>
-        <a:p>
-          <a:pPr>
-            <a:lnSpc>
-              <a:spcPct val="100000"/>
-            </a:lnSpc>
-          </a:pPr>
-          <a:r>
-            <a:rPr lang="en-US" dirty="0"/>
-            <a:t>Explaining different parts of a control</a:t>
-          </a:r>
-        </a:p>
-      </dgm:t>
-    </dgm:pt>
-    <dgm:pt modelId="{73CA8380-2D6F-4F28-8266-126923777D2A}" type="parTrans" cxnId="{6786FECE-8B4C-4CF9-847B-1D9E61E4EF24}">
-      <dgm:prSet/>
-      <dgm:spPr/>
-      <dgm:t>
-        <a:bodyPr/>
-        <a:lstStyle/>
-        <a:p>
-          <a:endParaRPr lang="en-US"/>
-        </a:p>
-      </dgm:t>
-    </dgm:pt>
-    <dgm:pt modelId="{18747768-29FC-4636-A871-0CC6CC87AF70}" type="sibTrans" cxnId="{6786FECE-8B4C-4CF9-847B-1D9E61E4EF24}">
-      <dgm:prSet/>
-      <dgm:spPr/>
-      <dgm:t>
-        <a:bodyPr/>
-        <a:lstStyle/>
-        <a:p>
-          <a:endParaRPr lang="en-US"/>
-        </a:p>
-      </dgm:t>
-    </dgm:pt>
-    <dgm:pt modelId="{CFE41EDA-5FD6-409E-85BC-EBEA55A0900D}" type="pres">
-      <dgm:prSet presAssocID="{D369E0F8-8607-4653-85C6-20713BADA135}" presName="root" presStyleCnt="0">
-        <dgm:presLayoutVars>
-          <dgm:dir/>
-          <dgm:resizeHandles val="exact"/>
-        </dgm:presLayoutVars>
-      </dgm:prSet>
-      <dgm:spPr/>
-    </dgm:pt>
-    <dgm:pt modelId="{B03A2D27-6E4E-4A17-B0F0-5CB10D3C9C17}" type="pres">
-      <dgm:prSet presAssocID="{3FEF008F-2CA0-4DF6-8D9A-C8F2C14BC6C2}" presName="compNode" presStyleCnt="0"/>
-      <dgm:spPr/>
-    </dgm:pt>
-    <dgm:pt modelId="{8FCF35CA-9C4C-4575-98B6-9548F503B3D7}" type="pres">
-      <dgm:prSet presAssocID="{3FEF008F-2CA0-4DF6-8D9A-C8F2C14BC6C2}" presName="iconRect" presStyleLbl="node1" presStyleIdx="0" presStyleCnt="2"/>
-      <dgm:spPr>
-        <a:blipFill>
-          <a:blip xmlns:r="http://schemas.openxmlformats.org/officeDocument/2006/relationships" r:embed="rId1">
-            <a:extLst>
-              <a:ext uri="{28A0092B-C50C-407E-A947-70E740481C1C}">
-                <a14:useLocalDpi xmlns:a14="http://schemas.microsoft.com/office/drawing/2010/main" val="0"/>
-              </a:ext>
-              <a:ext uri="{96DAC541-7B7A-43D3-8B79-37D633B846F1}">
-                <asvg:svgBlip xmlns:asvg="http://schemas.microsoft.com/office/drawing/2016/SVG/main" r:embed="rId2"/>
-              </a:ext>
-            </a:extLst>
-          </a:blip>
-          <a:stretch>
-            <a:fillRect/>
-          </a:stretch>
-        </a:blipFill>
-        <a:ln>
-          <a:noFill/>
-        </a:ln>
-      </dgm:spPr>
-      <dgm:extLst>
-        <a:ext uri="{E40237B7-FDA0-4F09-8148-C483321AD2D9}">
-          <dgm14:cNvPr xmlns:dgm14="http://schemas.microsoft.com/office/drawing/2010/diagram" id="0" name="" descr="Pencil"/>
-        </a:ext>
-      </dgm:extLst>
-    </dgm:pt>
-    <dgm:pt modelId="{858E035F-DF6A-4FB6-89D0-871BD17507A2}" type="pres">
-      <dgm:prSet presAssocID="{3FEF008F-2CA0-4DF6-8D9A-C8F2C14BC6C2}" presName="iconSpace" presStyleCnt="0"/>
-      <dgm:spPr/>
-    </dgm:pt>
-    <dgm:pt modelId="{23663847-DE81-41EF-9712-CF25CCA3E3F3}" type="pres">
-      <dgm:prSet presAssocID="{3FEF008F-2CA0-4DF6-8D9A-C8F2C14BC6C2}" presName="parTx" presStyleLbl="revTx" presStyleIdx="0" presStyleCnt="4">
-        <dgm:presLayoutVars>
-          <dgm:chMax val="0"/>
-          <dgm:chPref val="0"/>
-        </dgm:presLayoutVars>
-      </dgm:prSet>
-      <dgm:spPr/>
-    </dgm:pt>
-    <dgm:pt modelId="{BE8AD585-F10B-4A7A-84A0-823464B15E49}" type="pres">
-      <dgm:prSet presAssocID="{3FEF008F-2CA0-4DF6-8D9A-C8F2C14BC6C2}" presName="txSpace" presStyleCnt="0"/>
-      <dgm:spPr/>
-    </dgm:pt>
-    <dgm:pt modelId="{60CEF9B7-614B-4BA2-B13B-AD042E129C45}" type="pres">
-      <dgm:prSet presAssocID="{3FEF008F-2CA0-4DF6-8D9A-C8F2C14BC6C2}" presName="desTx" presStyleLbl="revTx" presStyleIdx="1" presStyleCnt="4">
-        <dgm:presLayoutVars/>
-      </dgm:prSet>
-      <dgm:spPr/>
-    </dgm:pt>
-    <dgm:pt modelId="{26A92BC3-066D-4688-99A2-547543217DCE}" type="pres">
-      <dgm:prSet presAssocID="{D879FA8E-D321-4A85-8DCD-3611F9A6DC3F}" presName="sibTrans" presStyleCnt="0"/>
-      <dgm:spPr/>
-    </dgm:pt>
-    <dgm:pt modelId="{0261541A-265E-48F4-8725-74899E64D04A}" type="pres">
-      <dgm:prSet presAssocID="{E6C32D9E-787D-413F-B576-94D6D2F9C6FE}" presName="compNode" presStyleCnt="0"/>
-      <dgm:spPr/>
-    </dgm:pt>
-    <dgm:pt modelId="{4C0841C1-9683-4F1C-8A1C-10D2401E67B4}" type="pres">
-      <dgm:prSet presAssocID="{E6C32D9E-787D-413F-B576-94D6D2F9C6FE}" presName="iconRect" presStyleLbl="node1" presStyleIdx="1" presStyleCnt="2"/>
-      <dgm:spPr>
-        <a:blipFill>
-          <a:blip xmlns:r="http://schemas.openxmlformats.org/officeDocument/2006/relationships" r:embed="rId3">
-            <a:extLst>
-              <a:ext uri="{28A0092B-C50C-407E-A947-70E740481C1C}">
-                <a14:useLocalDpi xmlns:a14="http://schemas.microsoft.com/office/drawing/2010/main" val="0"/>
-              </a:ext>
-              <a:ext uri="{96DAC541-7B7A-43D3-8B79-37D633B846F1}">
-                <asvg:svgBlip xmlns:asvg="http://schemas.microsoft.com/office/drawing/2016/SVG/main" r:embed="rId4"/>
-              </a:ext>
-            </a:extLst>
-          </a:blip>
-          <a:stretch>
-            <a:fillRect/>
-          </a:stretch>
-        </a:blipFill>
-        <a:ln>
-          <a:noFill/>
-        </a:ln>
-      </dgm:spPr>
-      <dgm:extLst>
-        <a:ext uri="{E40237B7-FDA0-4F09-8148-C483321AD2D9}">
-          <dgm14:cNvPr xmlns:dgm14="http://schemas.microsoft.com/office/drawing/2010/diagram" id="0" name="" descr="Test tubes"/>
-        </a:ext>
-      </dgm:extLst>
-    </dgm:pt>
-    <dgm:pt modelId="{1A9ABCF5-CE78-4134-AEA4-17D5E0108622}" type="pres">
-      <dgm:prSet presAssocID="{E6C32D9E-787D-413F-B576-94D6D2F9C6FE}" presName="iconSpace" presStyleCnt="0"/>
-      <dgm:spPr/>
-    </dgm:pt>
-    <dgm:pt modelId="{5C83BD22-3F19-47DA-B595-C1040F4D2D30}" type="pres">
-      <dgm:prSet presAssocID="{E6C32D9E-787D-413F-B576-94D6D2F9C6FE}" presName="parTx" presStyleLbl="revTx" presStyleIdx="2" presStyleCnt="4">
-        <dgm:presLayoutVars>
-          <dgm:chMax val="0"/>
-          <dgm:chPref val="0"/>
-        </dgm:presLayoutVars>
-      </dgm:prSet>
-      <dgm:spPr/>
-    </dgm:pt>
-    <dgm:pt modelId="{AEA784DA-3850-4D4B-9F01-A12F5130333F}" type="pres">
-      <dgm:prSet presAssocID="{E6C32D9E-787D-413F-B576-94D6D2F9C6FE}" presName="txSpace" presStyleCnt="0"/>
-      <dgm:spPr/>
-    </dgm:pt>
-    <dgm:pt modelId="{97757E66-AA44-406E-B17D-B4DB76785EE0}" type="pres">
-      <dgm:prSet presAssocID="{E6C32D9E-787D-413F-B576-94D6D2F9C6FE}" presName="desTx" presStyleLbl="revTx" presStyleIdx="3" presStyleCnt="4">
-        <dgm:presLayoutVars/>
-      </dgm:prSet>
-      <dgm:spPr/>
-    </dgm:pt>
-  </dgm:ptLst>
-  <dgm:cxnLst>
-    <dgm:cxn modelId="{D9921119-8BD6-4B1E-8BE8-3403916CA1A8}" type="presOf" srcId="{0C4FBA52-768A-4815-828B-E80BC3570A80}" destId="{97757E66-AA44-406E-B17D-B4DB76785EE0}" srcOrd="0" destOrd="0" presId="urn:microsoft.com/office/officeart/2018/5/layout/CenteredIconLabelDescriptionList"/>
-    <dgm:cxn modelId="{3B9DF642-D562-4AD9-B8FF-9119830480C2}" srcId="{D369E0F8-8607-4653-85C6-20713BADA135}" destId="{3FEF008F-2CA0-4DF6-8D9A-C8F2C14BC6C2}" srcOrd="0" destOrd="0" parTransId="{BDECB986-B96A-438D-88D8-96AF4B8AEF4B}" sibTransId="{D879FA8E-D321-4A85-8DCD-3611F9A6DC3F}"/>
-    <dgm:cxn modelId="{D55AA362-803E-477C-8CE2-B4409FAA7973}" type="presOf" srcId="{46A05E15-2CE8-407C-BAD7-C5C301BE9D2F}" destId="{60CEF9B7-614B-4BA2-B13B-AD042E129C45}" srcOrd="0" destOrd="0" presId="urn:microsoft.com/office/officeart/2018/5/layout/CenteredIconLabelDescriptionList"/>
-    <dgm:cxn modelId="{3C00F26C-FD25-4430-A388-664CC6947CE8}" srcId="{3FEF008F-2CA0-4DF6-8D9A-C8F2C14BC6C2}" destId="{46A05E15-2CE8-407C-BAD7-C5C301BE9D2F}" srcOrd="0" destOrd="0" parTransId="{E567ED65-30CD-4E19-957A-88E076E6CDD6}" sibTransId="{2F119D14-E50B-4DD2-89F5-2F0DA2F80D5D}"/>
-    <dgm:cxn modelId="{36A2647B-145C-4A54-BB5C-3810F919A2DA}" type="presOf" srcId="{3FEF008F-2CA0-4DF6-8D9A-C8F2C14BC6C2}" destId="{23663847-DE81-41EF-9712-CF25CCA3E3F3}" srcOrd="0" destOrd="0" presId="urn:microsoft.com/office/officeart/2018/5/layout/CenteredIconLabelDescriptionList"/>
-    <dgm:cxn modelId="{69E05CAE-9FB3-4E3E-8769-CEA59514096E}" type="presOf" srcId="{E6C32D9E-787D-413F-B576-94D6D2F9C6FE}" destId="{5C83BD22-3F19-47DA-B595-C1040F4D2D30}" srcOrd="0" destOrd="0" presId="urn:microsoft.com/office/officeart/2018/5/layout/CenteredIconLabelDescriptionList"/>
-    <dgm:cxn modelId="{8E73DCC5-7877-4004-846B-BF819E091A04}" srcId="{D369E0F8-8607-4653-85C6-20713BADA135}" destId="{E6C32D9E-787D-413F-B576-94D6D2F9C6FE}" srcOrd="1" destOrd="0" parTransId="{EF54B42B-9851-465C-9DC2-38CD511CFBA2}" sibTransId="{B978765F-D82F-47A3-9CCA-E0592D0DA16E}"/>
-    <dgm:cxn modelId="{6786FECE-8B4C-4CF9-847B-1D9E61E4EF24}" srcId="{E6C32D9E-787D-413F-B576-94D6D2F9C6FE}" destId="{0C4FBA52-768A-4815-828B-E80BC3570A80}" srcOrd="0" destOrd="0" parTransId="{73CA8380-2D6F-4F28-8266-126923777D2A}" sibTransId="{18747768-29FC-4636-A871-0CC6CC87AF70}"/>
-    <dgm:cxn modelId="{CA0596E2-7376-402F-A57B-9669DA72C7E3}" type="presOf" srcId="{D369E0F8-8607-4653-85C6-20713BADA135}" destId="{CFE41EDA-5FD6-409E-85BC-EBEA55A0900D}" srcOrd="0" destOrd="0" presId="urn:microsoft.com/office/officeart/2018/5/layout/CenteredIconLabelDescriptionList"/>
-    <dgm:cxn modelId="{D3A4A202-3E57-485D-8496-14F030F78AD1}" type="presParOf" srcId="{CFE41EDA-5FD6-409E-85BC-EBEA55A0900D}" destId="{B03A2D27-6E4E-4A17-B0F0-5CB10D3C9C17}" srcOrd="0" destOrd="0" presId="urn:microsoft.com/office/officeart/2018/5/layout/CenteredIconLabelDescriptionList"/>
-    <dgm:cxn modelId="{7E038287-B9E0-4D2A-94AF-6EF3CE75D7DB}" type="presParOf" srcId="{B03A2D27-6E4E-4A17-B0F0-5CB10D3C9C17}" destId="{8FCF35CA-9C4C-4575-98B6-9548F503B3D7}" srcOrd="0" destOrd="0" presId="urn:microsoft.com/office/officeart/2018/5/layout/CenteredIconLabelDescriptionList"/>
-    <dgm:cxn modelId="{F8A736D1-02B4-4C2D-9C36-C853F2A96B75}" type="presParOf" srcId="{B03A2D27-6E4E-4A17-B0F0-5CB10D3C9C17}" destId="{858E035F-DF6A-4FB6-89D0-871BD17507A2}" srcOrd="1" destOrd="0" presId="urn:microsoft.com/office/officeart/2018/5/layout/CenteredIconLabelDescriptionList"/>
-    <dgm:cxn modelId="{748E3A6B-DC3C-44BF-9E88-61B84C0E77EB}" type="presParOf" srcId="{B03A2D27-6E4E-4A17-B0F0-5CB10D3C9C17}" destId="{23663847-DE81-41EF-9712-CF25CCA3E3F3}" srcOrd="2" destOrd="0" presId="urn:microsoft.com/office/officeart/2018/5/layout/CenteredIconLabelDescriptionList"/>
-    <dgm:cxn modelId="{CCD845E5-6471-4E56-BDF7-92B961EB70AA}" type="presParOf" srcId="{B03A2D27-6E4E-4A17-B0F0-5CB10D3C9C17}" destId="{BE8AD585-F10B-4A7A-84A0-823464B15E49}" srcOrd="3" destOrd="0" presId="urn:microsoft.com/office/officeart/2018/5/layout/CenteredIconLabelDescriptionList"/>
-    <dgm:cxn modelId="{0930C948-281B-4C2B-9746-ED9E3A74FAD3}" type="presParOf" srcId="{B03A2D27-6E4E-4A17-B0F0-5CB10D3C9C17}" destId="{60CEF9B7-614B-4BA2-B13B-AD042E129C45}" srcOrd="4" destOrd="0" presId="urn:microsoft.com/office/officeart/2018/5/layout/CenteredIconLabelDescriptionList"/>
-    <dgm:cxn modelId="{E7D92883-1D8C-4196-9642-1CC9AC1DAF1B}" type="presParOf" srcId="{CFE41EDA-5FD6-409E-85BC-EBEA55A0900D}" destId="{26A92BC3-066D-4688-99A2-547543217DCE}" srcOrd="1" destOrd="0" presId="urn:microsoft.com/office/officeart/2018/5/layout/CenteredIconLabelDescriptionList"/>
-    <dgm:cxn modelId="{0702BCA3-FF74-40CE-A19A-A4137DF48F79}" type="presParOf" srcId="{CFE41EDA-5FD6-409E-85BC-EBEA55A0900D}" destId="{0261541A-265E-48F4-8725-74899E64D04A}" srcOrd="2" destOrd="0" presId="urn:microsoft.com/office/officeart/2018/5/layout/CenteredIconLabelDescriptionList"/>
-    <dgm:cxn modelId="{ABE46C5A-9CA1-4AE9-B48F-C2C69B78D1C9}" type="presParOf" srcId="{0261541A-265E-48F4-8725-74899E64D04A}" destId="{4C0841C1-9683-4F1C-8A1C-10D2401E67B4}" srcOrd="0" destOrd="0" presId="urn:microsoft.com/office/officeart/2018/5/layout/CenteredIconLabelDescriptionList"/>
-    <dgm:cxn modelId="{4D8AB73C-3A0B-47A4-8873-AAB0F2E3BA6B}" type="presParOf" srcId="{0261541A-265E-48F4-8725-74899E64D04A}" destId="{1A9ABCF5-CE78-4134-AEA4-17D5E0108622}" srcOrd="1" destOrd="0" presId="urn:microsoft.com/office/officeart/2018/5/layout/CenteredIconLabelDescriptionList"/>
-    <dgm:cxn modelId="{235C13D2-4EB6-4A41-ABCF-4BA790E50506}" type="presParOf" srcId="{0261541A-265E-48F4-8725-74899E64D04A}" destId="{5C83BD22-3F19-47DA-B595-C1040F4D2D30}" srcOrd="2" destOrd="0" presId="urn:microsoft.com/office/officeart/2018/5/layout/CenteredIconLabelDescriptionList"/>
-    <dgm:cxn modelId="{E73C2716-E191-41E8-ACED-EEABCA5F8E05}" type="presParOf" srcId="{0261541A-265E-48F4-8725-74899E64D04A}" destId="{AEA784DA-3850-4D4B-9F01-A12F5130333F}" srcOrd="3" destOrd="0" presId="urn:microsoft.com/office/officeart/2018/5/layout/CenteredIconLabelDescriptionList"/>
-    <dgm:cxn modelId="{A90B1192-ADFE-4927-8E33-EAF0F2AB4BF9}" type="presParOf" srcId="{0261541A-265E-48F4-8725-74899E64D04A}" destId="{97757E66-AA44-406E-B17D-B4DB76785EE0}" srcOrd="4" destOrd="0" presId="urn:microsoft.com/office/officeart/2018/5/layout/CenteredIconLabelDescriptionList"/>
-  </dgm:cxnLst>
-  <dgm:bg/>
-  <dgm:whole/>
-  <dgm:extLst>
-    <a:ext uri="http://schemas.microsoft.com/office/drawing/2008/diagram">
-      <dsp:dataModelExt xmlns:dsp="http://schemas.microsoft.com/office/drawing/2008/diagram" relId="rId6" minVer="http://schemas.openxmlformats.org/drawingml/2006/diagram"/>
-    </a:ext>
-  </dgm:extLst>
-</dgm:dataModel>
-</file>
-
-<file path=ppt/diagrams/drawing1.xml><?xml version="1.0" encoding="utf-8"?>
-<dsp:drawing xmlns:dgm="http://schemas.openxmlformats.org/drawingml/2006/diagram" xmlns:dsp="http://schemas.microsoft.com/office/drawing/2008/diagram" xmlns:a="http://schemas.openxmlformats.org/drawingml/2006/main">
-  <dsp:spTree>
-    <dsp:nvGrpSpPr>
-      <dsp:cNvPr id="0" name=""/>
-      <dsp:cNvGrpSpPr/>
-    </dsp:nvGrpSpPr>
-    <dsp:grpSpPr/>
-    <dsp:sp modelId="{8FCF35CA-9C4C-4575-98B6-9548F503B3D7}">
-      <dsp:nvSpPr>
-        <dsp:cNvPr id="0" name=""/>
-        <dsp:cNvSpPr/>
-      </dsp:nvSpPr>
-      <dsp:spPr>
-        <a:xfrm>
-          <a:off x="2169914" y="655535"/>
-          <a:ext cx="1512000" cy="1512000"/>
-        </a:xfrm>
-        <a:prstGeom prst="rect">
-          <a:avLst/>
-        </a:prstGeom>
-        <a:blipFill>
-          <a:blip xmlns:r="http://schemas.openxmlformats.org/officeDocument/2006/relationships" r:embed="rId1">
-            <a:extLst>
-              <a:ext uri="{28A0092B-C50C-407E-A947-70E740481C1C}">
-                <a14:useLocalDpi xmlns:a14="http://schemas.microsoft.com/office/drawing/2010/main" val="0"/>
-              </a:ext>
-              <a:ext uri="{96DAC541-7B7A-43D3-8B79-37D633B846F1}">
-                <asvg:svgBlip xmlns:asvg="http://schemas.microsoft.com/office/drawing/2016/SVG/main" r:embed="rId2"/>
-              </a:ext>
-            </a:extLst>
-          </a:blip>
-          <a:stretch>
-            <a:fillRect/>
-          </a:stretch>
-        </a:blipFill>
-        <a:ln w="19050" cap="flat" cmpd="sng" algn="ctr">
-          <a:noFill/>
-          <a:prstDash val="solid"/>
-          <a:miter lim="800000"/>
-        </a:ln>
-        <a:effectLst/>
-      </dsp:spPr>
-      <dsp:style>
-        <a:lnRef idx="2">
-          <a:scrgbClr r="0" g="0" b="0"/>
-        </a:lnRef>
-        <a:fillRef idx="1">
-          <a:scrgbClr r="0" g="0" b="0"/>
-        </a:fillRef>
-        <a:effectRef idx="0">
-          <a:scrgbClr r="0" g="0" b="0"/>
-        </a:effectRef>
-        <a:fontRef idx="minor">
-          <a:schemeClr val="lt1"/>
-        </a:fontRef>
-      </dsp:style>
-    </dsp:sp>
-    <dsp:sp modelId="{23663847-DE81-41EF-9712-CF25CCA3E3F3}">
-      <dsp:nvSpPr>
-        <dsp:cNvPr id="0" name=""/>
-        <dsp:cNvSpPr/>
-      </dsp:nvSpPr>
-      <dsp:spPr>
-        <a:xfrm>
-          <a:off x="765914" y="2291449"/>
-          <a:ext cx="4320000" cy="648000"/>
-        </a:xfrm>
-        <a:prstGeom prst="rect">
-          <a:avLst/>
-        </a:prstGeom>
-        <a:noFill/>
-        <a:ln>
-          <a:noFill/>
-        </a:ln>
-        <a:effectLst/>
-      </dsp:spPr>
-      <dsp:style>
-        <a:lnRef idx="0">
-          <a:scrgbClr r="0" g="0" b="0"/>
-        </a:lnRef>
-        <a:fillRef idx="0">
-          <a:scrgbClr r="0" g="0" b="0"/>
-        </a:fillRef>
-        <a:effectRef idx="0">
-          <a:scrgbClr r="0" g="0" b="0"/>
-        </a:effectRef>
-        <a:fontRef idx="minor"/>
-      </dsp:style>
-      <dsp:txBody>
-        <a:bodyPr spcFirstLastPara="0" vert="horz" wrap="square" lIns="0" tIns="0" rIns="0" bIns="0" numCol="1" spcCol="1270" anchor="t" anchorCtr="0">
-          <a:noAutofit/>
-        </a:bodyPr>
-        <a:lstStyle/>
-        <a:p>
-          <a:pPr marL="0" lvl="0" indent="0" algn="ctr" defTabSz="1600200">
-            <a:lnSpc>
-              <a:spcPct val="100000"/>
-            </a:lnSpc>
-            <a:spcBef>
-              <a:spcPct val="0"/>
-            </a:spcBef>
-            <a:spcAft>
-              <a:spcPct val="35000"/>
-            </a:spcAft>
-            <a:buNone/>
-            <a:defRPr b="1"/>
-          </a:pPr>
-          <a:r>
-            <a:rPr lang="en-US" sz="3600" kern="1200"/>
-            <a:t>Before Break</a:t>
-          </a:r>
-        </a:p>
-      </dsp:txBody>
-      <dsp:txXfrm>
-        <a:off x="765914" y="2291449"/>
-        <a:ext cx="4320000" cy="648000"/>
-      </dsp:txXfrm>
-    </dsp:sp>
-    <dsp:sp modelId="{60CEF9B7-614B-4BA2-B13B-AD042E129C45}">
-      <dsp:nvSpPr>
-        <dsp:cNvPr id="0" name=""/>
-        <dsp:cNvSpPr/>
-      </dsp:nvSpPr>
-      <dsp:spPr>
-        <a:xfrm>
-          <a:off x="765914" y="2997084"/>
-          <a:ext cx="4320000" cy="540185"/>
-        </a:xfrm>
-        <a:prstGeom prst="rect">
-          <a:avLst/>
-        </a:prstGeom>
-        <a:noFill/>
-        <a:ln>
-          <a:noFill/>
-        </a:ln>
-        <a:effectLst/>
-      </dsp:spPr>
-      <dsp:style>
-        <a:lnRef idx="0">
-          <a:scrgbClr r="0" g="0" b="0"/>
-        </a:lnRef>
-        <a:fillRef idx="0">
-          <a:scrgbClr r="0" g="0" b="0"/>
-        </a:fillRef>
-        <a:effectRef idx="0">
-          <a:scrgbClr r="0" g="0" b="0"/>
-        </a:effectRef>
-        <a:fontRef idx="minor"/>
-      </dsp:style>
-      <dsp:txBody>
-        <a:bodyPr spcFirstLastPara="0" vert="horz" wrap="square" lIns="0" tIns="0" rIns="0" bIns="0" numCol="1" spcCol="1270" anchor="t" anchorCtr="0">
-          <a:noAutofit/>
-        </a:bodyPr>
-        <a:lstStyle/>
-        <a:p>
-          <a:pPr marL="0" lvl="0" indent="0" algn="ctr" defTabSz="755650">
-            <a:lnSpc>
-              <a:spcPct val="100000"/>
-            </a:lnSpc>
-            <a:spcBef>
-              <a:spcPct val="0"/>
-            </a:spcBef>
-            <a:spcAft>
-              <a:spcPct val="35000"/>
-            </a:spcAft>
-            <a:buNone/>
-          </a:pPr>
-          <a:r>
-            <a:rPr lang="en-US" sz="1700" kern="1200" dirty="0"/>
-            <a:t>Taking a note of students’ work (and correct them when where is mistakes)</a:t>
-          </a:r>
-        </a:p>
-      </dsp:txBody>
-      <dsp:txXfrm>
-        <a:off x="765914" y="2997084"/>
-        <a:ext cx="4320000" cy="540185"/>
-      </dsp:txXfrm>
-    </dsp:sp>
-    <dsp:sp modelId="{4C0841C1-9683-4F1C-8A1C-10D2401E67B4}">
-      <dsp:nvSpPr>
-        <dsp:cNvPr id="0" name=""/>
-        <dsp:cNvSpPr/>
-      </dsp:nvSpPr>
-      <dsp:spPr>
-        <a:xfrm>
-          <a:off x="7245914" y="655535"/>
-          <a:ext cx="1512000" cy="1512000"/>
-        </a:xfrm>
-        <a:prstGeom prst="rect">
-          <a:avLst/>
-        </a:prstGeom>
-        <a:blipFill>
-          <a:blip xmlns:r="http://schemas.openxmlformats.org/officeDocument/2006/relationships" r:embed="rId3">
-            <a:extLst>
-              <a:ext uri="{28A0092B-C50C-407E-A947-70E740481C1C}">
-                <a14:useLocalDpi xmlns:a14="http://schemas.microsoft.com/office/drawing/2010/main" val="0"/>
-              </a:ext>
-              <a:ext uri="{96DAC541-7B7A-43D3-8B79-37D633B846F1}">
-                <asvg:svgBlip xmlns:asvg="http://schemas.microsoft.com/office/drawing/2016/SVG/main" r:embed="rId4"/>
-              </a:ext>
-            </a:extLst>
-          </a:blip>
-          <a:stretch>
-            <a:fillRect/>
-          </a:stretch>
-        </a:blipFill>
-        <a:ln w="19050" cap="flat" cmpd="sng" algn="ctr">
-          <a:noFill/>
-          <a:prstDash val="solid"/>
-          <a:miter lim="800000"/>
-        </a:ln>
-        <a:effectLst/>
-      </dsp:spPr>
-      <dsp:style>
-        <a:lnRef idx="2">
-          <a:scrgbClr r="0" g="0" b="0"/>
-        </a:lnRef>
-        <a:fillRef idx="1">
-          <a:scrgbClr r="0" g="0" b="0"/>
-        </a:fillRef>
-        <a:effectRef idx="0">
-          <a:scrgbClr r="0" g="0" b="0"/>
-        </a:effectRef>
-        <a:fontRef idx="minor">
-          <a:schemeClr val="lt1"/>
-        </a:fontRef>
-      </dsp:style>
-    </dsp:sp>
-    <dsp:sp modelId="{5C83BD22-3F19-47DA-B595-C1040F4D2D30}">
-      <dsp:nvSpPr>
-        <dsp:cNvPr id="0" name=""/>
-        <dsp:cNvSpPr/>
-      </dsp:nvSpPr>
-      <dsp:spPr>
-        <a:xfrm>
-          <a:off x="5841914" y="2291449"/>
-          <a:ext cx="4320000" cy="648000"/>
-        </a:xfrm>
-        <a:prstGeom prst="rect">
-          <a:avLst/>
-        </a:prstGeom>
-        <a:noFill/>
-        <a:ln>
-          <a:noFill/>
-        </a:ln>
-        <a:effectLst/>
-      </dsp:spPr>
-      <dsp:style>
-        <a:lnRef idx="0">
-          <a:scrgbClr r="0" g="0" b="0"/>
-        </a:lnRef>
-        <a:fillRef idx="0">
-          <a:scrgbClr r="0" g="0" b="0"/>
-        </a:fillRef>
-        <a:effectRef idx="0">
-          <a:scrgbClr r="0" g="0" b="0"/>
-        </a:effectRef>
-        <a:fontRef idx="minor"/>
-      </dsp:style>
-      <dsp:txBody>
-        <a:bodyPr spcFirstLastPara="0" vert="horz" wrap="square" lIns="0" tIns="0" rIns="0" bIns="0" numCol="1" spcCol="1270" anchor="t" anchorCtr="0">
-          <a:noAutofit/>
-        </a:bodyPr>
-        <a:lstStyle/>
-        <a:p>
-          <a:pPr marL="0" lvl="0" indent="0" algn="ctr" defTabSz="1600200">
-            <a:lnSpc>
-              <a:spcPct val="100000"/>
-            </a:lnSpc>
-            <a:spcBef>
-              <a:spcPct val="0"/>
-            </a:spcBef>
-            <a:spcAft>
-              <a:spcPct val="35000"/>
-            </a:spcAft>
-            <a:buNone/>
-            <a:defRPr b="1"/>
-          </a:pPr>
-          <a:r>
-            <a:rPr lang="en-US" sz="3600" kern="1200"/>
-            <a:t>After Break</a:t>
-          </a:r>
-        </a:p>
-      </dsp:txBody>
-      <dsp:txXfrm>
-        <a:off x="5841914" y="2291449"/>
-        <a:ext cx="4320000" cy="648000"/>
-      </dsp:txXfrm>
-    </dsp:sp>
-    <dsp:sp modelId="{97757E66-AA44-406E-B17D-B4DB76785EE0}">
-      <dsp:nvSpPr>
-        <dsp:cNvPr id="0" name=""/>
-        <dsp:cNvSpPr/>
-      </dsp:nvSpPr>
-      <dsp:spPr>
-        <a:xfrm>
-          <a:off x="5841914" y="2997084"/>
-          <a:ext cx="4320000" cy="540185"/>
-        </a:xfrm>
-        <a:prstGeom prst="rect">
-          <a:avLst/>
-        </a:prstGeom>
-        <a:noFill/>
-        <a:ln>
-          <a:noFill/>
-        </a:ln>
-        <a:effectLst/>
-      </dsp:spPr>
-      <dsp:style>
-        <a:lnRef idx="0">
-          <a:scrgbClr r="0" g="0" b="0"/>
-        </a:lnRef>
-        <a:fillRef idx="0">
-          <a:scrgbClr r="0" g="0" b="0"/>
-        </a:fillRef>
-        <a:effectRef idx="0">
-          <a:scrgbClr r="0" g="0" b="0"/>
-        </a:effectRef>
-        <a:fontRef idx="minor"/>
-      </dsp:style>
-      <dsp:txBody>
-        <a:bodyPr spcFirstLastPara="0" vert="horz" wrap="square" lIns="0" tIns="0" rIns="0" bIns="0" numCol="1" spcCol="1270" anchor="t" anchorCtr="0">
-          <a:noAutofit/>
-        </a:bodyPr>
-        <a:lstStyle/>
-        <a:p>
-          <a:pPr marL="0" lvl="0" indent="0" algn="ctr" defTabSz="755650">
-            <a:lnSpc>
-              <a:spcPct val="100000"/>
-            </a:lnSpc>
-            <a:spcBef>
-              <a:spcPct val="0"/>
-            </a:spcBef>
-            <a:spcAft>
-              <a:spcPct val="35000"/>
-            </a:spcAft>
-            <a:buNone/>
-          </a:pPr>
-          <a:r>
-            <a:rPr lang="en-US" sz="1700" kern="1200" dirty="0"/>
-            <a:t>Explaining different parts of a control</a:t>
-          </a:r>
-        </a:p>
-      </dsp:txBody>
-      <dsp:txXfrm>
-        <a:off x="5841914" y="2997084"/>
-        <a:ext cx="4320000" cy="540185"/>
-      </dsp:txXfrm>
-    </dsp:sp>
-  </dsp:spTree>
-</dsp:drawing>
-</file>
-
-<file path=ppt/diagrams/layout1.xml><?xml version="1.0" encoding="utf-8"?>
-<dgm:layoutDef xmlns:dgm="http://schemas.openxmlformats.org/drawingml/2006/diagram" xmlns:a="http://schemas.openxmlformats.org/drawingml/2006/main" uniqueId="urn:microsoft.com/office/officeart/2018/5/layout/CenteredIconLabelDescriptionList">
-  <dgm:title val="Centered Icon Label Description List"/>
-  <dgm:desc val="Use to show non-sequential or grouped chunks of information. The placeholder holds an icon or small picture, and corresponding text boxes show Level 1 and Level 2 text respectively. Works well for minimal Level 1 text accompanied by lengthier Level two text."/>
-  <dgm:catLst>
-    <dgm:cat type="icon" pri="500"/>
-  </dgm:catLst>
-  <dgm:sampData useDef="1">
-    <dgm:dataModel>
-      <dgm:ptLst/>
-      <dgm:bg/>
-      <dgm:whole/>
-    </dgm:dataModel>
-  </dgm:sampData>
-  <dgm:styleData useDef="1">
-    <dgm:dataModel>
-      <dgm:ptLst/>
-      <dgm:bg/>
-      <dgm:whole/>
-    </dgm:dataModel>
-  </dgm:styleData>
-  <dgm:clrData useDef="1">
-    <dgm:dataModel>
-      <dgm:ptLst/>
-      <dgm:bg/>
-      <dgm:whole/>
-    </dgm:dataModel>
-  </dgm:clrData>
-  <dgm:layoutNode name="root">
-    <dgm:varLst>
-      <dgm:dir/>
-      <dgm:resizeHandles val="exact"/>
-    </dgm:varLst>
-    <dgm:choose name="Name0">
-      <dgm:if name="Name1" axis="self" func="var" arg="dir" op="equ" val="norm">
-        <dgm:alg type="lin"/>
-      </dgm:if>
-      <dgm:else name="Name2">
-        <dgm:alg type="lin">
-          <dgm:param type="linDir" val="fromR"/>
-        </dgm:alg>
-      </dgm:else>
-    </dgm:choose>
-    <dgm:shape xmlns:r="http://schemas.openxmlformats.org/officeDocument/2006/relationships" r:blip="">
-      <dgm:adjLst/>
-    </dgm:shape>
-    <dgm:presOf/>
-    <dgm:constrLst>
-      <dgm:constr type="h" for="ch" forName="compNode" refType="h" fact="0.45"/>
-      <dgm:constr type="w" for="ch" forName="compNode" val="120"/>
-      <dgm:constr type="w" for="ch" forName="sibTrans" refType="w" refFor="ch" refForName="compNode" fact="0.175"/>
-      <dgm:constr type="primFontSz" for="des" forName="parTx" val="36"/>
-      <dgm:constr type="primFontSz" for="des" forName="desTx" refType="primFontSz" refFor="des" refForName="parTx" op="lte" fact="0.75"/>
-      <dgm:constr type="h" for="des" forName="compNode" op="equ"/>
-      <dgm:constr type="h" for="des" forName="iconRect" op="equ"/>
-      <dgm:constr type="w" for="des" forName="iconRect" op="equ"/>
-      <dgm:constr type="h" for="des" forName="iconSpace" op="equ"/>
-      <dgm:constr type="h" for="des" forName="parTx" op="equ"/>
-      <dgm:constr type="h" for="des" forName="txSpace" op="equ"/>
-      <dgm:constr type="h" for="des" forName="desTx" op="equ"/>
-    </dgm:constrLst>
-    <dgm:ruleLst>
-      <dgm:rule type="w" for="ch" forName="compNode" val="0" fact="NaN" max="NaN"/>
-    </dgm:ruleLst>
-    <dgm:forEach name="Name3" axis="ch" ptType="node">
-      <dgm:layoutNode name="compNode">
-        <dgm:alg type="composite"/>
-        <dgm:shape xmlns:r="http://schemas.openxmlformats.org/officeDocument/2006/relationships" r:blip="">
-          <dgm:adjLst/>
-        </dgm:shape>
-        <dgm:presOf axis="self"/>
-        <dgm:constrLst>
-          <dgm:constr type="w" for="ch" forName="iconRect" refType="w" fact="0.35"/>
-          <dgm:constr type="h" for="ch" forName="iconRect" refType="w" refFor="ch" refForName="iconRect"/>
-          <dgm:constr type="ctrX" for="ch" forName="iconRect" refType="w" fact="0.5"/>
-          <dgm:constr type="t" for="ch" forName="iconRect"/>
-          <dgm:constr type="w" for="ch" forName="iconSpace" refType="w"/>
-          <dgm:constr type="h" for="ch" forName="iconSpace" refType="h" fact="0.043"/>
-          <dgm:constr type="l" for="ch" forName="iconSpace"/>
-          <dgm:constr type="t" for="ch" forName="iconSpace" refType="b" refFor="ch" refForName="iconRect"/>
-          <dgm:constr type="w" for="ch" forName="parTx" refType="w"/>
-          <dgm:constr type="h" for="ch" forName="parTx" refType="w" fact="0.15"/>
-          <dgm:constr type="l" for="ch" forName="parTx"/>
-          <dgm:constr type="t" for="ch" forName="parTx" refType="b" refFor="ch" refForName="iconSpace"/>
-          <dgm:constr type="h" for="ch" forName="txSpace" refType="h" fact="0.02"/>
-          <dgm:constr type="w" for="ch" forName="txSpace" refType="w"/>
-          <dgm:constr type="l" for="ch" forName="txSpace"/>
-          <dgm:constr type="t" for="ch" forName="txSpace" refType="b" refFor="ch" refForName="parTx"/>
-          <dgm:constr type="w" for="ch" forName="desTx" refType="w"/>
-          <dgm:constr type="l" for="ch" forName="desTx"/>
-          <dgm:constr type="t" for="ch" forName="desTx" refType="b" refFor="ch" refForName="txSpace"/>
-        </dgm:constrLst>
-        <dgm:ruleLst>
-          <dgm:rule type="h" val="INF" fact="NaN" max="NaN"/>
-        </dgm:ruleLst>
-        <dgm:layoutNode name="iconRect" styleLbl="node1">
-          <dgm:alg type="sp"/>
-          <dgm:shape xmlns:r="http://schemas.openxmlformats.org/officeDocument/2006/relationships" type="rect" r:blip="" blipPhldr="1">
-            <dgm:adjLst/>
-          </dgm:shape>
-          <dgm:presOf/>
-          <dgm:constrLst/>
-          <dgm:ruleLst/>
-        </dgm:layoutNode>
-        <dgm:layoutNode name="iconSpace">
-          <dgm:alg type="sp"/>
-          <dgm:shape xmlns:r="http://schemas.openxmlformats.org/officeDocument/2006/relationships" r:blip="">
-            <dgm:adjLst/>
-          </dgm:shape>
-          <dgm:presOf/>
-          <dgm:constrLst/>
-          <dgm:ruleLst/>
-        </dgm:layoutNode>
-        <dgm:layoutNode name="parTx" styleLbl="revTx">
-          <dgm:varLst>
-            <dgm:chMax val="0"/>
-            <dgm:chPref val="0"/>
-          </dgm:varLst>
-          <dgm:alg type="tx">
-            <dgm:param type="txAnchorVert" val="t"/>
-          </dgm:alg>
-          <dgm:shape xmlns:r="http://schemas.openxmlformats.org/officeDocument/2006/relationships" type="rect" r:blip="">
-            <dgm:adjLst/>
-          </dgm:shape>
-          <dgm:presOf axis="self" ptType="node"/>
-          <dgm:constrLst>
-            <dgm:constr type="lMarg"/>
-            <dgm:constr type="rMarg"/>
-            <dgm:constr type="tMarg"/>
-            <dgm:constr type="bMarg"/>
-          </dgm:constrLst>
-          <dgm:ruleLst>
-            <dgm:rule type="primFontSz" val="14" fact="NaN" max="NaN"/>
-            <dgm:rule type="h" val="INF" fact="NaN" max="NaN"/>
-          </dgm:ruleLst>
-        </dgm:layoutNode>
-        <dgm:layoutNode name="txSpace">
-          <dgm:alg type="sp"/>
-          <dgm:shape xmlns:r="http://schemas.openxmlformats.org/officeDocument/2006/relationships" r:blip="">
-            <dgm:adjLst/>
-          </dgm:shape>
-          <dgm:presOf/>
-          <dgm:constrLst/>
-          <dgm:ruleLst/>
-        </dgm:layoutNode>
-        <dgm:layoutNode name="desTx" styleLbl="revTx">
-          <dgm:varLst/>
-          <dgm:alg type="tx">
-            <dgm:param type="stBulletLvl" val="0"/>
-            <dgm:param type="txAnchorVert" val="t"/>
-          </dgm:alg>
-          <dgm:shape xmlns:r="http://schemas.openxmlformats.org/officeDocument/2006/relationships" type="rect" r:blip="">
-            <dgm:adjLst/>
-          </dgm:shape>
-          <dgm:presOf axis="des" ptType="node"/>
-          <dgm:constrLst>
-            <dgm:constr type="secFontSz" refType="primFontSz"/>
-            <dgm:constr type="lMarg"/>
-            <dgm:constr type="rMarg"/>
-            <dgm:constr type="tMarg"/>
-            <dgm:constr type="bMarg"/>
-          </dgm:constrLst>
-          <dgm:ruleLst>
-            <dgm:rule type="primFontSz" val="NaN" fact="NaN" max="17"/>
-            <dgm:rule type="h" val="INF" fact="NaN" max="NaN"/>
-          </dgm:ruleLst>
-        </dgm:layoutNode>
-      </dgm:layoutNode>
-      <dgm:forEach name="Name4" axis="followSib" ptType="sibTrans" cnt="1">
-        <dgm:layoutNode name="sibTrans">
-          <dgm:alg type="sp"/>
-          <dgm:shape xmlns:r="http://schemas.openxmlformats.org/officeDocument/2006/relationships" r:blip="">
-            <dgm:adjLst/>
-          </dgm:shape>
-          <dgm:presOf axis="self"/>
-          <dgm:constrLst/>
-          <dgm:ruleLst/>
-        </dgm:layoutNode>
-      </dgm:forEach>
-    </dgm:forEach>
-  </dgm:layoutNode>
-  <dgm:extLst>
-    <a:ext uri="{68A01E43-0DF5-4B5B-8FA6-DAF915123BFB}">
-      <dgm1612:lstStyle xmlns:dgm1612="http://schemas.microsoft.com/office/drawing/2016/12/diagram">
-        <a:lvl1pPr>
-          <a:lnSpc>
-            <a:spcPct val="100000"/>
-          </a:lnSpc>
-          <a:defRPr b="1"/>
-        </a:lvl1pPr>
-        <a:lvl2pPr>
-          <a:lnSpc>
-            <a:spcPct val="100000"/>
-          </a:lnSpc>
-        </a:lvl2pPr>
-      </dgm1612:lstStyle>
-    </a:ext>
-  </dgm:extLst>
-</dgm:layoutDef>
-</file>
-
-<file path=ppt/diagrams/quickStyle1.xml><?xml version="1.0" encoding="utf-8"?>
-<dgm:styleDef xmlns:dgm="http://schemas.openxmlformats.org/drawingml/2006/diagram" xmlns:a="http://schemas.openxmlformats.org/drawingml/2006/main" uniqueId="urn:microsoft.com/office/officeart/2005/8/quickstyle/simple1">
-  <dgm:title val=""/>
-  <dgm:desc val=""/>
-  <dgm:catLst>
-    <dgm:cat type="simple" pri="10100"/>
-  </dgm:catLst>
-  <dgm:scene3d>
-    <a:camera prst="orthographicFront"/>
-    <a:lightRig rig="threePt" dir="t"/>
-  </dgm:scene3d>
-  <dgm:styleLbl name="node0">
-    <dgm:scene3d>
-      <a:camera prst="orthographicFront"/>
-      <a:lightRig rig="threePt" dir="t"/>
-    </dgm:scene3d>
-    <dgm:sp3d/>
-    <dgm:txPr/>
-    <dgm:style>
-      <a:lnRef idx="2">
-        <a:scrgbClr r="0" g="0" b="0"/>
-      </a:lnRef>
-      <a:fillRef idx="1">
-        <a:scrgbClr r="0" g="0" b="0"/>
-      </a:fillRef>
-      <a:effectRef idx="0">
-        <a:scrgbClr r="0" g="0" b="0"/>
-      </a:effectRef>
-      <a:fontRef idx="minor">
-        <a:schemeClr val="lt1"/>
-      </a:fontRef>
-    </dgm:style>
-  </dgm:styleLbl>
-  <dgm:styleLbl name="lnNode1">
-    <dgm:scene3d>
-      <a:camera prst="orthographicFront"/>
-      <a:lightRig rig="threePt" dir="t"/>
-    </dgm:scene3d>
-    <dgm:sp3d/>
-    <dgm:txPr/>
-    <dgm:style>
-      <a:lnRef idx="2">
-        <a:scrgbClr r="0" g="0" b="0"/>
-      </a:lnRef>
-      <a:fillRef idx="1">
-        <a:scrgbClr r="0" g="0" b="0"/>
-      </a:fillRef>
-      <a:effectRef idx="0">
-        <a:scrgbClr r="0" g="0" b="0"/>
-      </a:effectRef>
-      <a:fontRef idx="minor">
-        <a:schemeClr val="lt1"/>
-      </a:fontRef>
-    </dgm:style>
-  </dgm:styleLbl>
-  <dgm:styleLbl name="vennNode1">
-    <dgm:scene3d>
-      <a:camera prst="orthographicFront"/>
-      <a:lightRig rig="threePt" dir="t"/>
-    </dgm:scene3d>
-    <dgm:sp3d/>
-    <dgm:txPr/>
-    <dgm:style>
-      <a:lnRef idx="2">
-        <a:scrgbClr r="0" g="0" b="0"/>
-      </a:lnRef>
-      <a:fillRef idx="1">
-        <a:scrgbClr r="0" g="0" b="0"/>
-      </a:fillRef>
-      <a:effectRef idx="0">
-        <a:scrgbClr r="0" g="0" b="0"/>
-      </a:effectRef>
-      <a:fontRef idx="minor">
-        <a:schemeClr val="tx1"/>
-      </a:fontRef>
-    </dgm:style>
-  </dgm:styleLbl>
-  <dgm:styleLbl name="alignNode1">
-    <dgm:scene3d>
-      <a:camera prst="orthographicFront"/>
-      <a:lightRig rig="threePt" dir="t"/>
-    </dgm:scene3d>
-    <dgm:sp3d/>
-    <dgm:txPr/>
-    <dgm:style>
-      <a:lnRef idx="2">
-        <a:scrgbClr r="0" g="0" b="0"/>
-      </a:lnRef>
-      <a:fillRef idx="1">
-        <a:scrgbClr r="0" g="0" b="0"/>
-      </a:fillRef>
-      <a:effectRef idx="0">
-        <a:scrgbClr r="0" g="0" b="0"/>
-      </a:effectRef>
-      <a:fontRef idx="minor">
-        <a:schemeClr val="lt1"/>
-      </a:fontRef>
-    </dgm:style>
-  </dgm:styleLbl>
-  <dgm:styleLbl name="node1">
-    <dgm:scene3d>
-      <a:camera prst="orthographicFront"/>
-      <a:lightRig rig="threePt" dir="t"/>
-    </dgm:scene3d>
-    <dgm:sp3d/>
-    <dgm:txPr/>
-    <dgm:style>
-      <a:lnRef idx="2">
-        <a:scrgbClr r="0" g="0" b="0"/>
-      </a:lnRef>
-      <a:fillRef idx="1">
-        <a:scrgbClr r="0" g="0" b="0"/>
-      </a:fillRef>
-      <a:effectRef idx="0">
-        <a:scrgbClr r="0" g="0" b="0"/>
-      </a:effectRef>
-      <a:fontRef idx="minor">
-        <a:schemeClr val="lt1"/>
-      </a:fontRef>
-    </dgm:style>
-  </dgm:styleLbl>
-  <dgm:styleLbl name="node2">
-    <dgm:scene3d>
-      <a:camera prst="orthographicFront"/>
-      <a:lightRig rig="threePt" dir="t"/>
-    </dgm:scene3d>
-    <dgm:sp3d/>
-    <dgm:txPr/>
-    <dgm:style>
-      <a:lnRef idx="2">
-        <a:scrgbClr r="0" g="0" b="0"/>
-      </a:lnRef>
-      <a:fillRef idx="1">
-        <a:scrgbClr r="0" g="0" b="0"/>
-      </a:fillRef>
-      <a:effectRef idx="0">
-        <a:scrgbClr r="0" g="0" b="0"/>
-      </a:effectRef>
-      <a:fontRef idx="minor">
-        <a:schemeClr val="lt1"/>
-      </a:fontRef>
-    </dgm:style>
-  </dgm:styleLbl>
-  <dgm:styleLbl name="node3">
-    <dgm:scene3d>
-      <a:camera prst="orthographicFront"/>
-      <a:lightRig rig="threePt" dir="t"/>
-    </dgm:scene3d>
-    <dgm:sp3d/>
-    <dgm:txPr/>
-    <dgm:style>
-      <a:lnRef idx="2">
-        <a:scrgbClr r="0" g="0" b="0"/>
-      </a:lnRef>
-      <a:fillRef idx="1">
-        <a:scrgbClr r="0" g="0" b="0"/>
-      </a:fillRef>
-      <a:effectRef idx="0">
-        <a:scrgbClr r="0" g="0" b="0"/>
-      </a:effectRef>
-      <a:fontRef idx="minor">
-        <a:schemeClr val="lt1"/>
-      </a:fontRef>
-    </dgm:style>
-  </dgm:styleLbl>
-  <dgm:styleLbl name="node4">
-    <dgm:scene3d>
-      <a:camera prst="orthographicFront"/>
-      <a:lightRig rig="threePt" dir="t"/>
-    </dgm:scene3d>
-    <dgm:sp3d/>
-    <dgm:txPr/>
-    <dgm:style>
-      <a:lnRef idx="2">
-        <a:scrgbClr r="0" g="0" b="0"/>
-      </a:lnRef>
-      <a:fillRef idx="1">
-        <a:scrgbClr r="0" g="0" b="0"/>
-      </a:fillRef>
-      <a:effectRef idx="0">
-        <a:scrgbClr r="0" g="0" b="0"/>
-      </a:effectRef>
-      <a:fontRef idx="minor">
-        <a:schemeClr val="lt1"/>
-      </a:fontRef>
-    </dgm:style>
-  </dgm:styleLbl>
-  <dgm:styleLbl name="fgImgPlace1">
-    <dgm:scene3d>
-      <a:camera prst="orthographicFront"/>
-      <a:lightRig rig="threePt" dir="t"/>
-    </dgm:scene3d>
-    <dgm:sp3d/>
-    <dgm:txPr/>
-    <dgm:style>
-      <a:lnRef idx="2">
-        <a:scrgbClr r="0" g="0" b="0"/>
-      </a:lnRef>
-      <a:fillRef idx="1">
-        <a:scrgbClr r="0" g="0" b="0"/>
-      </a:fillRef>
-      <a:effectRef idx="0">
-        <a:scrgbClr r="0" g="0" b="0"/>
-      </a:effectRef>
-      <a:fontRef idx="minor"/>
-    </dgm:style>
-  </dgm:styleLbl>
-  <dgm:styleLbl name="alignImgPlace1">
-    <dgm:scene3d>
-      <a:camera prst="orthographicFront"/>
-      <a:lightRig rig="threePt" dir="t"/>
-    </dgm:scene3d>
-    <dgm:sp3d/>
-    <dgm:txPr/>
-    <dgm:style>
-      <a:lnRef idx="2">
-        <a:scrgbClr r="0" g="0" b="0"/>
-      </a:lnRef>
-      <a:fillRef idx="1">
-        <a:scrgbClr r="0" g="0" b="0"/>
-      </a:fillRef>
-      <a:effectRef idx="0">
-        <a:scrgbClr r="0" g="0" b="0"/>
-      </a:effectRef>
-      <a:fontRef idx="minor"/>
-    </dgm:style>
-  </dgm:styleLbl>
-  <dgm:styleLbl name="bgImgPlace1">
-    <dgm:scene3d>
-      <a:camera prst="orthographicFront"/>
-      <a:lightRig rig="threePt" dir="t"/>
-    </dgm:scene3d>
-    <dgm:sp3d/>
-    <dgm:txPr/>
-    <dgm:style>
-      <a:lnRef idx="2">
-        <a:scrgbClr r="0" g="0" b="0"/>
-      </a:lnRef>
-      <a:fillRef idx="1">
-        <a:scrgbClr r="0" g="0" b="0"/>
-      </a:fillRef>
-      <a:effectRef idx="0">
-        <a:scrgbClr r="0" g="0" b="0"/>
-      </a:effectRef>
-      <a:fontRef idx="minor"/>
-    </dgm:style>
-  </dgm:styleLbl>
-  <dgm:styleLbl name="sibTrans2D1">
-    <dgm:scene3d>
-      <a:camera prst="orthographicFront"/>
-      <a:lightRig rig="threePt" dir="t"/>
-    </dgm:scene3d>
-    <dgm:sp3d/>
-    <dgm:txPr/>
-    <dgm:style>
-      <a:lnRef idx="0">
-        <a:scrgbClr r="0" g="0" b="0"/>
-      </a:lnRef>
-      <a:fillRef idx="1">
-        <a:scrgbClr r="0" g="0" b="0"/>
-      </a:fillRef>
-      <a:effectRef idx="0">
-        <a:scrgbClr r="0" g="0" b="0"/>
-      </a:effectRef>
-      <a:fontRef idx="minor">
-        <a:schemeClr val="lt1"/>
-      </a:fontRef>
-    </dgm:style>
-  </dgm:styleLbl>
-  <dgm:styleLbl name="fgSibTrans2D1">
-    <dgm:scene3d>
-      <a:camera prst="orthographicFront"/>
-      <a:lightRig rig="threePt" dir="t"/>
-    </dgm:scene3d>
-    <dgm:sp3d/>
-    <dgm:txPr/>
-    <dgm:style>
-      <a:lnRef idx="0">
-        <a:scrgbClr r="0" g="0" b="0"/>
-      </a:lnRef>
-      <a:fillRef idx="1">
-        <a:scrgbClr r="0" g="0" b="0"/>
-      </a:fillRef>
-      <a:effectRef idx="0">
-        <a:scrgbClr r="0" g="0" b="0"/>
-      </a:effectRef>
-      <a:fontRef idx="minor">
-        <a:schemeClr val="lt1"/>
-      </a:fontRef>
-    </dgm:style>
-  </dgm:styleLbl>
-  <dgm:styleLbl name="bgSibTrans2D1">
-    <dgm:scene3d>
-      <a:camera prst="orthographicFront"/>
-      <a:lightRig rig="threePt" dir="t"/>
-    </dgm:scene3d>
-    <dgm:sp3d/>
-    <dgm:txPr/>
-    <dgm:style>
-      <a:lnRef idx="0">
-        <a:scrgbClr r="0" g="0" b="0"/>
-      </a:lnRef>
-      <a:fillRef idx="1">
-        <a:scrgbClr r="0" g="0" b="0"/>
-      </a:fillRef>
-      <a:effectRef idx="0">
-        <a:scrgbClr r="0" g="0" b="0"/>
-      </a:effectRef>
-      <a:fontRef idx="minor">
-        <a:schemeClr val="lt1"/>
-      </a:fontRef>
-    </dgm:style>
-  </dgm:styleLbl>
-  <dgm:styleLbl name="sibTrans1D1">
-    <dgm:scene3d>
-      <a:camera prst="orthographicFront"/>
-      <a:lightRig rig="threePt" dir="t"/>
-    </dgm:scene3d>
-    <dgm:sp3d/>
-    <dgm:txPr/>
-    <dgm:style>
-      <a:lnRef idx="1">
-        <a:scrgbClr r="0" g="0" b="0"/>
-      </a:lnRef>
-      <a:fillRef idx="0">
-        <a:scrgbClr r="0" g="0" b="0"/>
-      </a:fillRef>
-      <a:effectRef idx="0">
-        <a:scrgbClr r="0" g="0" b="0"/>
-      </a:effectRef>
-      <a:fontRef idx="minor"/>
-    </dgm:style>
-  </dgm:styleLbl>
-  <dgm:styleLbl name="callout">
-    <dgm:scene3d>
-      <a:camera prst="orthographicFront"/>
-      <a:lightRig rig="threePt" dir="t"/>
-    </dgm:scene3d>
-    <dgm:sp3d/>
-    <dgm:txPr/>
-    <dgm:style>
-      <a:lnRef idx="2">
-        <a:scrgbClr r="0" g="0" b="0"/>
-      </a:lnRef>
-      <a:fillRef idx="1">
-        <a:scrgbClr r="0" g="0" b="0"/>
-      </a:fillRef>
-      <a:effectRef idx="0">
-        <a:scrgbClr r="0" g="0" b="0"/>
-      </a:effectRef>
-      <a:fontRef idx="minor"/>
-    </dgm:style>
-  </dgm:styleLbl>
-  <dgm:styleLbl name="asst0">
-    <dgm:scene3d>
-      <a:camera prst="orthographicFront"/>
-      <a:lightRig rig="threePt" dir="t"/>
-    </dgm:scene3d>
-    <dgm:sp3d/>
-    <dgm:txPr/>
-    <dgm:style>
-      <a:lnRef idx="2">
-        <a:scrgbClr r="0" g="0" b="0"/>
-      </a:lnRef>
-      <a:fillRef idx="1">
-        <a:scrgbClr r="0" g="0" b="0"/>
-      </a:fillRef>
-      <a:effectRef idx="0">
-        <a:scrgbClr r="0" g="0" b="0"/>
-      </a:effectRef>
-      <a:fontRef idx="minor">
-        <a:schemeClr val="lt1"/>
-      </a:fontRef>
-    </dgm:style>
-  </dgm:styleLbl>
-  <dgm:styleLbl name="asst1">
-    <dgm:scene3d>
-      <a:camera prst="orthographicFront"/>
-      <a:lightRig rig="threePt" dir="t"/>
-    </dgm:scene3d>
-    <dgm:sp3d/>
-    <dgm:txPr/>
-    <dgm:style>
-      <a:lnRef idx="2">
-        <a:scrgbClr r="0" g="0" b="0"/>
-      </a:lnRef>
-      <a:fillRef idx="1">
-        <a:scrgbClr r="0" g="0" b="0"/>
-      </a:fillRef>
-      <a:effectRef idx="0">
-        <a:scrgbClr r="0" g="0" b="0"/>
-      </a:effectRef>
-      <a:fontRef idx="minor">
-        <a:schemeClr val="lt1"/>
-      </a:fontRef>
-    </dgm:style>
-  </dgm:styleLbl>
-  <dgm:styleLbl name="asst2">
-    <dgm:scene3d>
-      <a:camera prst="orthographicFront"/>
-      <a:lightRig rig="threePt" dir="t"/>
-    </dgm:scene3d>
-    <dgm:sp3d/>
-    <dgm:txPr/>
-    <dgm:style>
-      <a:lnRef idx="2">
-        <a:scrgbClr r="0" g="0" b="0"/>
-      </a:lnRef>
-      <a:fillRef idx="1">
-        <a:scrgbClr r="0" g="0" b="0"/>
-      </a:fillRef>
-      <a:effectRef idx="0">
-        <a:scrgbClr r="0" g="0" b="0"/>
-      </a:effectRef>
-      <a:fontRef idx="minor">
-        <a:schemeClr val="lt1"/>
-      </a:fontRef>
-    </dgm:style>
-  </dgm:styleLbl>
-  <dgm:styleLbl name="asst3">
-    <dgm:scene3d>
-      <a:camera prst="orthographicFront"/>
-      <a:lightRig rig="threePt" dir="t"/>
-    </dgm:scene3d>
-    <dgm:sp3d/>
-    <dgm:txPr/>
-    <dgm:style>
-      <a:lnRef idx="2">
-        <a:scrgbClr r="0" g="0" b="0"/>
-      </a:lnRef>
-      <a:fillRef idx="1">
-        <a:scrgbClr r="0" g="0" b="0"/>
-      </a:fillRef>
-      <a:effectRef idx="0">
-        <a:scrgbClr r="0" g="0" b="0"/>
-      </a:effectRef>
-      <a:fontRef idx="minor">
-        <a:schemeClr val="lt1"/>
-      </a:fontRef>
-    </dgm:style>
-  </dgm:styleLbl>
-  <dgm:styleLbl name="asst4">
-    <dgm:scene3d>
-      <a:camera prst="orthographicFront"/>
-      <a:lightRig rig="threePt" dir="t"/>
-    </dgm:scene3d>
-    <dgm:sp3d/>
-    <dgm:txPr/>
-    <dgm:style>
-      <a:lnRef idx="2">
-        <a:scrgbClr r="0" g="0" b="0"/>
-      </a:lnRef>
-      <a:fillRef idx="1">
-        <a:scrgbClr r="0" g="0" b="0"/>
-      </a:fillRef>
-      <a:effectRef idx="0">
-        <a:scrgbClr r="0" g="0" b="0"/>
-      </a:effectRef>
-      <a:fontRef idx="minor">
-        <a:schemeClr val="lt1"/>
-      </a:fontRef>
-    </dgm:style>
-  </dgm:styleLbl>
-  <dgm:styleLbl name="parChTrans2D1">
-    <dgm:scene3d>
-      <a:camera prst="orthographicFront"/>
-      <a:lightRig rig="threePt" dir="t"/>
-    </dgm:scene3d>
-    <dgm:sp3d/>
-    <dgm:txPr/>
-    <dgm:style>
-      <a:lnRef idx="2">
-        <a:scrgbClr r="0" g="0" b="0"/>
-      </a:lnRef>
-      <a:fillRef idx="1">
-        <a:scrgbClr r="0" g="0" b="0"/>
-      </a:fillRef>
-      <a:effectRef idx="0">
-        <a:scrgbClr r="0" g="0" b="0"/>
-      </a:effectRef>
-      <a:fontRef idx="minor">
-        <a:schemeClr val="lt1"/>
-      </a:fontRef>
-    </dgm:style>
-  </dgm:styleLbl>
-  <dgm:styleLbl name="parChTrans2D2">
-    <dgm:scene3d>
-      <a:camera prst="orthographicFront"/>
-      <a:lightRig rig="threePt" dir="t"/>
-    </dgm:scene3d>
-    <dgm:sp3d/>
-    <dgm:txPr/>
-    <dgm:style>
-      <a:lnRef idx="2">
-        <a:scrgbClr r="0" g="0" b="0"/>
-      </a:lnRef>
-      <a:fillRef idx="1">
-        <a:scrgbClr r="0" g="0" b="0"/>
-      </a:fillRef>
-      <a:effectRef idx="0">
-        <a:scrgbClr r="0" g="0" b="0"/>
-      </a:effectRef>
-      <a:fontRef idx="minor">
-        <a:schemeClr val="lt1"/>
-      </a:fontRef>
-    </dgm:style>
-  </dgm:styleLbl>
-  <dgm:styleLbl name="parChTrans2D3">
-    <dgm:scene3d>
-      <a:camera prst="orthographicFront"/>
-      <a:lightRig rig="threePt" dir="t"/>
-    </dgm:scene3d>
-    <dgm:sp3d/>
-    <dgm:txPr/>
-    <dgm:style>
-      <a:lnRef idx="2">
-        <a:scrgbClr r="0" g="0" b="0"/>
-      </a:lnRef>
-      <a:fillRef idx="1">
-        <a:scrgbClr r="0" g="0" b="0"/>
-      </a:fillRef>
-      <a:effectRef idx="0">
-        <a:scrgbClr r="0" g="0" b="0"/>
-      </a:effectRef>
-      <a:fontRef idx="minor">
-        <a:schemeClr val="lt1"/>
-      </a:fontRef>
-    </dgm:style>
-  </dgm:styleLbl>
-  <dgm:styleLbl name="parChTrans2D4">
-    <dgm:scene3d>
-      <a:camera prst="orthographicFront"/>
-      <a:lightRig rig="threePt" dir="t"/>
-    </dgm:scene3d>
-    <dgm:sp3d/>
-    <dgm:txPr/>
-    <dgm:style>
-      <a:lnRef idx="2">
-        <a:scrgbClr r="0" g="0" b="0"/>
-      </a:lnRef>
-      <a:fillRef idx="1">
-        <a:scrgbClr r="0" g="0" b="0"/>
-      </a:fillRef>
-      <a:effectRef idx="0">
-        <a:scrgbClr r="0" g="0" b="0"/>
-      </a:effectRef>
-      <a:fontRef idx="minor">
-        <a:schemeClr val="lt1"/>
-      </a:fontRef>
-    </dgm:style>
-  </dgm:styleLbl>
-  <dgm:styleLbl name="parChTrans1D1">
-    <dgm:scene3d>
-      <a:camera prst="orthographicFront"/>
-      <a:lightRig rig="threePt" dir="t"/>
-    </dgm:scene3d>
-    <dgm:sp3d/>
-    <dgm:txPr/>
-    <dgm:style>
-      <a:lnRef idx="2">
-        <a:scrgbClr r="0" g="0" b="0"/>
-      </a:lnRef>
-      <a:fillRef idx="0">
-        <a:scrgbClr r="0" g="0" b="0"/>
-      </a:fillRef>
-      <a:effectRef idx="0">
-        <a:scrgbClr r="0" g="0" b="0"/>
-      </a:effectRef>
-      <a:fontRef idx="minor"/>
-    </dgm:style>
-  </dgm:styleLbl>
-  <dgm:styleLbl name="parChTrans1D2">
-    <dgm:scene3d>
-      <a:camera prst="orthographicFront"/>
-      <a:lightRig rig="threePt" dir="t"/>
-    </dgm:scene3d>
-    <dgm:sp3d/>
-    <dgm:txPr/>
-    <dgm:style>
-      <a:lnRef idx="2">
-        <a:scrgbClr r="0" g="0" b="0"/>
-      </a:lnRef>
-      <a:fillRef idx="0">
-        <a:scrgbClr r="0" g="0" b="0"/>
-      </a:fillRef>
-      <a:effectRef idx="0">
-        <a:scrgbClr r="0" g="0" b="0"/>
-      </a:effectRef>
-      <a:fontRef idx="minor"/>
-    </dgm:style>
-  </dgm:styleLbl>
-  <dgm:styleLbl name="parChTrans1D3">
-    <dgm:scene3d>
-      <a:camera prst="orthographicFront"/>
-      <a:lightRig rig="threePt" dir="t"/>
-    </dgm:scene3d>
-    <dgm:sp3d/>
-    <dgm:txPr/>
-    <dgm:style>
-      <a:lnRef idx="2">
-        <a:scrgbClr r="0" g="0" b="0"/>
-      </a:lnRef>
-      <a:fillRef idx="0">
-        <a:scrgbClr r="0" g="0" b="0"/>
-      </a:fillRef>
-      <a:effectRef idx="0">
-        <a:scrgbClr r="0" g="0" b="0"/>
-      </a:effectRef>
-      <a:fontRef idx="minor"/>
-    </dgm:style>
-  </dgm:styleLbl>
-  <dgm:styleLbl name="parChTrans1D4">
-    <dgm:scene3d>
-      <a:camera prst="orthographicFront"/>
-      <a:lightRig rig="threePt" dir="t"/>
-    </dgm:scene3d>
-    <dgm:sp3d/>
-    <dgm:txPr/>
-    <dgm:style>
-      <a:lnRef idx="2">
-        <a:scrgbClr r="0" g="0" b="0"/>
-      </a:lnRef>
-      <a:fillRef idx="0">
-        <a:scrgbClr r="0" g="0" b="0"/>
-      </a:fillRef>
-      <a:effectRef idx="0">
-        <a:scrgbClr r="0" g="0" b="0"/>
-      </a:effectRef>
-      <a:fontRef idx="minor"/>
-    </dgm:style>
-  </dgm:styleLbl>
-  <dgm:styleLbl name="fgAcc1">
-    <dgm:scene3d>
-      <a:camera prst="orthographicFront"/>
-      <a:lightRig rig="threePt" dir="t"/>
-    </dgm:scene3d>
-    <dgm:sp3d/>
-    <dgm:txPr/>
-    <dgm:style>
-      <a:lnRef idx="2">
-        <a:scrgbClr r="0" g="0" b="0"/>
-      </a:lnRef>
-      <a:fillRef idx="1">
-        <a:scrgbClr r="0" g="0" b="0"/>
-      </a:fillRef>
-      <a:effectRef idx="0">
-        <a:scrgbClr r="0" g="0" b="0"/>
-      </a:effectRef>
-      <a:fontRef idx="minor"/>
-    </dgm:style>
-  </dgm:styleLbl>
-  <dgm:styleLbl name="conFgAcc1">
-    <dgm:scene3d>
-      <a:camera prst="orthographicFront"/>
-      <a:lightRig rig="threePt" dir="t"/>
-    </dgm:scene3d>
-    <dgm:sp3d/>
-    <dgm:txPr/>
-    <dgm:style>
-      <a:lnRef idx="2">
-        <a:scrgbClr r="0" g="0" b="0"/>
-      </a:lnRef>
-      <a:fillRef idx="1">
-        <a:scrgbClr r="0" g="0" b="0"/>
-      </a:fillRef>
-      <a:effectRef idx="0">
-        <a:scrgbClr r="0" g="0" b="0"/>
-      </a:effectRef>
-      <a:fontRef idx="minor"/>
-    </dgm:style>
-  </dgm:styleLbl>
-  <dgm:styleLbl name="alignAcc1">
-    <dgm:scene3d>
-      <a:camera prst="orthographicFront"/>
-      <a:lightRig rig="threePt" dir="t"/>
-    </dgm:scene3d>
-    <dgm:sp3d/>
-    <dgm:txPr/>
-    <dgm:style>
-      <a:lnRef idx="2">
-        <a:scrgbClr r="0" g="0" b="0"/>
-      </a:lnRef>
-      <a:fillRef idx="1">
-        <a:scrgbClr r="0" g="0" b="0"/>
-      </a:fillRef>
-      <a:effectRef idx="0">
-        <a:scrgbClr r="0" g="0" b="0"/>
-      </a:effectRef>
-      <a:fontRef idx="minor"/>
-    </dgm:style>
-  </dgm:styleLbl>
-  <dgm:styleLbl name="trAlignAcc1">
-    <dgm:scene3d>
-      <a:camera prst="orthographicFront"/>
-      <a:lightRig rig="threePt" dir="t"/>
-    </dgm:scene3d>
-    <dgm:sp3d/>
-    <dgm:txPr/>
-    <dgm:style>
-      <a:lnRef idx="1">
-        <a:scrgbClr r="0" g="0" b="0"/>
-      </a:lnRef>
-      <a:fillRef idx="1">
-        <a:scrgbClr r="0" g="0" b="0"/>
-      </a:fillRef>
-      <a:effectRef idx="0">
-        <a:scrgbClr r="0" g="0" b="0"/>
-      </a:effectRef>
-      <a:fontRef idx="minor"/>
-    </dgm:style>
-  </dgm:styleLbl>
-  <dgm:styleLbl name="bgAcc1">
-    <dgm:scene3d>
-      <a:camera prst="orthographicFront"/>
-      <a:lightRig rig="threePt" dir="t"/>
-    </dgm:scene3d>
-    <dgm:sp3d/>
-    <dgm:txPr/>
-    <dgm:style>
-      <a:lnRef idx="2">
-        <a:scrgbClr r="0" g="0" b="0"/>
-      </a:lnRef>
-      <a:fillRef idx="1">
-        <a:scrgbClr r="0" g="0" b="0"/>
-      </a:fillRef>
-      <a:effectRef idx="0">
-        <a:scrgbClr r="0" g="0" b="0"/>
-      </a:effectRef>
-      <a:fontRef idx="minor"/>
-    </dgm:style>
-  </dgm:styleLbl>
-  <dgm:styleLbl name="solidFgAcc1">
-    <dgm:scene3d>
-      <a:camera prst="orthographicFront"/>
-      <a:lightRig rig="threePt" dir="t"/>
-    </dgm:scene3d>
-    <dgm:sp3d/>
-    <dgm:txPr/>
-    <dgm:style>
-      <a:lnRef idx="2">
-        <a:scrgbClr r="0" g="0" b="0"/>
-      </a:lnRef>
-      <a:fillRef idx="1">
-        <a:scrgbClr r="0" g="0" b="0"/>
-      </a:fillRef>
-      <a:effectRef idx="0">
-        <a:scrgbClr r="0" g="0" b="0"/>
-      </a:effectRef>
-      <a:fontRef idx="minor"/>
-    </dgm:style>
-  </dgm:styleLbl>
-  <dgm:styleLbl name="solidAlignAcc1">
-    <dgm:scene3d>
-      <a:camera prst="orthographicFront"/>
-      <a:lightRig rig="threePt" dir="t"/>
-    </dgm:scene3d>
-    <dgm:sp3d/>
-    <dgm:txPr/>
-    <dgm:style>
-      <a:lnRef idx="2">
-        <a:scrgbClr r="0" g="0" b="0"/>
-      </a:lnRef>
-      <a:fillRef idx="1">
-        <a:scrgbClr r="0" g="0" b="0"/>
-      </a:fillRef>
-      <a:effectRef idx="0">
-        <a:scrgbClr r="0" g="0" b="0"/>
-      </a:effectRef>
-      <a:fontRef idx="minor"/>
-    </dgm:style>
-  </dgm:styleLbl>
-  <dgm:styleLbl name="solidBgAcc1">
-    <dgm:scene3d>
-      <a:camera prst="orthographicFront"/>
-      <a:lightRig rig="threePt" dir="t"/>
-    </dgm:scene3d>
-    <dgm:sp3d/>
-    <dgm:txPr/>
-    <dgm:style>
-      <a:lnRef idx="2">
-        <a:scrgbClr r="0" g="0" b="0"/>
-      </a:lnRef>
-      <a:fillRef idx="1">
-        <a:scrgbClr r="0" g="0" b="0"/>
-      </a:fillRef>
-      <a:effectRef idx="0">
-        <a:scrgbClr r="0" g="0" b="0"/>
-      </a:effectRef>
-      <a:fontRef idx="minor"/>
-    </dgm:style>
-  </dgm:styleLbl>
-  <dgm:styleLbl name="fgAccFollowNode1">
-    <dgm:scene3d>
-      <a:camera prst="orthographicFront"/>
-      <a:lightRig rig="threePt" dir="t"/>
-    </dgm:scene3d>
-    <dgm:sp3d/>
-    <dgm:txPr/>
-    <dgm:style>
-      <a:lnRef idx="2">
-        <a:scrgbClr r="0" g="0" b="0"/>
-      </a:lnRef>
-      <a:fillRef idx="1">
-        <a:scrgbClr r="0" g="0" b="0"/>
-      </a:fillRef>
-      <a:effectRef idx="0">
-        <a:scrgbClr r="0" g="0" b="0"/>
-      </a:effectRef>
-      <a:fontRef idx="minor"/>
-    </dgm:style>
-  </dgm:styleLbl>
-  <dgm:styleLbl name="alignAccFollowNode1">
-    <dgm:scene3d>
-      <a:camera prst="orthographicFront"/>
-      <a:lightRig rig="threePt" dir="t"/>
-    </dgm:scene3d>
-    <dgm:sp3d/>
-    <dgm:txPr/>
-    <dgm:style>
-      <a:lnRef idx="2">
-        <a:scrgbClr r="0" g="0" b="0"/>
-      </a:lnRef>
-      <a:fillRef idx="1">
-        <a:scrgbClr r="0" g="0" b="0"/>
-      </a:fillRef>
-      <a:effectRef idx="0">
-        <a:scrgbClr r="0" g="0" b="0"/>
-      </a:effectRef>
-      <a:fontRef idx="minor"/>
-    </dgm:style>
-  </dgm:styleLbl>
-  <dgm:styleLbl name="bgAccFollowNode1">
-    <dgm:scene3d>
-      <a:camera prst="orthographicFront"/>
-      <a:lightRig rig="threePt" dir="t"/>
-    </dgm:scene3d>
-    <dgm:sp3d/>
-    <dgm:txPr/>
-    <dgm:style>
-      <a:lnRef idx="2">
-        <a:scrgbClr r="0" g="0" b="0"/>
-      </a:lnRef>
-      <a:fillRef idx="1">
-        <a:scrgbClr r="0" g="0" b="0"/>
-      </a:fillRef>
-      <a:effectRef idx="0">
-        <a:scrgbClr r="0" g="0" b="0"/>
-      </a:effectRef>
-      <a:fontRef idx="minor"/>
-    </dgm:style>
-  </dgm:styleLbl>
-  <dgm:styleLbl name="fgAcc0">
-    <dgm:scene3d>
-      <a:camera prst="orthographicFront"/>
-      <a:lightRig rig="threePt" dir="t"/>
-    </dgm:scene3d>
-    <dgm:sp3d/>
-    <dgm:txPr/>
-    <dgm:style>
-      <a:lnRef idx="2">
-        <a:scrgbClr r="0" g="0" b="0"/>
-      </a:lnRef>
-      <a:fillRef idx="1">
-        <a:scrgbClr r="0" g="0" b="0"/>
-      </a:fillRef>
-      <a:effectRef idx="0">
-        <a:scrgbClr r="0" g="0" b="0"/>
-      </a:effectRef>
-      <a:fontRef idx="minor"/>
-    </dgm:style>
-  </dgm:styleLbl>
-  <dgm:styleLbl name="fgAcc2">
-    <dgm:scene3d>
-      <a:camera prst="orthographicFront"/>
-      <a:lightRig rig="threePt" dir="t"/>
-    </dgm:scene3d>
-    <dgm:sp3d/>
-    <dgm:txPr/>
-    <dgm:style>
-      <a:lnRef idx="2">
-        <a:scrgbClr r="0" g="0" b="0"/>
-      </a:lnRef>
-      <a:fillRef idx="1">
-        <a:scrgbClr r="0" g="0" b="0"/>
-      </a:fillRef>
-      <a:effectRef idx="0">
-        <a:scrgbClr r="0" g="0" b="0"/>
-      </a:effectRef>
-      <a:fontRef idx="minor"/>
-    </dgm:style>
-  </dgm:styleLbl>
-  <dgm:styleLbl name="fgAcc3">
-    <dgm:scene3d>
-      <a:camera prst="orthographicFront"/>
-      <a:lightRig rig="threePt" dir="t"/>
-    </dgm:scene3d>
-    <dgm:sp3d/>
-    <dgm:txPr/>
-    <dgm:style>
-      <a:lnRef idx="2">
-        <a:scrgbClr r="0" g="0" b="0"/>
-      </a:lnRef>
-      <a:fillRef idx="1">
-        <a:scrgbClr r="0" g="0" b="0"/>
-      </a:fillRef>
-      <a:effectRef idx="0">
-        <a:scrgbClr r="0" g="0" b="0"/>
-      </a:effectRef>
-      <a:fontRef idx="minor"/>
-    </dgm:style>
-  </dgm:styleLbl>
-  <dgm:styleLbl name="fgAcc4">
-    <dgm:scene3d>
-      <a:camera prst="orthographicFront"/>
-      <a:lightRig rig="threePt" dir="t"/>
-    </dgm:scene3d>
-    <dgm:sp3d/>
-    <dgm:txPr/>
-    <dgm:style>
-      <a:lnRef idx="2">
-        <a:scrgbClr r="0" g="0" b="0"/>
-      </a:lnRef>
-      <a:fillRef idx="1">
-        <a:scrgbClr r="0" g="0" b="0"/>
-      </a:fillRef>
-      <a:effectRef idx="0">
-        <a:scrgbClr r="0" g="0" b="0"/>
-      </a:effectRef>
-      <a:fontRef idx="minor"/>
-    </dgm:style>
-  </dgm:styleLbl>
-  <dgm:styleLbl name="bgShp">
-    <dgm:scene3d>
-      <a:camera prst="orthographicFront"/>
-      <a:lightRig rig="threePt" dir="t"/>
-    </dgm:scene3d>
-    <dgm:sp3d/>
-    <dgm:txPr/>
-    <dgm:style>
-      <a:lnRef idx="0">
-        <a:scrgbClr r="0" g="0" b="0"/>
-      </a:lnRef>
-      <a:fillRef idx="1">
-        <a:scrgbClr r="0" g="0" b="0"/>
-      </a:fillRef>
-      <a:effectRef idx="0">
-        <a:scrgbClr r="0" g="0" b="0"/>
-      </a:effectRef>
-      <a:fontRef idx="minor"/>
-    </dgm:style>
-  </dgm:styleLbl>
-  <dgm:styleLbl name="dkBgShp">
-    <dgm:scene3d>
-      <a:camera prst="orthographicFront"/>
-      <a:lightRig rig="threePt" dir="t"/>
-    </dgm:scene3d>
-    <dgm:sp3d/>
-    <dgm:txPr/>
-    <dgm:style>
-      <a:lnRef idx="0">
-        <a:scrgbClr r="0" g="0" b="0"/>
-      </a:lnRef>
-      <a:fillRef idx="1">
-        <a:scrgbClr r="0" g="0" b="0"/>
-      </a:fillRef>
-      <a:effectRef idx="0">
-        <a:scrgbClr r="0" g="0" b="0"/>
-      </a:effectRef>
-      <a:fontRef idx="minor"/>
-    </dgm:style>
-  </dgm:styleLbl>
-  <dgm:styleLbl name="trBgShp">
-    <dgm:scene3d>
-      <a:camera prst="orthographicFront"/>
-      <a:lightRig rig="threePt" dir="t"/>
-    </dgm:scene3d>
-    <dgm:sp3d/>
-    <dgm:txPr/>
-    <dgm:style>
-      <a:lnRef idx="0">
-        <a:scrgbClr r="0" g="0" b="0"/>
-      </a:lnRef>
-      <a:fillRef idx="1">
-        <a:scrgbClr r="0" g="0" b="0"/>
-      </a:fillRef>
-      <a:effectRef idx="0">
-        <a:scrgbClr r="0" g="0" b="0"/>
-      </a:effectRef>
-      <a:fontRef idx="minor"/>
-    </dgm:style>
-  </dgm:styleLbl>
-  <dgm:styleLbl name="fgShp">
-    <dgm:scene3d>
-      <a:camera prst="orthographicFront"/>
-      <a:lightRig rig="threePt" dir="t"/>
-    </dgm:scene3d>
-    <dgm:sp3d/>
-    <dgm:txPr/>
-    <dgm:style>
-      <a:lnRef idx="2">
-        <a:scrgbClr r="0" g="0" b="0"/>
-      </a:lnRef>
-      <a:fillRef idx="1">
-        <a:scrgbClr r="0" g="0" b="0"/>
-      </a:fillRef>
-      <a:effectRef idx="0">
-        <a:scrgbClr r="0" g="0" b="0"/>
-      </a:effectRef>
-      <a:fontRef idx="minor"/>
-    </dgm:style>
-  </dgm:styleLbl>
-  <dgm:styleLbl name="revTx">
-    <dgm:scene3d>
-      <a:camera prst="orthographicFront"/>
-      <a:lightRig rig="threePt" dir="t"/>
-    </dgm:scene3d>
-    <dgm:sp3d/>
-    <dgm:txPr/>
-    <dgm:style>
-      <a:lnRef idx="0">
-        <a:scrgbClr r="0" g="0" b="0"/>
-      </a:lnRef>
-      <a:fillRef idx="0">
-        <a:scrgbClr r="0" g="0" b="0"/>
-      </a:fillRef>
-      <a:effectRef idx="0">
-        <a:scrgbClr r="0" g="0" b="0"/>
-      </a:effectRef>
-      <a:fontRef idx="minor"/>
-    </dgm:style>
-  </dgm:styleLbl>
-</dgm:styleDef>
-</file>
-
 <file path=ppt/slideLayouts/slideLayout1.xml><?xml version="1.0" encoding="utf-8"?>
 <p:sldLayout xmlns:a="http://schemas.openxmlformats.org/drawingml/2006/main" xmlns:r="http://schemas.openxmlformats.org/officeDocument/2006/relationships" xmlns:p="http://schemas.openxmlformats.org/presentationml/2006/main" type="title" preserve="1">
   <p:cSld name="Title Slide">
@@ -3118,7 +270,7 @@
           <a:p>
             <a:fld id="{2347D329-9DEE-4C1C-8A13-0F93CAED9A38}" type="datetimeFigureOut">
               <a:rPr lang="en-US" smtClean="0"/>
-              <a:t>11/5/24</a:t>
+              <a:t>11/8/24</a:t>
             </a:fld>
             <a:endParaRPr lang="en-US"/>
           </a:p>
@@ -3318,7 +470,7 @@
           <a:p>
             <a:fld id="{2347D329-9DEE-4C1C-8A13-0F93CAED9A38}" type="datetimeFigureOut">
               <a:rPr lang="en-US" smtClean="0"/>
-              <a:t>11/5/24</a:t>
+              <a:t>11/8/24</a:t>
             </a:fld>
             <a:endParaRPr lang="en-US"/>
           </a:p>
@@ -3528,7 +680,7 @@
           <a:p>
             <a:fld id="{2347D329-9DEE-4C1C-8A13-0F93CAED9A38}" type="datetimeFigureOut">
               <a:rPr lang="en-US" smtClean="0"/>
-              <a:t>11/5/24</a:t>
+              <a:t>11/8/24</a:t>
             </a:fld>
             <a:endParaRPr lang="en-US"/>
           </a:p>
@@ -3728,7 +880,7 @@
           <a:p>
             <a:fld id="{2347D329-9DEE-4C1C-8A13-0F93CAED9A38}" type="datetimeFigureOut">
               <a:rPr lang="en-US" smtClean="0"/>
-              <a:t>11/5/24</a:t>
+              <a:t>11/8/24</a:t>
             </a:fld>
             <a:endParaRPr lang="en-US"/>
           </a:p>
@@ -4004,7 +1156,7 @@
           <a:p>
             <a:fld id="{2347D329-9DEE-4C1C-8A13-0F93CAED9A38}" type="datetimeFigureOut">
               <a:rPr lang="en-US" smtClean="0"/>
-              <a:t>11/5/24</a:t>
+              <a:t>11/8/24</a:t>
             </a:fld>
             <a:endParaRPr lang="en-US"/>
           </a:p>
@@ -4272,7 +1424,7 @@
           <a:p>
             <a:fld id="{2347D329-9DEE-4C1C-8A13-0F93CAED9A38}" type="datetimeFigureOut">
               <a:rPr lang="en-US" smtClean="0"/>
-              <a:t>11/5/24</a:t>
+              <a:t>11/8/24</a:t>
             </a:fld>
             <a:endParaRPr lang="en-US"/>
           </a:p>
@@ -4687,7 +1839,7 @@
           <a:p>
             <a:fld id="{2347D329-9DEE-4C1C-8A13-0F93CAED9A38}" type="datetimeFigureOut">
               <a:rPr lang="en-US" smtClean="0"/>
-              <a:t>11/5/24</a:t>
+              <a:t>11/8/24</a:t>
             </a:fld>
             <a:endParaRPr lang="en-US"/>
           </a:p>
@@ -4829,7 +1981,7 @@
           <a:p>
             <a:fld id="{2347D329-9DEE-4C1C-8A13-0F93CAED9A38}" type="datetimeFigureOut">
               <a:rPr lang="en-US" smtClean="0"/>
-              <a:t>11/5/24</a:t>
+              <a:t>11/8/24</a:t>
             </a:fld>
             <a:endParaRPr lang="en-US"/>
           </a:p>
@@ -4942,7 +2094,7 @@
           <a:p>
             <a:fld id="{2347D329-9DEE-4C1C-8A13-0F93CAED9A38}" type="datetimeFigureOut">
               <a:rPr lang="en-US" smtClean="0"/>
-              <a:t>11/5/24</a:t>
+              <a:t>11/8/24</a:t>
             </a:fld>
             <a:endParaRPr lang="en-US"/>
           </a:p>
@@ -5255,7 +2407,7 @@
           <a:p>
             <a:fld id="{2347D329-9DEE-4C1C-8A13-0F93CAED9A38}" type="datetimeFigureOut">
               <a:rPr lang="en-US" smtClean="0"/>
-              <a:t>11/5/24</a:t>
+              <a:t>11/8/24</a:t>
             </a:fld>
             <a:endParaRPr lang="en-US"/>
           </a:p>
@@ -5544,7 +2696,7 @@
           <a:p>
             <a:fld id="{2347D329-9DEE-4C1C-8A13-0F93CAED9A38}" type="datetimeFigureOut">
               <a:rPr lang="en-US" smtClean="0"/>
-              <a:t>11/5/24</a:t>
+              <a:t>11/8/24</a:t>
             </a:fld>
             <a:endParaRPr lang="en-US"/>
           </a:p>
@@ -5787,7 +2939,7 @@
           <a:p>
             <a:fld id="{2347D329-9DEE-4C1C-8A13-0F93CAED9A38}" type="datetimeFigureOut">
               <a:rPr lang="en-US" smtClean="0"/>
-              <a:t>11/5/24</a:t>
+              <a:t>11/8/24</a:t>
             </a:fld>
             <a:endParaRPr lang="en-US"/>
           </a:p>
@@ -6919,14 +4071,6 @@
 <file path=ppt/slides/slide2.xml><?xml version="1.0" encoding="utf-8"?>
 <p:sld xmlns:a="http://schemas.openxmlformats.org/drawingml/2006/main" xmlns:r="http://schemas.openxmlformats.org/officeDocument/2006/relationships" xmlns:p="http://schemas.openxmlformats.org/presentationml/2006/main">
   <p:cSld>
-    <p:bg>
-      <p:bgPr>
-        <a:solidFill>
-          <a:schemeClr val="bg1"/>
-        </a:solidFill>
-        <a:effectLst/>
-      </p:bgPr>
-    </p:bg>
     <p:spTree>
       <p:nvGrpSpPr>
         <p:cNvPr id="1" name=""/>
@@ -6941,460 +4085,81 @@
           <a:chExt cx="0" cy="0"/>
         </a:xfrm>
       </p:grpSpPr>
-      <p:sp useBgFill="1">
-        <p:nvSpPr>
-          <p:cNvPr id="9" name="Rectangle 8">
-            <a:extLst>
-              <a:ext uri="{FF2B5EF4-FFF2-40B4-BE49-F238E27FC236}">
-                <a16:creationId xmlns:a16="http://schemas.microsoft.com/office/drawing/2014/main" id="{BACC6370-2D7E-4714-9D71-7542949D7D5D}"/>
-              </a:ext>
-              <a:ext uri="{C183D7F6-B498-43B3-948B-1728B52AA6E4}">
-                <adec:decorative xmlns:adec="http://schemas.microsoft.com/office/drawing/2017/decorative" val="1"/>
-              </a:ext>
-            </a:extLst>
-          </p:cNvPr>
-          <p:cNvSpPr>
-            <a:spLocks noGrp="1" noRot="1" noChangeAspect="1" noMove="1" noResize="1" noEditPoints="1" noAdjustHandles="1" noChangeArrowheads="1" noChangeShapeType="1" noTextEdit="1"/>
-          </p:cNvSpPr>
-          <p:nvPr>
-            <p:extLst>
-              <p:ext uri="{386F3935-93C4-4BCD-93E2-E3B085C9AB24}">
-                <p16:designElem xmlns:p16="http://schemas.microsoft.com/office/powerpoint/2015/main" val="1"/>
-              </p:ext>
-            </p:extLst>
-          </p:nvPr>
-        </p:nvSpPr>
-        <p:spPr>
-          <a:xfrm>
-            <a:off x="0" y="0"/>
-            <a:ext cx="12192000" cy="6858000"/>
-          </a:xfrm>
-          <a:prstGeom prst="rect">
-            <a:avLst/>
-          </a:prstGeom>
-          <a:ln w="12700" cap="flat" cmpd="sng" algn="ctr">
-            <a:noFill/>
-            <a:prstDash val="solid"/>
-            <a:miter lim="800000"/>
-          </a:ln>
-          <a:effectLst/>
-          <a:extLst>
-            <a:ext uri="{91240B29-F687-4F45-9708-019B960494DF}">
-              <a14:hiddenLine xmlns:a14="http://schemas.microsoft.com/office/drawing/2010/main" w="12700" cap="flat" cmpd="sng" algn="ctr">
-                <a:solidFill>
-                  <a:schemeClr val="accent1">
-                    <a:shade val="50000"/>
-                  </a:schemeClr>
-                </a:solidFill>
-                <a:prstDash val="solid"/>
-                <a:miter lim="800000"/>
-              </a14:hiddenLine>
-            </a:ext>
-          </a:extLst>
-        </p:spPr>
-        <p:style>
-          <a:lnRef idx="2">
-            <a:schemeClr val="accent1">
-              <a:shade val="50000"/>
-            </a:schemeClr>
-          </a:lnRef>
-          <a:fillRef idx="1">
-            <a:schemeClr val="accent1"/>
-          </a:fillRef>
-          <a:effectRef idx="0">
-            <a:schemeClr val="accent1"/>
-          </a:effectRef>
-          <a:fontRef idx="minor">
-            <a:schemeClr val="lt1"/>
-          </a:fontRef>
-        </p:style>
-        <p:txBody>
-          <a:bodyPr rtlCol="0" anchor="ctr"/>
-          <a:lstStyle/>
-          <a:p>
-            <a:pPr algn="ctr"/>
-            <a:endParaRPr lang="en-US"/>
-          </a:p>
-        </p:txBody>
-      </p:sp>
-      <p:sp>
-        <p:nvSpPr>
-          <p:cNvPr id="11" name="Rectangle 10">
-            <a:extLst>
-              <a:ext uri="{FF2B5EF4-FFF2-40B4-BE49-F238E27FC236}">
-                <a16:creationId xmlns:a16="http://schemas.microsoft.com/office/drawing/2014/main" id="{F68B3F68-107C-434F-AA38-110D5EA91B85}"/>
-              </a:ext>
-              <a:ext uri="{C183D7F6-B498-43B3-948B-1728B52AA6E4}">
-                <adec:decorative xmlns:adec="http://schemas.microsoft.com/office/drawing/2017/decorative" val="1"/>
-              </a:ext>
-            </a:extLst>
-          </p:cNvPr>
-          <p:cNvSpPr>
-            <a:spLocks noGrp="1" noRot="1" noChangeAspect="1" noMove="1" noResize="1" noEditPoints="1" noAdjustHandles="1" noChangeArrowheads="1" noChangeShapeType="1" noTextEdit="1"/>
-          </p:cNvSpPr>
-          <p:nvPr>
-            <p:extLst>
-              <p:ext uri="{386F3935-93C4-4BCD-93E2-E3B085C9AB24}">
-                <p16:designElem xmlns:p16="http://schemas.microsoft.com/office/powerpoint/2015/main" val="1"/>
-              </p:ext>
-            </p:extLst>
-          </p:nvPr>
-        </p:nvSpPr>
-        <p:spPr>
-          <a:xfrm flipH="1">
-            <a:off x="2" y="0"/>
-            <a:ext cx="12191998" cy="1575955"/>
-          </a:xfrm>
-          <a:prstGeom prst="rect">
-            <a:avLst/>
-          </a:prstGeom>
-          <a:gradFill>
-            <a:gsLst>
-              <a:gs pos="0">
-                <a:srgbClr val="000000">
-                  <a:alpha val="96000"/>
-                </a:srgbClr>
-              </a:gs>
-              <a:gs pos="100000">
-                <a:schemeClr val="accent1">
-                  <a:lumMod val="75000"/>
-                </a:schemeClr>
-              </a:gs>
-            </a:gsLst>
-            <a:lin ang="8400000" scaled="0"/>
-          </a:gradFill>
-          <a:ln>
-            <a:noFill/>
-          </a:ln>
-        </p:spPr>
-        <p:style>
-          <a:lnRef idx="2">
-            <a:schemeClr val="accent1">
-              <a:shade val="50000"/>
-            </a:schemeClr>
-          </a:lnRef>
-          <a:fillRef idx="1">
-            <a:schemeClr val="accent1"/>
-          </a:fillRef>
-          <a:effectRef idx="0">
-            <a:schemeClr val="accent1"/>
-          </a:effectRef>
-          <a:fontRef idx="minor">
-            <a:schemeClr val="lt1"/>
-          </a:fontRef>
-        </p:style>
-        <p:txBody>
-          <a:bodyPr rtlCol="0" anchor="ctr"/>
-          <a:lstStyle/>
-          <a:p>
-            <a:pPr algn="ctr"/>
-            <a:endParaRPr lang="en-US"/>
-          </a:p>
-        </p:txBody>
-      </p:sp>
-      <p:sp>
-        <p:nvSpPr>
-          <p:cNvPr id="13" name="Rectangle 12">
-            <a:extLst>
-              <a:ext uri="{FF2B5EF4-FFF2-40B4-BE49-F238E27FC236}">
-                <a16:creationId xmlns:a16="http://schemas.microsoft.com/office/drawing/2014/main" id="{AAD0DBB9-1A4B-4391-81D4-CB19F9AB918A}"/>
-              </a:ext>
-              <a:ext uri="{C183D7F6-B498-43B3-948B-1728B52AA6E4}">
-                <adec:decorative xmlns:adec="http://schemas.microsoft.com/office/drawing/2017/decorative" val="1"/>
-              </a:ext>
-            </a:extLst>
-          </p:cNvPr>
-          <p:cNvSpPr>
-            <a:spLocks noGrp="1" noRot="1" noChangeAspect="1" noMove="1" noResize="1" noEditPoints="1" noAdjustHandles="1" noChangeArrowheads="1" noChangeShapeType="1" noTextEdit="1"/>
-          </p:cNvSpPr>
-          <p:nvPr>
-            <p:extLst>
-              <p:ext uri="{386F3935-93C4-4BCD-93E2-E3B085C9AB24}">
-                <p16:designElem xmlns:p16="http://schemas.microsoft.com/office/powerpoint/2015/main" val="1"/>
-              </p:ext>
-            </p:extLst>
-          </p:nvPr>
-        </p:nvSpPr>
-        <p:spPr>
-          <a:xfrm rot="10800000" flipH="1">
-            <a:off x="8128857" y="0"/>
-            <a:ext cx="4063143" cy="1576412"/>
-          </a:xfrm>
-          <a:prstGeom prst="rect">
-            <a:avLst/>
-          </a:prstGeom>
-          <a:gradFill>
-            <a:gsLst>
-              <a:gs pos="19000">
-                <a:schemeClr val="accent1">
-                  <a:lumMod val="50000"/>
-                  <a:alpha val="68000"/>
-                </a:schemeClr>
-              </a:gs>
-              <a:gs pos="100000">
-                <a:schemeClr val="accent1">
-                  <a:alpha val="79000"/>
-                </a:schemeClr>
-              </a:gs>
-            </a:gsLst>
-            <a:lin ang="19200000" scaled="0"/>
-          </a:gradFill>
-          <a:ln>
-            <a:noFill/>
-          </a:ln>
-        </p:spPr>
-        <p:style>
-          <a:lnRef idx="2">
-            <a:schemeClr val="accent1">
-              <a:shade val="50000"/>
-            </a:schemeClr>
-          </a:lnRef>
-          <a:fillRef idx="1">
-            <a:schemeClr val="accent1"/>
-          </a:fillRef>
-          <a:effectRef idx="0">
-            <a:schemeClr val="accent1"/>
-          </a:effectRef>
-          <a:fontRef idx="minor">
-            <a:schemeClr val="lt1"/>
-          </a:fontRef>
-        </p:style>
-        <p:txBody>
-          <a:bodyPr rtlCol="0" anchor="ctr"/>
-          <a:lstStyle/>
-          <a:p>
-            <a:pPr algn="ctr"/>
-            <a:endParaRPr lang="en-US"/>
-          </a:p>
-        </p:txBody>
-      </p:sp>
-      <p:sp>
-        <p:nvSpPr>
-          <p:cNvPr id="15" name="Rectangle 14">
-            <a:extLst>
-              <a:ext uri="{FF2B5EF4-FFF2-40B4-BE49-F238E27FC236}">
-                <a16:creationId xmlns:a16="http://schemas.microsoft.com/office/drawing/2014/main" id="{063BBA22-50EA-4C4D-BE05-F1CE4E63AA56}"/>
-              </a:ext>
-              <a:ext uri="{C183D7F6-B498-43B3-948B-1728B52AA6E4}">
-                <adec:decorative xmlns:adec="http://schemas.microsoft.com/office/drawing/2017/decorative" val="1"/>
-              </a:ext>
-            </a:extLst>
-          </p:cNvPr>
-          <p:cNvSpPr>
-            <a:spLocks noGrp="1" noRot="1" noChangeAspect="1" noMove="1" noResize="1" noEditPoints="1" noAdjustHandles="1" noChangeArrowheads="1" noChangeShapeType="1" noTextEdit="1"/>
-          </p:cNvSpPr>
-          <p:nvPr>
-            <p:extLst>
-              <p:ext uri="{386F3935-93C4-4BCD-93E2-E3B085C9AB24}">
-                <p16:designElem xmlns:p16="http://schemas.microsoft.com/office/powerpoint/2015/main" val="1"/>
-              </p:ext>
-            </p:extLst>
-          </p:nvPr>
-        </p:nvSpPr>
-        <p:spPr>
-          <a:xfrm rot="5400000">
-            <a:off x="5307777" y="-5307778"/>
-            <a:ext cx="1576446" cy="12192002"/>
-          </a:xfrm>
-          <a:prstGeom prst="rect">
-            <a:avLst/>
-          </a:prstGeom>
-          <a:gradFill>
-            <a:gsLst>
-              <a:gs pos="23000">
-                <a:schemeClr val="accent1">
-                  <a:alpha val="0"/>
-                </a:schemeClr>
-              </a:gs>
-              <a:gs pos="99000">
-                <a:srgbClr val="000000">
-                  <a:alpha val="74000"/>
-                </a:srgbClr>
-              </a:gs>
-            </a:gsLst>
-            <a:lin ang="20400000" scaled="0"/>
-          </a:gradFill>
-          <a:ln>
-            <a:noFill/>
-          </a:ln>
-        </p:spPr>
-        <p:style>
-          <a:lnRef idx="2">
-            <a:schemeClr val="accent1">
-              <a:shade val="50000"/>
-            </a:schemeClr>
-          </a:lnRef>
-          <a:fillRef idx="1">
-            <a:schemeClr val="accent1"/>
-          </a:fillRef>
-          <a:effectRef idx="0">
-            <a:schemeClr val="accent1"/>
-          </a:effectRef>
-          <a:fontRef idx="minor">
-            <a:schemeClr val="lt1"/>
-          </a:fontRef>
-        </p:style>
-        <p:txBody>
-          <a:bodyPr rtlCol="0" anchor="ctr"/>
-          <a:lstStyle/>
-          <a:p>
-            <a:pPr algn="ctr"/>
+      <p:sp>
+        <p:nvSpPr>
+          <p:cNvPr id="2" name="Title 1">
+            <a:extLst>
+              <a:ext uri="{FF2B5EF4-FFF2-40B4-BE49-F238E27FC236}">
+                <a16:creationId xmlns:a16="http://schemas.microsoft.com/office/drawing/2014/main" id="{7157F1AC-2374-2725-0546-52A27D6DAB6C}"/>
+              </a:ext>
+            </a:extLst>
+          </p:cNvPr>
+          <p:cNvSpPr>
+            <a:spLocks noGrp="1"/>
+          </p:cNvSpPr>
+          <p:nvPr>
+            <p:ph type="title"/>
+          </p:nvPr>
+        </p:nvSpPr>
+        <p:spPr/>
+        <p:txBody>
+          <a:bodyPr/>
+          <a:lstStyle/>
+          <a:p>
+            <a:r>
+              <a:rPr lang="en-US" dirty="0"/>
+              <a:t>Note – there is no mid-term. This project is midterm (Friday, Tuesday, Wednesday)</a:t>
+            </a:r>
+          </a:p>
+        </p:txBody>
+      </p:sp>
+      <p:sp>
+        <p:nvSpPr>
+          <p:cNvPr id="3" name="Content Placeholder 2">
+            <a:extLst>
+              <a:ext uri="{FF2B5EF4-FFF2-40B4-BE49-F238E27FC236}">
+                <a16:creationId xmlns:a16="http://schemas.microsoft.com/office/drawing/2014/main" id="{3B934CCC-A88A-E734-E9CC-512B7BC6A589}"/>
+              </a:ext>
+            </a:extLst>
+          </p:cNvPr>
+          <p:cNvSpPr>
+            <a:spLocks noGrp="1"/>
+          </p:cNvSpPr>
+          <p:nvPr>
+            <p:ph idx="1"/>
+          </p:nvPr>
+        </p:nvSpPr>
+        <p:spPr/>
+        <p:txBody>
+          <a:bodyPr/>
+          <a:lstStyle/>
+          <a:p>
+            <a:r>
+              <a:rPr lang="en-US" dirty="0"/>
+              <a:t>Please make sure you do it~~ We are spreading it into 3 classes… </a:t>
+            </a:r>
+          </a:p>
+          <a:p>
+            <a:r>
+              <a:rPr lang="en-US" dirty="0"/>
+              <a:t>3-4 people in a group</a:t>
+            </a:r>
+          </a:p>
+          <a:p>
+            <a:r>
+              <a:rPr lang="en-US" dirty="0"/>
+              <a:t>Submit to </a:t>
+            </a:r>
+            <a:r>
+              <a:rPr lang="en-US" dirty="0" err="1"/>
+              <a:t>Github</a:t>
+            </a:r>
             <a:endParaRPr lang="en-US" dirty="0"/>
           </a:p>
-        </p:txBody>
-      </p:sp>
-      <p:sp>
-        <p:nvSpPr>
-          <p:cNvPr id="2" name="Title 1">
-            <a:extLst>
-              <a:ext uri="{FF2B5EF4-FFF2-40B4-BE49-F238E27FC236}">
-                <a16:creationId xmlns:a16="http://schemas.microsoft.com/office/drawing/2014/main" id="{F2249CF5-7127-195E-DC80-4AEBCB569FFF}"/>
-              </a:ext>
-            </a:extLst>
-          </p:cNvPr>
-          <p:cNvSpPr>
-            <a:spLocks noGrp="1"/>
-          </p:cNvSpPr>
-          <p:nvPr>
-            <p:ph type="title"/>
-          </p:nvPr>
-        </p:nvSpPr>
-        <p:spPr>
-          <a:xfrm>
-            <a:off x="1371597" y="348865"/>
-            <a:ext cx="10044023" cy="877729"/>
-          </a:xfrm>
-        </p:spPr>
-        <p:txBody>
-          <a:bodyPr anchor="ctr">
-            <a:normAutofit/>
-          </a:bodyPr>
-          <a:lstStyle/>
-          <a:p>
-            <a:r>
-              <a:rPr lang="en-US" sz="4000">
-                <a:solidFill>
-                  <a:srgbClr val="FFFFFF"/>
-                </a:solidFill>
-              </a:rPr>
-              <a:t>Agenda</a:t>
-            </a:r>
-          </a:p>
-        </p:txBody>
-      </p:sp>
-      <p:graphicFrame>
-        <p:nvGraphicFramePr>
-          <p:cNvPr id="5" name="Content Placeholder 2">
-            <a:extLst>
-              <a:ext uri="{FF2B5EF4-FFF2-40B4-BE49-F238E27FC236}">
-                <a16:creationId xmlns:a16="http://schemas.microsoft.com/office/drawing/2014/main" id="{C169026E-385C-8525-E89A-39267A7F8D53}"/>
-              </a:ext>
-            </a:extLst>
-          </p:cNvPr>
-          <p:cNvGraphicFramePr>
-            <a:graphicFrameLocks noGrp="1"/>
-          </p:cNvGraphicFramePr>
-          <p:nvPr>
-            <p:ph idx="1"/>
-            <p:extLst>
-              <p:ext uri="{D42A27DB-BD31-4B8C-83A1-F6EECF244321}">
-                <p14:modId xmlns:p14="http://schemas.microsoft.com/office/powerpoint/2010/main" val="502208892"/>
-              </p:ext>
-            </p:extLst>
-          </p:nvPr>
-        </p:nvGraphicFramePr>
-        <p:xfrm>
-          <a:off x="644056" y="2112579"/>
-          <a:ext cx="10927829" cy="4192805"/>
-        </p:xfrm>
-        <a:graphic>
-          <a:graphicData uri="http://schemas.openxmlformats.org/drawingml/2006/diagram">
-            <dgm:relIds xmlns:dgm="http://schemas.openxmlformats.org/drawingml/2006/diagram" xmlns:r="http://schemas.openxmlformats.org/officeDocument/2006/relationships" r:dm="rId2" r:lo="rId3" r:qs="rId4" r:cs="rId5"/>
-          </a:graphicData>
-        </a:graphic>
-      </p:graphicFrame>
-    </p:spTree>
-    <p:extLst>
-      <p:ext uri="{BB962C8B-B14F-4D97-AF65-F5344CB8AC3E}">
-        <p14:creationId xmlns:p14="http://schemas.microsoft.com/office/powerpoint/2010/main" val="526050817"/>
-      </p:ext>
-    </p:extLst>
-  </p:cSld>
-  <p:clrMapOvr>
-    <a:masterClrMapping/>
-  </p:clrMapOvr>
-</p:sld>
-</file>
-
-<file path=ppt/slides/slide3.xml><?xml version="1.0" encoding="utf-8"?>
-<p:sld xmlns:a="http://schemas.openxmlformats.org/drawingml/2006/main" xmlns:r="http://schemas.openxmlformats.org/officeDocument/2006/relationships" xmlns:p="http://schemas.openxmlformats.org/presentationml/2006/main">
-  <p:cSld>
-    <p:spTree>
-      <p:nvGrpSpPr>
-        <p:cNvPr id="1" name=""/>
-        <p:cNvGrpSpPr/>
-        <p:nvPr/>
-      </p:nvGrpSpPr>
-      <p:grpSpPr>
-        <a:xfrm>
-          <a:off x="0" y="0"/>
-          <a:ext cx="0" cy="0"/>
-          <a:chOff x="0" y="0"/>
-          <a:chExt cx="0" cy="0"/>
-        </a:xfrm>
-      </p:grpSpPr>
-      <p:sp>
-        <p:nvSpPr>
-          <p:cNvPr id="2" name="Title 1">
-            <a:extLst>
-              <a:ext uri="{FF2B5EF4-FFF2-40B4-BE49-F238E27FC236}">
-                <a16:creationId xmlns:a16="http://schemas.microsoft.com/office/drawing/2014/main" id="{7157F1AC-2374-2725-0546-52A27D6DAB6C}"/>
-              </a:ext>
-            </a:extLst>
-          </p:cNvPr>
-          <p:cNvSpPr>
-            <a:spLocks noGrp="1"/>
-          </p:cNvSpPr>
-          <p:nvPr>
-            <p:ph type="title"/>
-          </p:nvPr>
-        </p:nvSpPr>
-        <p:spPr/>
-        <p:txBody>
-          <a:bodyPr/>
-          <a:lstStyle/>
           <a:p>
             <a:r>
               <a:rPr lang="en-US" dirty="0"/>
-              <a:t>Note – there is no mid-term. This project is midterm</a:t>
-            </a:r>
-          </a:p>
-        </p:txBody>
-      </p:sp>
-      <p:sp>
-        <p:nvSpPr>
-          <p:cNvPr id="3" name="Content Placeholder 2">
-            <a:extLst>
-              <a:ext uri="{FF2B5EF4-FFF2-40B4-BE49-F238E27FC236}">
-                <a16:creationId xmlns:a16="http://schemas.microsoft.com/office/drawing/2014/main" id="{3B934CCC-A88A-E734-E9CC-512B7BC6A589}"/>
-              </a:ext>
-            </a:extLst>
-          </p:cNvPr>
-          <p:cNvSpPr>
-            <a:spLocks noGrp="1"/>
-          </p:cNvSpPr>
-          <p:nvPr>
-            <p:ph idx="1"/>
-          </p:nvPr>
-        </p:nvSpPr>
-        <p:spPr/>
-        <p:txBody>
-          <a:bodyPr/>
-          <a:lstStyle/>
-          <a:p>
-            <a:r>
-              <a:rPr lang="en-US" dirty="0"/>
-              <a:t>Please make sure you do it~~ We are spreading it into 2 classes… </a:t>
+              <a:t>Due on Friday night</a:t>
             </a:r>
           </a:p>
         </p:txBody>
@@ -7421,8 +4186,8 @@
         </p:blipFill>
         <p:spPr>
           <a:xfrm>
-            <a:off x="2071778" y="2369673"/>
-            <a:ext cx="7772400" cy="4123202"/>
+            <a:off x="5452533" y="3239569"/>
+            <a:ext cx="5791467" cy="3072331"/>
           </a:xfrm>
           <a:prstGeom prst="rect">
             <a:avLst/>
@@ -7442,7 +4207,7 @@
 </p:sld>
 </file>
 
-<file path=ppt/slides/slide4.xml><?xml version="1.0" encoding="utf-8"?>
+<file path=ppt/slides/slide3.xml><?xml version="1.0" encoding="utf-8"?>
 <p:sld xmlns:a="http://schemas.openxmlformats.org/drawingml/2006/main" xmlns:r="http://schemas.openxmlformats.org/officeDocument/2006/relationships" xmlns:p="http://schemas.openxmlformats.org/presentationml/2006/main">
   <p:cSld>
     <p:spTree>
@@ -7796,7 +4561,7 @@
 </p:sld>
 </file>
 
-<file path=ppt/slides/slide5.xml><?xml version="1.0" encoding="utf-8"?>
+<file path=ppt/slides/slide4.xml><?xml version="1.0" encoding="utf-8"?>
 <p:sld xmlns:a="http://schemas.openxmlformats.org/drawingml/2006/main" xmlns:r="http://schemas.openxmlformats.org/officeDocument/2006/relationships" xmlns:p="http://schemas.openxmlformats.org/presentationml/2006/main">
   <p:cSld>
     <p:bg>
@@ -8438,9 +5203,17 @@
 </p:sld>
 </file>
 
-<file path=ppt/slides/slide6.xml><?xml version="1.0" encoding="utf-8"?>
+<file path=ppt/slides/slide5.xml><?xml version="1.0" encoding="utf-8"?>
 <p:sld xmlns:a="http://schemas.openxmlformats.org/drawingml/2006/main" xmlns:r="http://schemas.openxmlformats.org/officeDocument/2006/relationships" xmlns:p="http://schemas.openxmlformats.org/presentationml/2006/main">
   <p:cSld>
+    <p:bg>
+      <p:bgPr>
+        <a:solidFill>
+          <a:schemeClr val="bg1"/>
+        </a:solidFill>
+        <a:effectLst/>
+      </p:bgPr>
+    </p:bg>
     <p:spTree>
       <p:nvGrpSpPr>
         <p:cNvPr id="1" name=""/>
@@ -8455,6 +5228,66 @@
           <a:chExt cx="0" cy="0"/>
         </a:xfrm>
       </p:grpSpPr>
+      <p:sp useBgFill="1">
+        <p:nvSpPr>
+          <p:cNvPr id="1033" name="Rectangle 1032">
+            <a:extLst>
+              <a:ext uri="{FF2B5EF4-FFF2-40B4-BE49-F238E27FC236}">
+                <a16:creationId xmlns:a16="http://schemas.microsoft.com/office/drawing/2014/main" id="{AAAE94E3-A7DB-4868-B1E3-E49703488BBC}"/>
+              </a:ext>
+              <a:ext uri="{C183D7F6-B498-43B3-948B-1728B52AA6E4}">
+                <adec:decorative xmlns:adec="http://schemas.microsoft.com/office/drawing/2017/decorative" val="1"/>
+              </a:ext>
+            </a:extLst>
+          </p:cNvPr>
+          <p:cNvSpPr>
+            <a:spLocks noGrp="1" noRot="1" noChangeAspect="1" noMove="1" noResize="1" noEditPoints="1" noAdjustHandles="1" noChangeArrowheads="1" noChangeShapeType="1" noTextEdit="1"/>
+          </p:cNvSpPr>
+          <p:nvPr>
+            <p:extLst>
+              <p:ext uri="{386F3935-93C4-4BCD-93E2-E3B085C9AB24}">
+                <p16:designElem xmlns:p16="http://schemas.microsoft.com/office/powerpoint/2015/main" val="1"/>
+              </p:ext>
+            </p:extLst>
+          </p:nvPr>
+        </p:nvSpPr>
+        <p:spPr>
+          <a:xfrm>
+            <a:off x="0" y="0"/>
+            <a:ext cx="12191999" cy="6857365"/>
+          </a:xfrm>
+          <a:prstGeom prst="rect">
+            <a:avLst/>
+          </a:prstGeom>
+          <a:ln>
+            <a:noFill/>
+          </a:ln>
+        </p:spPr>
+        <p:style>
+          <a:lnRef idx="2">
+            <a:schemeClr val="accent1">
+              <a:shade val="50000"/>
+            </a:schemeClr>
+          </a:lnRef>
+          <a:fillRef idx="1">
+            <a:schemeClr val="accent1"/>
+          </a:fillRef>
+          <a:effectRef idx="0">
+            <a:schemeClr val="accent1"/>
+          </a:effectRef>
+          <a:fontRef idx="minor">
+            <a:schemeClr val="lt1"/>
+          </a:fontRef>
+        </p:style>
+        <p:txBody>
+          <a:bodyPr rtlCol="0" anchor="ctr"/>
+          <a:lstStyle/>
+          <a:p>
+            <a:pPr algn="ctr"/>
+            <a:endParaRPr lang="en-US"/>
+          </a:p>
+        </p:txBody>
+      </p:sp>
       <p:sp>
         <p:nvSpPr>
           <p:cNvPr id="2" name="Title 1">
@@ -8471,11 +5304,238 @@
             <p:ph type="title"/>
           </p:nvPr>
         </p:nvSpPr>
-        <p:spPr/>
-        <p:txBody>
-          <a:bodyPr/>
-          <a:lstStyle/>
-          <a:p>
+        <p:spPr>
+          <a:xfrm>
+            <a:off x="589560" y="856180"/>
+            <a:ext cx="5279408" cy="1128068"/>
+          </a:xfrm>
+        </p:spPr>
+        <p:txBody>
+          <a:bodyPr anchor="ctr">
+            <a:normAutofit/>
+          </a:bodyPr>
+          <a:lstStyle/>
+          <a:p>
+            <a:r>
+              <a:rPr lang="en-US" sz="3700"/>
+              <a:t>By End of class today – team name</a:t>
+            </a:r>
+          </a:p>
+        </p:txBody>
+      </p:sp>
+      <p:grpSp>
+        <p:nvGrpSpPr>
+          <p:cNvPr id="1035" name="Group 1034">
+            <a:extLst>
+              <a:ext uri="{FF2B5EF4-FFF2-40B4-BE49-F238E27FC236}">
+                <a16:creationId xmlns:a16="http://schemas.microsoft.com/office/drawing/2014/main" id="{1DE889C7-FAD6-4397-98E2-05D503484459}"/>
+              </a:ext>
+              <a:ext uri="{C183D7F6-B498-43B3-948B-1728B52AA6E4}">
+                <adec:decorative xmlns:adec="http://schemas.microsoft.com/office/drawing/2017/decorative" val="1"/>
+              </a:ext>
+            </a:extLst>
+          </p:cNvPr>
+          <p:cNvGrpSpPr>
+            <a:grpSpLocks noGrp="1" noUngrp="1" noRot="1" noChangeAspect="1" noMove="1" noResize="1"/>
+          </p:cNvGrpSpPr>
+          <p:nvPr>
+            <p:extLst>
+              <p:ext uri="{386F3935-93C4-4BCD-93E2-E3B085C9AB24}">
+                <p16:designElem xmlns:p16="http://schemas.microsoft.com/office/powerpoint/2015/main" val="1"/>
+              </p:ext>
+            </p:extLst>
+          </p:nvPr>
+        </p:nvGrpSpPr>
+        <p:grpSpPr>
+          <a:xfrm>
+            <a:off x="0" y="1083484"/>
+            <a:ext cx="355196" cy="673460"/>
+            <a:chOff x="0" y="823811"/>
+            <a:chExt cx="355196" cy="673460"/>
+          </a:xfrm>
+        </p:grpSpPr>
+        <p:sp>
+          <p:nvSpPr>
+            <p:cNvPr id="1036" name="Rectangle 1035">
+              <a:extLst>
+                <a:ext uri="{FF2B5EF4-FFF2-40B4-BE49-F238E27FC236}">
+                  <a16:creationId xmlns:a16="http://schemas.microsoft.com/office/drawing/2014/main" id="{F399A70F-F8CD-4992-9EF5-6CF15472E73F}"/>
+                </a:ext>
+                <a:ext uri="{C183D7F6-B498-43B3-948B-1728B52AA6E4}">
+                  <adec:decorative xmlns:adec="http://schemas.microsoft.com/office/drawing/2017/decorative" val="1"/>
+                </a:ext>
+              </a:extLst>
+            </p:cNvPr>
+            <p:cNvSpPr/>
+            <p:nvPr>
+              <p:extLst>
+                <p:ext uri="{386F3935-93C4-4BCD-93E2-E3B085C9AB24}">
+                  <p16:designElem xmlns:p16="http://schemas.microsoft.com/office/powerpoint/2015/main" val="1"/>
+                </p:ext>
+              </p:extLst>
+            </p:nvPr>
+          </p:nvSpPr>
+          <p:spPr>
+            <a:xfrm>
+              <a:off x="0" y="823811"/>
+              <a:ext cx="87363" cy="673460"/>
+            </a:xfrm>
+            <a:prstGeom prst="rect">
+              <a:avLst/>
+            </a:prstGeom>
+            <a:solidFill>
+              <a:schemeClr val="accent4"/>
+            </a:solidFill>
+            <a:ln>
+              <a:noFill/>
+            </a:ln>
+          </p:spPr>
+          <p:style>
+            <a:lnRef idx="2">
+              <a:schemeClr val="accent1">
+                <a:shade val="50000"/>
+              </a:schemeClr>
+            </a:lnRef>
+            <a:fillRef idx="1">
+              <a:schemeClr val="accent1"/>
+            </a:fillRef>
+            <a:effectRef idx="0">
+              <a:schemeClr val="accent1"/>
+            </a:effectRef>
+            <a:fontRef idx="minor">
+              <a:schemeClr val="lt1"/>
+            </a:fontRef>
+          </p:style>
+          <p:txBody>
+            <a:bodyPr rtlCol="0" anchor="ctr"/>
+            <a:lstStyle/>
+            <a:p>
+              <a:pPr algn="ctr"/>
+              <a:endParaRPr lang="en-US"/>
+            </a:p>
+          </p:txBody>
+        </p:sp>
+        <p:sp>
+          <p:nvSpPr>
+            <p:cNvPr id="1037" name="Rectangle 1036">
+              <a:extLst>
+                <a:ext uri="{FF2B5EF4-FFF2-40B4-BE49-F238E27FC236}">
+                  <a16:creationId xmlns:a16="http://schemas.microsoft.com/office/drawing/2014/main" id="{48F4FEDC-6D80-458C-A665-075D9B9500FD}"/>
+                </a:ext>
+                <a:ext uri="{C183D7F6-B498-43B3-948B-1728B52AA6E4}">
+                  <adec:decorative xmlns:adec="http://schemas.microsoft.com/office/drawing/2017/decorative" val="1"/>
+                </a:ext>
+              </a:extLst>
+            </p:cNvPr>
+            <p:cNvSpPr/>
+            <p:nvPr>
+              <p:extLst>
+                <p:ext uri="{386F3935-93C4-4BCD-93E2-E3B085C9AB24}">
+                  <p16:designElem xmlns:p16="http://schemas.microsoft.com/office/powerpoint/2015/main" val="1"/>
+                </p:ext>
+              </p:extLst>
+            </p:nvPr>
+          </p:nvSpPr>
+          <p:spPr>
+            <a:xfrm>
+              <a:off x="159341" y="823811"/>
+              <a:ext cx="195855" cy="673460"/>
+            </a:xfrm>
+            <a:prstGeom prst="rect">
+              <a:avLst/>
+            </a:prstGeom>
+            <a:solidFill>
+              <a:schemeClr val="accent4"/>
+            </a:solidFill>
+            <a:ln>
+              <a:noFill/>
+            </a:ln>
+          </p:spPr>
+          <p:style>
+            <a:lnRef idx="2">
+              <a:schemeClr val="accent1">
+                <a:shade val="50000"/>
+              </a:schemeClr>
+            </a:lnRef>
+            <a:fillRef idx="1">
+              <a:schemeClr val="accent1"/>
+            </a:fillRef>
+            <a:effectRef idx="0">
+              <a:schemeClr val="accent1"/>
+            </a:effectRef>
+            <a:fontRef idx="minor">
+              <a:schemeClr val="lt1"/>
+            </a:fontRef>
+          </p:style>
+          <p:txBody>
+            <a:bodyPr rtlCol="0" anchor="ctr"/>
+            <a:lstStyle/>
+            <a:p>
+              <a:pPr algn="ctr"/>
+              <a:endParaRPr lang="en-US"/>
+            </a:p>
+          </p:txBody>
+        </p:sp>
+      </p:grpSp>
+      <p:sp>
+        <p:nvSpPr>
+          <p:cNvPr id="1039" name="Rectangle 1038">
+            <a:extLst>
+              <a:ext uri="{FF2B5EF4-FFF2-40B4-BE49-F238E27FC236}">
+                <a16:creationId xmlns:a16="http://schemas.microsoft.com/office/drawing/2014/main" id="{3873B707-463F-40B0-8227-E8CC6C67EB25}"/>
+              </a:ext>
+              <a:ext uri="{C183D7F6-B498-43B3-948B-1728B52AA6E4}">
+                <adec:decorative xmlns:adec="http://schemas.microsoft.com/office/drawing/2017/decorative" val="1"/>
+              </a:ext>
+            </a:extLst>
+          </p:cNvPr>
+          <p:cNvSpPr>
+            <a:spLocks noGrp="1" noRot="1" noChangeAspect="1" noMove="1" noResize="1" noEditPoints="1" noAdjustHandles="1" noChangeArrowheads="1" noChangeShapeType="1" noTextEdit="1"/>
+          </p:cNvSpPr>
+          <p:nvPr>
+            <p:extLst>
+              <p:ext uri="{386F3935-93C4-4BCD-93E2-E3B085C9AB24}">
+                <p16:designElem xmlns:p16="http://schemas.microsoft.com/office/powerpoint/2015/main" val="1"/>
+              </p:ext>
+            </p:extLst>
+          </p:nvPr>
+        </p:nvSpPr>
+        <p:spPr>
+          <a:xfrm flipH="1">
+            <a:off x="665085" y="2123821"/>
+            <a:ext cx="4975066" cy="27432"/>
+          </a:xfrm>
+          <a:prstGeom prst="rect">
+            <a:avLst/>
+          </a:prstGeom>
+          <a:solidFill>
+            <a:schemeClr val="accent4"/>
+          </a:solidFill>
+          <a:ln>
+            <a:noFill/>
+          </a:ln>
+        </p:spPr>
+        <p:style>
+          <a:lnRef idx="2">
+            <a:schemeClr val="accent1">
+              <a:shade val="50000"/>
+            </a:schemeClr>
+          </a:lnRef>
+          <a:fillRef idx="1">
+            <a:schemeClr val="accent1"/>
+          </a:fillRef>
+          <a:effectRef idx="0">
+            <a:schemeClr val="accent1"/>
+          </a:effectRef>
+          <a:fontRef idx="minor">
+            <a:schemeClr val="lt1"/>
+          </a:fontRef>
+        </p:style>
+        <p:txBody>
+          <a:bodyPr rtlCol="0" anchor="ctr"/>
+          <a:lstStyle/>
+          <a:p>
+            <a:pPr algn="ctr"/>
             <a:endParaRPr lang="en-US"/>
           </a:p>
         </p:txBody>
@@ -8496,12 +5556,454 @@
             <p:ph idx="1"/>
           </p:nvPr>
         </p:nvSpPr>
-        <p:spPr/>
-        <p:txBody>
-          <a:bodyPr/>
-          <a:lstStyle/>
-          <a:p>
+        <p:spPr>
+          <a:xfrm>
+            <a:off x="590719" y="2330505"/>
+            <a:ext cx="5278066" cy="3979585"/>
+          </a:xfrm>
+        </p:spPr>
+        <p:txBody>
+          <a:bodyPr anchor="ctr">
+            <a:normAutofit/>
+          </a:bodyPr>
+          <a:lstStyle/>
+          <a:p>
+            <a:r>
+              <a:rPr lang="en-US" sz="2000" dirty="0"/>
+              <a:t>Team name: </a:t>
+            </a:r>
+            <a:r>
+              <a:rPr lang="en-US" sz="2000" dirty="0">
+                <a:solidFill>
+                  <a:srgbClr val="FF0000"/>
+                </a:solidFill>
+              </a:rPr>
+              <a:t>https://</a:t>
+            </a:r>
+            <a:r>
+              <a:rPr lang="en-US" sz="2000" dirty="0" err="1">
+                <a:solidFill>
+                  <a:srgbClr val="FF0000"/>
+                </a:solidFill>
+              </a:rPr>
+              <a:t>classroom.github.com</a:t>
+            </a:r>
+            <a:r>
+              <a:rPr lang="en-US" sz="2000" dirty="0">
+                <a:solidFill>
+                  <a:srgbClr val="FF0000"/>
+                </a:solidFill>
+              </a:rPr>
+              <a:t>/a/75cq-Gag</a:t>
+            </a:r>
+          </a:p>
+          <a:p>
+            <a:r>
+              <a:rPr lang="en-US" sz="2000" dirty="0"/>
+              <a:t>Proposal sample (lesson 5)</a:t>
+            </a:r>
+          </a:p>
+          <a:p>
+            <a:r>
+              <a:rPr lang="en-US" sz="2000" dirty="0"/>
+              <a:t>Chocolate fondue Patent (lesson7)</a:t>
+            </a:r>
+          </a:p>
+          <a:p>
+            <a:r>
+              <a:rPr lang="en-US" sz="2000" dirty="0"/>
+              <a:t>Today: submit </a:t>
+            </a:r>
+            <a:r>
+              <a:rPr lang="en-US" sz="2000" dirty="0" err="1"/>
+              <a:t>team.txt</a:t>
+            </a:r>
+            <a:r>
+              <a:rPr lang="en-US" sz="2000" dirty="0"/>
+              <a:t> on this project</a:t>
+            </a:r>
+          </a:p>
+          <a:p>
+            <a:endParaRPr lang="en-US" sz="2000" dirty="0"/>
+          </a:p>
+        </p:txBody>
+      </p:sp>
+      <p:sp>
+        <p:nvSpPr>
+          <p:cNvPr id="1041" name="Rectangle 1040">
+            <a:extLst>
+              <a:ext uri="{FF2B5EF4-FFF2-40B4-BE49-F238E27FC236}">
+                <a16:creationId xmlns:a16="http://schemas.microsoft.com/office/drawing/2014/main" id="{C13237C8-E62C-4F0D-A318-BD6FB6C2D138}"/>
+              </a:ext>
+              <a:ext uri="{C183D7F6-B498-43B3-948B-1728B52AA6E4}">
+                <adec:decorative xmlns:adec="http://schemas.microsoft.com/office/drawing/2017/decorative" val="1"/>
+              </a:ext>
+            </a:extLst>
+          </p:cNvPr>
+          <p:cNvSpPr>
+            <a:spLocks noGrp="1" noRot="1" noChangeAspect="1" noMove="1" noResize="1" noEditPoints="1" noAdjustHandles="1" noChangeArrowheads="1" noChangeShapeType="1" noTextEdit="1"/>
+          </p:cNvSpPr>
+          <p:nvPr>
+            <p:extLst>
+              <p:ext uri="{386F3935-93C4-4BCD-93E2-E3B085C9AB24}">
+                <p16:designElem xmlns:p16="http://schemas.microsoft.com/office/powerpoint/2015/main" val="1"/>
+              </p:ext>
+            </p:extLst>
+          </p:nvPr>
+        </p:nvSpPr>
+        <p:spPr>
+          <a:xfrm flipH="1">
+            <a:off x="10697670" y="0"/>
+            <a:ext cx="1494330" cy="6858000"/>
+          </a:xfrm>
+          <a:prstGeom prst="rect">
+            <a:avLst/>
+          </a:prstGeom>
+          <a:solidFill>
+            <a:schemeClr val="accent4"/>
+          </a:solidFill>
+          <a:ln>
+            <a:noFill/>
+          </a:ln>
+        </p:spPr>
+        <p:style>
+          <a:lnRef idx="2">
+            <a:schemeClr val="accent1">
+              <a:shade val="50000"/>
+            </a:schemeClr>
+          </a:lnRef>
+          <a:fillRef idx="1">
+            <a:schemeClr val="accent1"/>
+          </a:fillRef>
+          <a:effectRef idx="0">
+            <a:schemeClr val="accent1"/>
+          </a:effectRef>
+          <a:fontRef idx="minor">
+            <a:schemeClr val="lt1"/>
+          </a:fontRef>
+        </p:style>
+        <p:txBody>
+          <a:bodyPr rtlCol="0" anchor="ctr"/>
+          <a:lstStyle/>
+          <a:p>
+            <a:pPr algn="ctr"/>
             <a:endParaRPr lang="en-US"/>
+          </a:p>
+        </p:txBody>
+      </p:sp>
+      <p:sp>
+        <p:nvSpPr>
+          <p:cNvPr id="1043" name="Rectangle 1042">
+            <a:extLst>
+              <a:ext uri="{FF2B5EF4-FFF2-40B4-BE49-F238E27FC236}">
+                <a16:creationId xmlns:a16="http://schemas.microsoft.com/office/drawing/2014/main" id="{19C9EAEA-39D0-4B0E-A0EB-51E7B26740B1}"/>
+              </a:ext>
+              <a:ext uri="{C183D7F6-B498-43B3-948B-1728B52AA6E4}">
+                <adec:decorative xmlns:adec="http://schemas.microsoft.com/office/drawing/2017/decorative" val="1"/>
+              </a:ext>
+            </a:extLst>
+          </p:cNvPr>
+          <p:cNvSpPr>
+            <a:spLocks noGrp="1" noRot="1" noChangeAspect="1" noMove="1" noResize="1" noEditPoints="1" noAdjustHandles="1" noChangeArrowheads="1" noChangeShapeType="1" noTextEdit="1"/>
+          </p:cNvSpPr>
+          <p:nvPr>
+            <p:extLst>
+              <p:ext uri="{386F3935-93C4-4BCD-93E2-E3B085C9AB24}">
+                <p16:designElem xmlns:p16="http://schemas.microsoft.com/office/powerpoint/2015/main" val="1"/>
+              </p:ext>
+            </p:extLst>
+          </p:nvPr>
+        </p:nvSpPr>
+        <p:spPr>
+          <a:xfrm>
+            <a:off x="6849687" y="357447"/>
+            <a:ext cx="4845488" cy="2923587"/>
+          </a:xfrm>
+          <a:prstGeom prst="rect">
+            <a:avLst/>
+          </a:prstGeom>
+          <a:solidFill>
+            <a:schemeClr val="bg1"/>
+          </a:solidFill>
+          <a:ln>
+            <a:noFill/>
+          </a:ln>
+          <a:effectLst>
+            <a:outerShdw blurRad="139700" dist="127000" dir="5400000" algn="t" rotWithShape="0">
+              <a:prstClr val="black">
+                <a:alpha val="15000"/>
+              </a:prstClr>
+            </a:outerShdw>
+          </a:effectLst>
+        </p:spPr>
+        <p:style>
+          <a:lnRef idx="2">
+            <a:schemeClr val="accent1">
+              <a:shade val="50000"/>
+            </a:schemeClr>
+          </a:lnRef>
+          <a:fillRef idx="1">
+            <a:schemeClr val="accent1"/>
+          </a:fillRef>
+          <a:effectRef idx="0">
+            <a:schemeClr val="accent1"/>
+          </a:effectRef>
+          <a:fontRef idx="minor">
+            <a:schemeClr val="lt1"/>
+          </a:fontRef>
+        </p:style>
+        <p:txBody>
+          <a:bodyPr rtlCol="0" anchor="ctr"/>
+          <a:lstStyle/>
+          <a:p>
+            <a:pPr algn="ctr"/>
+            <a:endParaRPr lang="en-US"/>
+          </a:p>
+        </p:txBody>
+      </p:sp>
+      <p:pic>
+        <p:nvPicPr>
+          <p:cNvPr id="5" name="Picture 4" descr="A screenshot of a cell phone&#10;&#10;Description automatically generated">
+            <a:extLst>
+              <a:ext uri="{FF2B5EF4-FFF2-40B4-BE49-F238E27FC236}">
+                <a16:creationId xmlns:a16="http://schemas.microsoft.com/office/drawing/2014/main" id="{08007EB7-E236-0A7F-5F44-84E262CE7A41}"/>
+              </a:ext>
+            </a:extLst>
+          </p:cNvPr>
+          <p:cNvPicPr>
+            <a:picLocks noChangeAspect="1"/>
+          </p:cNvPicPr>
+          <p:nvPr/>
+        </p:nvPicPr>
+        <p:blipFill>
+          <a:blip r:embed="rId2"/>
+          <a:stretch>
+            <a:fillRect/>
+          </a:stretch>
+        </p:blipFill>
+        <p:spPr>
+          <a:xfrm>
+            <a:off x="7083423" y="1154171"/>
+            <a:ext cx="4397433" cy="1374197"/>
+          </a:xfrm>
+          <a:prstGeom prst="rect">
+            <a:avLst/>
+          </a:prstGeom>
+        </p:spPr>
+      </p:pic>
+      <p:sp>
+        <p:nvSpPr>
+          <p:cNvPr id="1045" name="Rectangle 1044">
+            <a:extLst>
+              <a:ext uri="{FF2B5EF4-FFF2-40B4-BE49-F238E27FC236}">
+                <a16:creationId xmlns:a16="http://schemas.microsoft.com/office/drawing/2014/main" id="{8CB5D2D7-DF65-4E86-BFBA-FFB9B5ACEB64}"/>
+              </a:ext>
+              <a:ext uri="{C183D7F6-B498-43B3-948B-1728B52AA6E4}">
+                <adec:decorative xmlns:adec="http://schemas.microsoft.com/office/drawing/2017/decorative" val="1"/>
+              </a:ext>
+            </a:extLst>
+          </p:cNvPr>
+          <p:cNvSpPr>
+            <a:spLocks noGrp="1" noRot="1" noChangeAspect="1" noMove="1" noResize="1" noEditPoints="1" noAdjustHandles="1" noChangeArrowheads="1" noChangeShapeType="1" noTextEdit="1"/>
+          </p:cNvSpPr>
+          <p:nvPr>
+            <p:extLst>
+              <p:ext uri="{386F3935-93C4-4BCD-93E2-E3B085C9AB24}">
+                <p16:designElem xmlns:p16="http://schemas.microsoft.com/office/powerpoint/2015/main" val="1"/>
+              </p:ext>
+            </p:extLst>
+          </p:nvPr>
+        </p:nvSpPr>
+        <p:spPr>
+          <a:xfrm>
+            <a:off x="6849687" y="3505479"/>
+            <a:ext cx="4845488" cy="2923587"/>
+          </a:xfrm>
+          <a:prstGeom prst="rect">
+            <a:avLst/>
+          </a:prstGeom>
+          <a:solidFill>
+            <a:schemeClr val="bg1"/>
+          </a:solidFill>
+          <a:ln>
+            <a:noFill/>
+          </a:ln>
+          <a:effectLst>
+            <a:outerShdw blurRad="139700" dist="127000" dir="5400000" algn="t" rotWithShape="0">
+              <a:prstClr val="black">
+                <a:alpha val="15000"/>
+              </a:prstClr>
+            </a:outerShdw>
+          </a:effectLst>
+        </p:spPr>
+        <p:style>
+          <a:lnRef idx="2">
+            <a:schemeClr val="accent1">
+              <a:shade val="50000"/>
+            </a:schemeClr>
+          </a:lnRef>
+          <a:fillRef idx="1">
+            <a:schemeClr val="accent1"/>
+          </a:fillRef>
+          <a:effectRef idx="0">
+            <a:schemeClr val="accent1"/>
+          </a:effectRef>
+          <a:fontRef idx="minor">
+            <a:schemeClr val="lt1"/>
+          </a:fontRef>
+        </p:style>
+        <p:txBody>
+          <a:bodyPr rtlCol="0" anchor="ctr"/>
+          <a:lstStyle/>
+          <a:p>
+            <a:pPr algn="ctr"/>
+            <a:endParaRPr lang="en-US"/>
+          </a:p>
+        </p:txBody>
+      </p:sp>
+      <p:pic>
+        <p:nvPicPr>
+          <p:cNvPr id="1028" name="Picture 4" descr="Preview of your QR Code">
+            <a:extLst>
+              <a:ext uri="{FF2B5EF4-FFF2-40B4-BE49-F238E27FC236}">
+                <a16:creationId xmlns:a16="http://schemas.microsoft.com/office/drawing/2014/main" id="{87CEF730-8819-2A05-8A24-C90CEC8003FB}"/>
+              </a:ext>
+            </a:extLst>
+          </p:cNvPr>
+          <p:cNvPicPr>
+            <a:picLocks noChangeAspect="1" noChangeArrowheads="1"/>
+          </p:cNvPicPr>
+          <p:nvPr/>
+        </p:nvPicPr>
+        <p:blipFill>
+          <a:blip r:embed="rId3">
+            <a:extLst>
+              <a:ext uri="{28A0092B-C50C-407E-A947-70E740481C1C}">
+                <a14:useLocalDpi xmlns:a14="http://schemas.microsoft.com/office/drawing/2010/main" val="0"/>
+              </a:ext>
+            </a:extLst>
+          </a:blip>
+          <a:stretch>
+            <a:fillRect/>
+          </a:stretch>
+        </p:blipFill>
+        <p:spPr bwMode="auto">
+          <a:xfrm>
+            <a:off x="8021829" y="3707894"/>
+            <a:ext cx="2518756" cy="2518756"/>
+          </a:xfrm>
+          <a:prstGeom prst="rect">
+            <a:avLst/>
+          </a:prstGeom>
+          <a:noFill/>
+          <a:extLst>
+            <a:ext uri="{909E8E84-426E-40DD-AFC4-6F175D3DCCD1}">
+              <a14:hiddenFill xmlns:a14="http://schemas.microsoft.com/office/drawing/2010/main">
+                <a:solidFill>
+                  <a:srgbClr val="FFFFFF"/>
+                </a:solidFill>
+              </a14:hiddenFill>
+            </a:ext>
+          </a:extLst>
+        </p:spPr>
+      </p:pic>
+      <p:sp>
+        <p:nvSpPr>
+          <p:cNvPr id="7" name="Doughnut 6">
+            <a:extLst>
+              <a:ext uri="{FF2B5EF4-FFF2-40B4-BE49-F238E27FC236}">
+                <a16:creationId xmlns:a16="http://schemas.microsoft.com/office/drawing/2014/main" id="{6C9E7637-F764-DFB1-2065-80F0C27358D1}"/>
+              </a:ext>
+            </a:extLst>
+          </p:cNvPr>
+          <p:cNvSpPr/>
+          <p:nvPr/>
+        </p:nvSpPr>
+        <p:spPr>
+          <a:xfrm>
+            <a:off x="6922235" y="1420214"/>
+            <a:ext cx="2085739" cy="272560"/>
+          </a:xfrm>
+          <a:prstGeom prst="donut">
+            <a:avLst/>
+          </a:prstGeom>
+        </p:spPr>
+        <p:style>
+          <a:lnRef idx="2">
+            <a:schemeClr val="accent1">
+              <a:shade val="15000"/>
+            </a:schemeClr>
+          </a:lnRef>
+          <a:fillRef idx="1">
+            <a:schemeClr val="accent1"/>
+          </a:fillRef>
+          <a:effectRef idx="0">
+            <a:schemeClr val="accent1"/>
+          </a:effectRef>
+          <a:fontRef idx="minor">
+            <a:schemeClr val="lt1"/>
+          </a:fontRef>
+        </p:style>
+        <p:txBody>
+          <a:bodyPr rtlCol="0" anchor="ctr"/>
+          <a:lstStyle/>
+          <a:p>
+            <a:pPr algn="ctr"/>
+            <a:endParaRPr lang="en-US">
+              <a:solidFill>
+                <a:schemeClr val="tx1"/>
+              </a:solidFill>
+            </a:endParaRPr>
+          </a:p>
+        </p:txBody>
+      </p:sp>
+      <p:sp>
+        <p:nvSpPr>
+          <p:cNvPr id="8" name="Doughnut 7">
+            <a:extLst>
+              <a:ext uri="{FF2B5EF4-FFF2-40B4-BE49-F238E27FC236}">
+                <a16:creationId xmlns:a16="http://schemas.microsoft.com/office/drawing/2014/main" id="{AA4E4E25-F5EA-9BA7-6221-B1AB909E26E5}"/>
+              </a:ext>
+            </a:extLst>
+          </p:cNvPr>
+          <p:cNvSpPr/>
+          <p:nvPr/>
+        </p:nvSpPr>
+        <p:spPr>
+          <a:xfrm>
+            <a:off x="7083423" y="1984248"/>
+            <a:ext cx="2317516" cy="346257"/>
+          </a:xfrm>
+          <a:prstGeom prst="donut">
+            <a:avLst/>
+          </a:prstGeom>
+        </p:spPr>
+        <p:style>
+          <a:lnRef idx="2">
+            <a:schemeClr val="accent1">
+              <a:shade val="15000"/>
+            </a:schemeClr>
+          </a:lnRef>
+          <a:fillRef idx="1">
+            <a:schemeClr val="accent1"/>
+          </a:fillRef>
+          <a:effectRef idx="0">
+            <a:schemeClr val="accent1"/>
+          </a:effectRef>
+          <a:fontRef idx="minor">
+            <a:schemeClr val="lt1"/>
+          </a:fontRef>
+        </p:style>
+        <p:txBody>
+          <a:bodyPr rtlCol="0" anchor="ctr"/>
+          <a:lstStyle/>
+          <a:p>
+            <a:pPr algn="ctr"/>
+            <a:endParaRPr lang="en-US">
+              <a:solidFill>
+                <a:schemeClr val="tx1"/>
+              </a:solidFill>
+            </a:endParaRPr>
           </a:p>
         </p:txBody>
       </p:sp>
@@ -8509,6 +6011,311 @@
     <p:extLst>
       <p:ext uri="{BB962C8B-B14F-4D97-AF65-F5344CB8AC3E}">
         <p14:creationId xmlns:p14="http://schemas.microsoft.com/office/powerpoint/2010/main" val="338940647"/>
+      </p:ext>
+    </p:extLst>
+  </p:cSld>
+  <p:clrMapOvr>
+    <a:masterClrMapping/>
+  </p:clrMapOvr>
+</p:sld>
+</file>
+
+<file path=ppt/slides/slide6.xml><?xml version="1.0" encoding="utf-8"?>
+<p:sld xmlns:a="http://schemas.openxmlformats.org/drawingml/2006/main" xmlns:r="http://schemas.openxmlformats.org/officeDocument/2006/relationships" xmlns:p="http://schemas.openxmlformats.org/presentationml/2006/main">
+  <p:cSld>
+    <p:spTree>
+      <p:nvGrpSpPr>
+        <p:cNvPr id="1" name="">
+          <a:extLst>
+            <a:ext uri="{FF2B5EF4-FFF2-40B4-BE49-F238E27FC236}">
+              <a16:creationId xmlns:a16="http://schemas.microsoft.com/office/drawing/2014/main" id="{728F498A-FA1E-23C8-E3A0-243FBE04CE26}"/>
+            </a:ext>
+          </a:extLst>
+        </p:cNvPr>
+        <p:cNvGrpSpPr/>
+        <p:nvPr/>
+      </p:nvGrpSpPr>
+      <p:grpSpPr>
+        <a:xfrm>
+          <a:off x="0" y="0"/>
+          <a:ext cx="0" cy="0"/>
+          <a:chOff x="0" y="0"/>
+          <a:chExt cx="0" cy="0"/>
+        </a:xfrm>
+      </p:grpSpPr>
+      <p:sp>
+        <p:nvSpPr>
+          <p:cNvPr id="2" name="Title 1">
+            <a:extLst>
+              <a:ext uri="{FF2B5EF4-FFF2-40B4-BE49-F238E27FC236}">
+                <a16:creationId xmlns:a16="http://schemas.microsoft.com/office/drawing/2014/main" id="{480F71C8-B921-1DF5-DD45-6B6F575CC7F6}"/>
+              </a:ext>
+            </a:extLst>
+          </p:cNvPr>
+          <p:cNvSpPr>
+            <a:spLocks noGrp="1"/>
+          </p:cNvSpPr>
+          <p:nvPr>
+            <p:ph type="title"/>
+          </p:nvPr>
+        </p:nvSpPr>
+        <p:spPr/>
+        <p:txBody>
+          <a:bodyPr/>
+          <a:lstStyle/>
+          <a:p>
+            <a:r>
+              <a:rPr lang="en-US" dirty="0"/>
+              <a:t>Reference</a:t>
+            </a:r>
+          </a:p>
+        </p:txBody>
+      </p:sp>
+      <p:sp>
+        <p:nvSpPr>
+          <p:cNvPr id="3" name="Content Placeholder 2">
+            <a:extLst>
+              <a:ext uri="{FF2B5EF4-FFF2-40B4-BE49-F238E27FC236}">
+                <a16:creationId xmlns:a16="http://schemas.microsoft.com/office/drawing/2014/main" id="{089E315A-C580-257B-9113-B8D665F12021}"/>
+              </a:ext>
+            </a:extLst>
+          </p:cNvPr>
+          <p:cNvSpPr>
+            <a:spLocks noGrp="1"/>
+          </p:cNvSpPr>
+          <p:nvPr>
+            <p:ph idx="1"/>
+          </p:nvPr>
+        </p:nvSpPr>
+        <p:spPr/>
+        <p:txBody>
+          <a:bodyPr/>
+          <a:lstStyle/>
+          <a:p>
+            <a:r>
+              <a:rPr lang="en-US" dirty="0"/>
+              <a:t>Submission: </a:t>
+            </a:r>
+            <a:r>
+              <a:rPr lang="en-US" dirty="0">
+                <a:hlinkClick r:id="rId2"/>
+              </a:rPr>
+              <a:t>https://classroom.github.com/a/AfcaMNzf</a:t>
+            </a:r>
+            <a:endParaRPr lang="en-US" dirty="0"/>
+          </a:p>
+          <a:p>
+            <a:r>
+              <a:rPr lang="en-US" dirty="0"/>
+              <a:t>Proposal sample (lesson 5)</a:t>
+            </a:r>
+          </a:p>
+          <a:p>
+            <a:r>
+              <a:rPr lang="en-US" dirty="0"/>
+              <a:t>Chocolate fondue Patent (lesson7)</a:t>
+            </a:r>
+          </a:p>
+          <a:p>
+            <a:r>
+              <a:rPr lang="en-US" dirty="0"/>
+              <a:t>Today: submit </a:t>
+            </a:r>
+            <a:r>
+              <a:rPr lang="en-US" dirty="0" err="1"/>
+              <a:t>team.txt</a:t>
+            </a:r>
+            <a:r>
+              <a:rPr lang="en-US" dirty="0"/>
+              <a:t> on this project</a:t>
+            </a:r>
+          </a:p>
+          <a:p>
+            <a:endParaRPr lang="en-US" dirty="0"/>
+          </a:p>
+        </p:txBody>
+      </p:sp>
+      <p:pic>
+        <p:nvPicPr>
+          <p:cNvPr id="1026" name="Picture 2" descr="Preview of your QR Code">
+            <a:extLst>
+              <a:ext uri="{FF2B5EF4-FFF2-40B4-BE49-F238E27FC236}">
+                <a16:creationId xmlns:a16="http://schemas.microsoft.com/office/drawing/2014/main" id="{F7EE27C4-99D4-1747-B438-8F0C1C38FF6C}"/>
+              </a:ext>
+            </a:extLst>
+          </p:cNvPr>
+          <p:cNvPicPr>
+            <a:picLocks noChangeAspect="1" noChangeArrowheads="1"/>
+          </p:cNvPicPr>
+          <p:nvPr/>
+        </p:nvPicPr>
+        <p:blipFill>
+          <a:blip r:embed="rId3">
+            <a:extLst>
+              <a:ext uri="{28A0092B-C50C-407E-A947-70E740481C1C}">
+                <a14:useLocalDpi xmlns:a14="http://schemas.microsoft.com/office/drawing/2010/main" val="0"/>
+              </a:ext>
+            </a:extLst>
+          </a:blip>
+          <a:srcRect/>
+          <a:stretch>
+            <a:fillRect/>
+          </a:stretch>
+        </p:blipFill>
+        <p:spPr bwMode="auto">
+          <a:xfrm>
+            <a:off x="9528047" y="3937850"/>
+            <a:ext cx="1972507" cy="1972507"/>
+          </a:xfrm>
+          <a:prstGeom prst="rect">
+            <a:avLst/>
+          </a:prstGeom>
+          <a:noFill/>
+          <a:extLst>
+            <a:ext uri="{909E8E84-426E-40DD-AFC4-6F175D3DCCD1}">
+              <a14:hiddenFill xmlns:a14="http://schemas.microsoft.com/office/drawing/2010/main">
+                <a:solidFill>
+                  <a:srgbClr val="FFFFFF"/>
+                </a:solidFill>
+              </a14:hiddenFill>
+            </a:ext>
+          </a:extLst>
+        </p:spPr>
+      </p:pic>
+      <p:pic>
+        <p:nvPicPr>
+          <p:cNvPr id="5" name="Picture 4">
+            <a:extLst>
+              <a:ext uri="{FF2B5EF4-FFF2-40B4-BE49-F238E27FC236}">
+                <a16:creationId xmlns:a16="http://schemas.microsoft.com/office/drawing/2014/main" id="{411CB881-0EC9-B115-BAF1-B30F0879698D}"/>
+              </a:ext>
+            </a:extLst>
+          </p:cNvPr>
+          <p:cNvPicPr>
+            <a:picLocks noChangeAspect="1"/>
+          </p:cNvPicPr>
+          <p:nvPr/>
+        </p:nvPicPr>
+        <p:blipFill>
+          <a:blip r:embed="rId4"/>
+          <a:stretch>
+            <a:fillRect/>
+          </a:stretch>
+        </p:blipFill>
+        <p:spPr>
+          <a:xfrm>
+            <a:off x="691445" y="3883542"/>
+            <a:ext cx="7772400" cy="2428358"/>
+          </a:xfrm>
+          <a:prstGeom prst="rect">
+            <a:avLst/>
+          </a:prstGeom>
+        </p:spPr>
+      </p:pic>
+      <p:sp>
+        <p:nvSpPr>
+          <p:cNvPr id="4" name="Doughnut 3">
+            <a:extLst>
+              <a:ext uri="{FF2B5EF4-FFF2-40B4-BE49-F238E27FC236}">
+                <a16:creationId xmlns:a16="http://schemas.microsoft.com/office/drawing/2014/main" id="{7264CFF3-5305-D8D0-A562-E5B6335E9C64}"/>
+              </a:ext>
+            </a:extLst>
+          </p:cNvPr>
+          <p:cNvSpPr/>
+          <p:nvPr/>
+        </p:nvSpPr>
+        <p:spPr>
+          <a:xfrm>
+            <a:off x="506321" y="4307504"/>
+            <a:ext cx="4035451" cy="665018"/>
+          </a:xfrm>
+          <a:prstGeom prst="donut">
+            <a:avLst/>
+          </a:prstGeom>
+        </p:spPr>
+        <p:style>
+          <a:lnRef idx="2">
+            <a:schemeClr val="accent1">
+              <a:shade val="15000"/>
+            </a:schemeClr>
+          </a:lnRef>
+          <a:fillRef idx="1">
+            <a:schemeClr val="accent1"/>
+          </a:fillRef>
+          <a:effectRef idx="0">
+            <a:schemeClr val="accent1"/>
+          </a:effectRef>
+          <a:fontRef idx="minor">
+            <a:schemeClr val="lt1"/>
+          </a:fontRef>
+        </p:style>
+        <p:txBody>
+          <a:bodyPr rtlCol="0" anchor="ctr"/>
+          <a:lstStyle/>
+          <a:p>
+            <a:pPr algn="ctr"/>
+            <a:endParaRPr lang="en-US">
+              <a:solidFill>
+                <a:schemeClr val="tx1"/>
+              </a:solidFill>
+            </a:endParaRPr>
+          </a:p>
+        </p:txBody>
+      </p:sp>
+      <p:sp>
+        <p:nvSpPr>
+          <p:cNvPr id="6" name="Doughnut 5">
+            <a:extLst>
+              <a:ext uri="{FF2B5EF4-FFF2-40B4-BE49-F238E27FC236}">
+                <a16:creationId xmlns:a16="http://schemas.microsoft.com/office/drawing/2014/main" id="{0235F19D-5CC4-E331-A18E-A21B8AE0B1AC}"/>
+              </a:ext>
+            </a:extLst>
+          </p:cNvPr>
+          <p:cNvSpPr/>
+          <p:nvPr/>
+        </p:nvSpPr>
+        <p:spPr>
+          <a:xfrm>
+            <a:off x="574334" y="5448615"/>
+            <a:ext cx="3808740" cy="362737"/>
+          </a:xfrm>
+          <a:prstGeom prst="donut">
+            <a:avLst/>
+          </a:prstGeom>
+        </p:spPr>
+        <p:style>
+          <a:lnRef idx="2">
+            <a:schemeClr val="accent1">
+              <a:shade val="15000"/>
+            </a:schemeClr>
+          </a:lnRef>
+          <a:fillRef idx="1">
+            <a:schemeClr val="accent1"/>
+          </a:fillRef>
+          <a:effectRef idx="0">
+            <a:schemeClr val="accent1"/>
+          </a:effectRef>
+          <a:fontRef idx="minor">
+            <a:schemeClr val="lt1"/>
+          </a:fontRef>
+        </p:style>
+        <p:txBody>
+          <a:bodyPr rtlCol="0" anchor="ctr"/>
+          <a:lstStyle/>
+          <a:p>
+            <a:pPr algn="ctr"/>
+            <a:endParaRPr lang="en-US">
+              <a:solidFill>
+                <a:schemeClr val="tx1"/>
+              </a:solidFill>
+            </a:endParaRPr>
+          </a:p>
+        </p:txBody>
+      </p:sp>
+    </p:spTree>
+    <p:extLst>
+      <p:ext uri="{BB962C8B-B14F-4D97-AF65-F5344CB8AC3E}">
+        <p14:creationId xmlns:p14="http://schemas.microsoft.com/office/powerpoint/2010/main" val="2187508861"/>
       </p:ext>
     </p:extLst>
   </p:cSld>
@@ -8584,7 +6391,16 @@
           <a:bodyPr/>
           <a:lstStyle/>
           <a:p>
-            <a:endParaRPr lang="en-US"/>
+            <a:r>
+              <a:rPr lang="en-US" dirty="0"/>
+              <a:t>I will come round and identify and talk to you. So if you miss not class I may not know you and see that you understand the exercise, so please try not to miss the class</a:t>
+            </a:r>
+          </a:p>
+          <a:p>
+            <a:r>
+              <a:rPr lang="en-US" dirty="0"/>
+              <a:t>For the same team, you might have different marks because of the participation.</a:t>
+            </a:r>
           </a:p>
         </p:txBody>
       </p:sp>

--- a/20241108-lesson10.pptx
+++ b/20241108-lesson10.pptx
@@ -5594,10 +5594,8 @@
                   <a:srgbClr val="FF0000"/>
                 </a:solidFill>
               </a:rPr>
-              <a:t>/a/75cq-Gag</a:t>
-            </a:r>
-          </a:p>
-          <a:p>
+              <a:t>/a/U4QTG0NS </a:t>
+            </a:r>
             <a:r>
               <a:rPr lang="en-US" sz="2000" dirty="0"/>
               <a:t>Proposal sample (lesson 5)</a:t>
@@ -5612,15 +5610,7 @@
           <a:p>
             <a:r>
               <a:rPr lang="en-US" sz="2000" dirty="0"/>
-              <a:t>Today: submit </a:t>
-            </a:r>
-            <a:r>
-              <a:rPr lang="en-US" sz="2000" dirty="0" err="1"/>
-              <a:t>team.txt</a:t>
-            </a:r>
-            <a:r>
-              <a:rPr lang="en-US" sz="2000" dirty="0"/>
-              <a:t> on this project</a:t>
+              <a:t>Just make sure everyone has created the team</a:t>
             </a:r>
           </a:p>
           <a:p>
@@ -5861,52 +5851,6 @@
           </a:p>
         </p:txBody>
       </p:sp>
-      <p:pic>
-        <p:nvPicPr>
-          <p:cNvPr id="1028" name="Picture 4" descr="Preview of your QR Code">
-            <a:extLst>
-              <a:ext uri="{FF2B5EF4-FFF2-40B4-BE49-F238E27FC236}">
-                <a16:creationId xmlns:a16="http://schemas.microsoft.com/office/drawing/2014/main" id="{87CEF730-8819-2A05-8A24-C90CEC8003FB}"/>
-              </a:ext>
-            </a:extLst>
-          </p:cNvPr>
-          <p:cNvPicPr>
-            <a:picLocks noChangeAspect="1" noChangeArrowheads="1"/>
-          </p:cNvPicPr>
-          <p:nvPr/>
-        </p:nvPicPr>
-        <p:blipFill>
-          <a:blip r:embed="rId3">
-            <a:extLst>
-              <a:ext uri="{28A0092B-C50C-407E-A947-70E740481C1C}">
-                <a14:useLocalDpi xmlns:a14="http://schemas.microsoft.com/office/drawing/2010/main" val="0"/>
-              </a:ext>
-            </a:extLst>
-          </a:blip>
-          <a:stretch>
-            <a:fillRect/>
-          </a:stretch>
-        </p:blipFill>
-        <p:spPr bwMode="auto">
-          <a:xfrm>
-            <a:off x="8021829" y="3707894"/>
-            <a:ext cx="2518756" cy="2518756"/>
-          </a:xfrm>
-          <a:prstGeom prst="rect">
-            <a:avLst/>
-          </a:prstGeom>
-          <a:noFill/>
-          <a:extLst>
-            <a:ext uri="{909E8E84-426E-40DD-AFC4-6F175D3DCCD1}">
-              <a14:hiddenFill xmlns:a14="http://schemas.microsoft.com/office/drawing/2010/main">
-                <a:solidFill>
-                  <a:srgbClr val="FFFFFF"/>
-                </a:solidFill>
-              </a14:hiddenFill>
-            </a:ext>
-          </a:extLst>
-        </p:spPr>
-      </p:pic>
       <p:sp>
         <p:nvSpPr>
           <p:cNvPr id="7" name="Doughnut 6">
@@ -6007,6 +5951,53 @@
           </a:p>
         </p:txBody>
       </p:sp>
+      <p:pic>
+        <p:nvPicPr>
+          <p:cNvPr id="1030" name="Picture 6" descr="Preview of your QR Code">
+            <a:extLst>
+              <a:ext uri="{FF2B5EF4-FFF2-40B4-BE49-F238E27FC236}">
+                <a16:creationId xmlns:a16="http://schemas.microsoft.com/office/drawing/2014/main" id="{1F6FCA98-7650-4F97-0F24-49424E1DD0C0}"/>
+              </a:ext>
+            </a:extLst>
+          </p:cNvPr>
+          <p:cNvPicPr>
+            <a:picLocks noChangeAspect="1" noChangeArrowheads="1"/>
+          </p:cNvPicPr>
+          <p:nvPr/>
+        </p:nvPicPr>
+        <p:blipFill>
+          <a:blip r:embed="rId3">
+            <a:extLst>
+              <a:ext uri="{28A0092B-C50C-407E-A947-70E740481C1C}">
+                <a14:useLocalDpi xmlns:a14="http://schemas.microsoft.com/office/drawing/2010/main" val="0"/>
+              </a:ext>
+            </a:extLst>
+          </a:blip>
+          <a:srcRect/>
+          <a:stretch>
+            <a:fillRect/>
+          </a:stretch>
+        </p:blipFill>
+        <p:spPr bwMode="auto">
+          <a:xfrm>
+            <a:off x="7255305" y="3527682"/>
+            <a:ext cx="2794000" cy="2794000"/>
+          </a:xfrm>
+          <a:prstGeom prst="rect">
+            <a:avLst/>
+          </a:prstGeom>
+          <a:noFill/>
+          <a:extLst>
+            <a:ext uri="{909E8E84-426E-40DD-AFC4-6F175D3DCCD1}">
+              <a14:hiddenFill xmlns:a14="http://schemas.microsoft.com/office/drawing/2010/main">
+                <a:solidFill>
+                  <a:srgbClr val="FFFFFF"/>
+                </a:solidFill>
+              </a14:hiddenFill>
+            </a:ext>
+          </a:extLst>
+        </p:spPr>
+      </p:pic>
     </p:spTree>
     <p:extLst>
       <p:ext uri="{BB962C8B-B14F-4D97-AF65-F5344CB8AC3E}">
@@ -6094,15 +6085,8 @@
           <a:p>
             <a:r>
               <a:rPr lang="en-US" dirty="0"/>
-              <a:t>Submission: </a:t>
-            </a:r>
-            <a:r>
-              <a:rPr lang="en-US" dirty="0">
-                <a:hlinkClick r:id="rId2"/>
-              </a:rPr>
-              <a:t>https://classroom.github.com/a/AfcaMNzf</a:t>
-            </a:r>
-            <a:endParaRPr lang="en-US" dirty="0"/>
+              <a:t>Submission: (confirm later, since errors in creating teams</a:t>
+            </a:r>
           </a:p>
           <a:p>
             <a:r>
@@ -6117,71 +6101,10 @@
             </a:r>
           </a:p>
           <a:p>
-            <a:r>
-              <a:rPr lang="en-US" dirty="0"/>
-              <a:t>Today: submit </a:t>
-            </a:r>
-            <a:r>
-              <a:rPr lang="en-US" dirty="0" err="1"/>
-              <a:t>team.txt</a:t>
-            </a:r>
-            <a:r>
-              <a:rPr lang="en-US" dirty="0"/>
-              <a:t> on this project</a:t>
-            </a:r>
-          </a:p>
-          <a:p>
             <a:endParaRPr lang="en-US" dirty="0"/>
           </a:p>
         </p:txBody>
       </p:sp>
-      <p:pic>
-        <p:nvPicPr>
-          <p:cNvPr id="1026" name="Picture 2" descr="Preview of your QR Code">
-            <a:extLst>
-              <a:ext uri="{FF2B5EF4-FFF2-40B4-BE49-F238E27FC236}">
-                <a16:creationId xmlns:a16="http://schemas.microsoft.com/office/drawing/2014/main" id="{F7EE27C4-99D4-1747-B438-8F0C1C38FF6C}"/>
-              </a:ext>
-            </a:extLst>
-          </p:cNvPr>
-          <p:cNvPicPr>
-            <a:picLocks noChangeAspect="1" noChangeArrowheads="1"/>
-          </p:cNvPicPr>
-          <p:nvPr/>
-        </p:nvPicPr>
-        <p:blipFill>
-          <a:blip r:embed="rId3">
-            <a:extLst>
-              <a:ext uri="{28A0092B-C50C-407E-A947-70E740481C1C}">
-                <a14:useLocalDpi xmlns:a14="http://schemas.microsoft.com/office/drawing/2010/main" val="0"/>
-              </a:ext>
-            </a:extLst>
-          </a:blip>
-          <a:srcRect/>
-          <a:stretch>
-            <a:fillRect/>
-          </a:stretch>
-        </p:blipFill>
-        <p:spPr bwMode="auto">
-          <a:xfrm>
-            <a:off x="9528047" y="3937850"/>
-            <a:ext cx="1972507" cy="1972507"/>
-          </a:xfrm>
-          <a:prstGeom prst="rect">
-            <a:avLst/>
-          </a:prstGeom>
-          <a:noFill/>
-          <a:extLst>
-            <a:ext uri="{909E8E84-426E-40DD-AFC4-6F175D3DCCD1}">
-              <a14:hiddenFill xmlns:a14="http://schemas.microsoft.com/office/drawing/2010/main">
-                <a:solidFill>
-                  <a:srgbClr val="FFFFFF"/>
-                </a:solidFill>
-              </a14:hiddenFill>
-            </a:ext>
-          </a:extLst>
-        </p:spPr>
-      </p:pic>
       <p:pic>
         <p:nvPicPr>
           <p:cNvPr id="5" name="Picture 4">
@@ -6197,7 +6120,7 @@
           <p:nvPr/>
         </p:nvPicPr>
         <p:blipFill>
-          <a:blip r:embed="rId4"/>
+          <a:blip r:embed="rId2"/>
           <a:stretch>
             <a:fillRect/>
           </a:stretch>
